--- a/卢老师论文汇报/1115汇报.pptx
+++ b/卢老师论文汇报/1115汇报.pptx
@@ -5,18 +5,21 @@
     <p:sldMasterId id="2147483648" r:id="rId1"/>
   </p:sldMasterIdLst>
   <p:sldIdLst>
-    <p:sldId id="409" r:id="rId2"/>
-    <p:sldId id="412" r:id="rId3"/>
-    <p:sldId id="413" r:id="rId4"/>
-    <p:sldId id="414" r:id="rId5"/>
-    <p:sldId id="415" r:id="rId6"/>
-    <p:sldId id="416" r:id="rId7"/>
-    <p:sldId id="417" r:id="rId8"/>
-    <p:sldId id="418" r:id="rId9"/>
-    <p:sldId id="419" r:id="rId10"/>
-    <p:sldId id="420" r:id="rId11"/>
-    <p:sldId id="302" r:id="rId12"/>
-    <p:sldId id="411" r:id="rId13"/>
+    <p:sldId id="421" r:id="rId2"/>
+    <p:sldId id="422" r:id="rId3"/>
+    <p:sldId id="412" r:id="rId4"/>
+    <p:sldId id="429" r:id="rId5"/>
+    <p:sldId id="414" r:id="rId6"/>
+    <p:sldId id="430" r:id="rId7"/>
+    <p:sldId id="425" r:id="rId8"/>
+    <p:sldId id="431" r:id="rId9"/>
+    <p:sldId id="426" r:id="rId10"/>
+    <p:sldId id="417" r:id="rId11"/>
+    <p:sldId id="418" r:id="rId12"/>
+    <p:sldId id="419" r:id="rId13"/>
+    <p:sldId id="420" r:id="rId14"/>
+    <p:sldId id="302" r:id="rId15"/>
+    <p:sldId id="411" r:id="rId16"/>
   </p:sldIdLst>
   <p:sldSz cx="12192000" cy="6858000"/>
   <p:notesSz cx="6858000" cy="9144000"/>
@@ -270,7 +273,7 @@
           <a:p>
             <a:fld id="{05D1DEA3-224F-45CD-ABFB-AAB1758CA7DD}" type="datetimeFigureOut">
               <a:rPr lang="zh-CN" altLang="en-US" smtClean="0"/>
-              <a:t>2023/11/8</a:t>
+              <a:t>2023/11/9</a:t>
             </a:fld>
             <a:endParaRPr lang="zh-CN" altLang="en-US"/>
           </a:p>
@@ -468,7 +471,7 @@
           <a:p>
             <a:fld id="{05D1DEA3-224F-45CD-ABFB-AAB1758CA7DD}" type="datetimeFigureOut">
               <a:rPr lang="zh-CN" altLang="en-US" smtClean="0"/>
-              <a:t>2023/11/8</a:t>
+              <a:t>2023/11/9</a:t>
             </a:fld>
             <a:endParaRPr lang="zh-CN" altLang="en-US"/>
           </a:p>
@@ -676,7 +679,7 @@
           <a:p>
             <a:fld id="{05D1DEA3-224F-45CD-ABFB-AAB1758CA7DD}" type="datetimeFigureOut">
               <a:rPr lang="zh-CN" altLang="en-US" smtClean="0"/>
-              <a:t>2023/11/8</a:t>
+              <a:t>2023/11/9</a:t>
             </a:fld>
             <a:endParaRPr lang="zh-CN" altLang="en-US"/>
           </a:p>
@@ -874,7 +877,7 @@
           <a:p>
             <a:fld id="{05D1DEA3-224F-45CD-ABFB-AAB1758CA7DD}" type="datetimeFigureOut">
               <a:rPr lang="zh-CN" altLang="en-US" smtClean="0"/>
-              <a:t>2023/11/8</a:t>
+              <a:t>2023/11/9</a:t>
             </a:fld>
             <a:endParaRPr lang="zh-CN" altLang="en-US"/>
           </a:p>
@@ -1149,7 +1152,7 @@
           <a:p>
             <a:fld id="{05D1DEA3-224F-45CD-ABFB-AAB1758CA7DD}" type="datetimeFigureOut">
               <a:rPr lang="zh-CN" altLang="en-US" smtClean="0"/>
-              <a:t>2023/11/8</a:t>
+              <a:t>2023/11/9</a:t>
             </a:fld>
             <a:endParaRPr lang="zh-CN" altLang="en-US"/>
           </a:p>
@@ -1414,7 +1417,7 @@
           <a:p>
             <a:fld id="{05D1DEA3-224F-45CD-ABFB-AAB1758CA7DD}" type="datetimeFigureOut">
               <a:rPr lang="zh-CN" altLang="en-US" smtClean="0"/>
-              <a:t>2023/11/8</a:t>
+              <a:t>2023/11/9</a:t>
             </a:fld>
             <a:endParaRPr lang="zh-CN" altLang="en-US"/>
           </a:p>
@@ -1826,7 +1829,7 @@
           <a:p>
             <a:fld id="{05D1DEA3-224F-45CD-ABFB-AAB1758CA7DD}" type="datetimeFigureOut">
               <a:rPr lang="zh-CN" altLang="en-US" smtClean="0"/>
-              <a:t>2023/11/8</a:t>
+              <a:t>2023/11/9</a:t>
             </a:fld>
             <a:endParaRPr lang="zh-CN" altLang="en-US"/>
           </a:p>
@@ -1967,7 +1970,7 @@
           <a:p>
             <a:fld id="{05D1DEA3-224F-45CD-ABFB-AAB1758CA7DD}" type="datetimeFigureOut">
               <a:rPr lang="zh-CN" altLang="en-US" smtClean="0"/>
-              <a:t>2023/11/8</a:t>
+              <a:t>2023/11/9</a:t>
             </a:fld>
             <a:endParaRPr lang="zh-CN" altLang="en-US"/>
           </a:p>
@@ -2080,7 +2083,7 @@
           <a:p>
             <a:fld id="{05D1DEA3-224F-45CD-ABFB-AAB1758CA7DD}" type="datetimeFigureOut">
               <a:rPr lang="zh-CN" altLang="en-US" smtClean="0"/>
-              <a:t>2023/11/8</a:t>
+              <a:t>2023/11/9</a:t>
             </a:fld>
             <a:endParaRPr lang="zh-CN" altLang="en-US"/>
           </a:p>
@@ -2391,7 +2394,7 @@
           <a:p>
             <a:fld id="{05D1DEA3-224F-45CD-ABFB-AAB1758CA7DD}" type="datetimeFigureOut">
               <a:rPr lang="zh-CN" altLang="en-US" smtClean="0"/>
-              <a:t>2023/11/8</a:t>
+              <a:t>2023/11/9</a:t>
             </a:fld>
             <a:endParaRPr lang="zh-CN" altLang="en-US"/>
           </a:p>
@@ -2679,7 +2682,7 @@
           <a:p>
             <a:fld id="{05D1DEA3-224F-45CD-ABFB-AAB1758CA7DD}" type="datetimeFigureOut">
               <a:rPr lang="zh-CN" altLang="en-US" smtClean="0"/>
-              <a:t>2023/11/8</a:t>
+              <a:t>2023/11/9</a:t>
             </a:fld>
             <a:endParaRPr lang="zh-CN" altLang="en-US"/>
           </a:p>
@@ -2920,7 +2923,7 @@
           <a:p>
             <a:fld id="{05D1DEA3-224F-45CD-ABFB-AAB1758CA7DD}" type="datetimeFigureOut">
               <a:rPr lang="zh-CN" altLang="en-US" smtClean="0"/>
-              <a:t>2023/11/8</a:t>
+              <a:t>2023/11/9</a:t>
             </a:fld>
             <a:endParaRPr lang="zh-CN" altLang="en-US"/>
           </a:p>
@@ -3339,10 +3342,10 @@
       </p:grpSpPr>
       <p:sp>
         <p:nvSpPr>
-          <p:cNvPr id="2" name="矩形 1">
-            <a:extLst>
-              <a:ext uri="{FF2B5EF4-FFF2-40B4-BE49-F238E27FC236}">
-                <a16:creationId xmlns:a16="http://schemas.microsoft.com/office/drawing/2014/main" id="{C948CEC0-1087-4C1C-A0C5-A225BDC20D76}"/>
+          <p:cNvPr id="3" name="矩形: 圆角 2">
+            <a:extLst>
+              <a:ext uri="{FF2B5EF4-FFF2-40B4-BE49-F238E27FC236}">
+                <a16:creationId xmlns:a16="http://schemas.microsoft.com/office/drawing/2014/main" id="{B9AC4382-001A-7E4E-DAF0-12A203203A77}"/>
               </a:ext>
             </a:extLst>
           </p:cNvPr>
@@ -3351,467 +3354,3924 @@
         </p:nvSpPr>
         <p:spPr>
           <a:xfrm>
-            <a:off x="186431" y="818744"/>
-            <a:ext cx="11549848" cy="5355312"/>
+            <a:off x="67723" y="75301"/>
+            <a:ext cx="11347663" cy="6307744"/>
+          </a:xfrm>
+          <a:prstGeom prst="roundRect">
+            <a:avLst/>
+          </a:prstGeom>
+          <a:solidFill>
+            <a:schemeClr val="tx2">
+              <a:lumMod val="20000"/>
+              <a:lumOff val="80000"/>
+            </a:schemeClr>
+          </a:solidFill>
+          <a:ln>
+            <a:solidFill>
+              <a:schemeClr val="tx1"/>
+            </a:solidFill>
+          </a:ln>
+          <a:effectLst>
+            <a:outerShdw blurRad="50800" dist="38100" dir="2700000" algn="tl" rotWithShape="0">
+              <a:prstClr val="black">
+                <a:alpha val="40000"/>
+              </a:prstClr>
+            </a:outerShdw>
+          </a:effectLst>
+        </p:spPr>
+        <p:style>
+          <a:lnRef idx="2">
+            <a:schemeClr val="accent1">
+              <a:shade val="15000"/>
+            </a:schemeClr>
+          </a:lnRef>
+          <a:fillRef idx="1">
+            <a:schemeClr val="accent1"/>
+          </a:fillRef>
+          <a:effectRef idx="0">
+            <a:schemeClr val="accent1"/>
+          </a:effectRef>
+          <a:fontRef idx="minor">
+            <a:schemeClr val="lt1"/>
+          </a:fontRef>
+        </p:style>
+        <p:txBody>
+          <a:bodyPr rtlCol="0" anchor="ctr"/>
+          <a:lstStyle/>
+          <a:p>
+            <a:pPr algn="ctr"/>
+            <a:endParaRPr lang="zh-CN" altLang="en-US" dirty="0"/>
+          </a:p>
+        </p:txBody>
+      </p:sp>
+      <p:sp>
+        <p:nvSpPr>
+          <p:cNvPr id="5" name="椭圆 4">
+            <a:extLst>
+              <a:ext uri="{FF2B5EF4-FFF2-40B4-BE49-F238E27FC236}">
+                <a16:creationId xmlns:a16="http://schemas.microsoft.com/office/drawing/2014/main" id="{C7E278BD-D850-A406-5BB1-3A9C6C318871}"/>
+              </a:ext>
+            </a:extLst>
+          </p:cNvPr>
+          <p:cNvSpPr/>
+          <p:nvPr/>
+        </p:nvSpPr>
+        <p:spPr>
+          <a:xfrm>
+            <a:off x="954035" y="206227"/>
+            <a:ext cx="1115881" cy="697848"/>
+          </a:xfrm>
+          <a:prstGeom prst="ellipse">
+            <a:avLst/>
+          </a:prstGeom>
+          <a:solidFill>
+            <a:schemeClr val="accent1">
+              <a:lumMod val="40000"/>
+              <a:lumOff val="60000"/>
+            </a:schemeClr>
+          </a:solidFill>
+        </p:spPr>
+        <p:style>
+          <a:lnRef idx="2">
+            <a:schemeClr val="accent1">
+              <a:shade val="15000"/>
+            </a:schemeClr>
+          </a:lnRef>
+          <a:fillRef idx="1">
+            <a:schemeClr val="accent1"/>
+          </a:fillRef>
+          <a:effectRef idx="0">
+            <a:schemeClr val="accent1"/>
+          </a:effectRef>
+          <a:fontRef idx="minor">
+            <a:schemeClr val="lt1"/>
+          </a:fontRef>
+        </p:style>
+        <p:txBody>
+          <a:bodyPr rtlCol="0" anchor="ctr"/>
+          <a:lstStyle/>
+          <a:p>
+            <a:pPr algn="ctr"/>
+            <a:r>
+              <a:rPr lang="zh-CN" altLang="en-US" sz="1400" dirty="0"/>
+              <a:t>完全自适应模态分解</a:t>
+            </a:r>
+          </a:p>
+        </p:txBody>
+      </p:sp>
+      <p:sp>
+        <p:nvSpPr>
+          <p:cNvPr id="8" name="矩形: 圆角 7">
+            <a:extLst>
+              <a:ext uri="{FF2B5EF4-FFF2-40B4-BE49-F238E27FC236}">
+                <a16:creationId xmlns:a16="http://schemas.microsoft.com/office/drawing/2014/main" id="{D4DC892F-F11C-923D-03C9-268078FB67D0}"/>
+              </a:ext>
+            </a:extLst>
+          </p:cNvPr>
+          <p:cNvSpPr/>
+          <p:nvPr/>
+        </p:nvSpPr>
+        <p:spPr>
+          <a:xfrm>
+            <a:off x="149108" y="1762067"/>
+            <a:ext cx="753375" cy="362309"/>
+          </a:xfrm>
+          <a:prstGeom prst="roundRect">
+            <a:avLst/>
+          </a:prstGeom>
+          <a:solidFill>
+            <a:schemeClr val="accent1">
+              <a:lumMod val="40000"/>
+              <a:lumOff val="60000"/>
+            </a:schemeClr>
+          </a:solidFill>
+        </p:spPr>
+        <p:style>
+          <a:lnRef idx="2">
+            <a:schemeClr val="accent1">
+              <a:shade val="15000"/>
+            </a:schemeClr>
+          </a:lnRef>
+          <a:fillRef idx="1">
+            <a:schemeClr val="accent1"/>
+          </a:fillRef>
+          <a:effectRef idx="0">
+            <a:schemeClr val="accent1"/>
+          </a:effectRef>
+          <a:fontRef idx="minor">
+            <a:schemeClr val="lt1"/>
+          </a:fontRef>
+        </p:style>
+        <p:txBody>
+          <a:bodyPr rtlCol="0" anchor="ctr"/>
+          <a:lstStyle/>
+          <a:p>
+            <a:pPr algn="ctr"/>
+            <a:r>
+              <a:rPr lang="en-US" altLang="zh-CN" sz="1000" dirty="0"/>
+              <a:t>IMF1</a:t>
+            </a:r>
+            <a:endParaRPr lang="zh-CN" altLang="en-US" sz="1000" dirty="0"/>
+          </a:p>
+        </p:txBody>
+      </p:sp>
+      <p:sp>
+        <p:nvSpPr>
+          <p:cNvPr id="9" name="矩形: 圆角 8">
+            <a:extLst>
+              <a:ext uri="{FF2B5EF4-FFF2-40B4-BE49-F238E27FC236}">
+                <a16:creationId xmlns:a16="http://schemas.microsoft.com/office/drawing/2014/main" id="{79097161-77C4-287B-6FA1-F234012DCACE}"/>
+              </a:ext>
+            </a:extLst>
+          </p:cNvPr>
+          <p:cNvSpPr/>
+          <p:nvPr/>
+        </p:nvSpPr>
+        <p:spPr>
+          <a:xfrm>
+            <a:off x="1023555" y="1744880"/>
+            <a:ext cx="753375" cy="362309"/>
+          </a:xfrm>
+          <a:prstGeom prst="roundRect">
+            <a:avLst/>
+          </a:prstGeom>
+          <a:solidFill>
+            <a:schemeClr val="accent1">
+              <a:lumMod val="40000"/>
+              <a:lumOff val="60000"/>
+            </a:schemeClr>
+          </a:solidFill>
+        </p:spPr>
+        <p:style>
+          <a:lnRef idx="2">
+            <a:schemeClr val="accent1">
+              <a:shade val="15000"/>
+            </a:schemeClr>
+          </a:lnRef>
+          <a:fillRef idx="1">
+            <a:schemeClr val="accent1"/>
+          </a:fillRef>
+          <a:effectRef idx="0">
+            <a:schemeClr val="accent1"/>
+          </a:effectRef>
+          <a:fontRef idx="minor">
+            <a:schemeClr val="lt1"/>
+          </a:fontRef>
+        </p:style>
+        <p:txBody>
+          <a:bodyPr rtlCol="0" anchor="ctr"/>
+          <a:lstStyle/>
+          <a:p>
+            <a:pPr algn="ctr"/>
+            <a:r>
+              <a:rPr lang="en-US" altLang="zh-CN" sz="1000" dirty="0"/>
+              <a:t>IMF2</a:t>
+            </a:r>
+            <a:endParaRPr lang="zh-CN" altLang="en-US" sz="1000" dirty="0"/>
+          </a:p>
+        </p:txBody>
+      </p:sp>
+      <p:sp>
+        <p:nvSpPr>
+          <p:cNvPr id="10" name="矩形: 圆角 9">
+            <a:extLst>
+              <a:ext uri="{FF2B5EF4-FFF2-40B4-BE49-F238E27FC236}">
+                <a16:creationId xmlns:a16="http://schemas.microsoft.com/office/drawing/2014/main" id="{781F25D5-5BC7-E37B-C3B8-4F3E4E3048CA}"/>
+              </a:ext>
+            </a:extLst>
+          </p:cNvPr>
+          <p:cNvSpPr/>
+          <p:nvPr/>
+        </p:nvSpPr>
+        <p:spPr>
+          <a:xfrm>
+            <a:off x="2198207" y="1757247"/>
+            <a:ext cx="753375" cy="362309"/>
+          </a:xfrm>
+          <a:prstGeom prst="roundRect">
+            <a:avLst/>
+          </a:prstGeom>
+          <a:solidFill>
+            <a:schemeClr val="accent1">
+              <a:lumMod val="40000"/>
+              <a:lumOff val="60000"/>
+            </a:schemeClr>
+          </a:solidFill>
+        </p:spPr>
+        <p:style>
+          <a:lnRef idx="2">
+            <a:schemeClr val="accent1">
+              <a:shade val="15000"/>
+            </a:schemeClr>
+          </a:lnRef>
+          <a:fillRef idx="1">
+            <a:schemeClr val="accent1"/>
+          </a:fillRef>
+          <a:effectRef idx="0">
+            <a:schemeClr val="accent1"/>
+          </a:effectRef>
+          <a:fontRef idx="minor">
+            <a:schemeClr val="lt1"/>
+          </a:fontRef>
+        </p:style>
+        <p:txBody>
+          <a:bodyPr rtlCol="0" anchor="ctr"/>
+          <a:lstStyle/>
+          <a:p>
+            <a:pPr algn="ctr"/>
+            <a:r>
+              <a:rPr lang="en-US" altLang="zh-CN" sz="1000" dirty="0"/>
+              <a:t>IMFN</a:t>
+            </a:r>
+            <a:endParaRPr lang="zh-CN" altLang="en-US" sz="1000" dirty="0"/>
+          </a:p>
+        </p:txBody>
+      </p:sp>
+      <p:sp>
+        <p:nvSpPr>
+          <p:cNvPr id="21" name="箭头: 右 20">
+            <a:extLst>
+              <a:ext uri="{FF2B5EF4-FFF2-40B4-BE49-F238E27FC236}">
+                <a16:creationId xmlns:a16="http://schemas.microsoft.com/office/drawing/2014/main" id="{7DF70462-46CA-8D4A-2A6A-1B9C0EDC2564}"/>
+              </a:ext>
+            </a:extLst>
+          </p:cNvPr>
+          <p:cNvSpPr/>
+          <p:nvPr/>
+        </p:nvSpPr>
+        <p:spPr>
+          <a:xfrm>
+            <a:off x="4177405" y="3244903"/>
+            <a:ext cx="1331192" cy="362308"/>
+          </a:xfrm>
+          <a:prstGeom prst="rightArrow">
+            <a:avLst>
+              <a:gd name="adj1" fmla="val 50000"/>
+              <a:gd name="adj2" fmla="val 50000"/>
+            </a:avLst>
+          </a:prstGeom>
+          <a:solidFill>
+            <a:schemeClr val="accent1">
+              <a:lumMod val="40000"/>
+              <a:lumOff val="60000"/>
+            </a:schemeClr>
+          </a:solidFill>
+        </p:spPr>
+        <p:style>
+          <a:lnRef idx="2">
+            <a:schemeClr val="accent1">
+              <a:shade val="15000"/>
+            </a:schemeClr>
+          </a:lnRef>
+          <a:fillRef idx="1">
+            <a:schemeClr val="accent1"/>
+          </a:fillRef>
+          <a:effectRef idx="0">
+            <a:schemeClr val="accent1"/>
+          </a:effectRef>
+          <a:fontRef idx="minor">
+            <a:schemeClr val="lt1"/>
+          </a:fontRef>
+        </p:style>
+        <p:txBody>
+          <a:bodyPr rtlCol="0" anchor="ctr"/>
+          <a:lstStyle/>
+          <a:p>
+            <a:pPr algn="ctr"/>
+            <a:endParaRPr lang="zh-CN" altLang="en-US"/>
+          </a:p>
+        </p:txBody>
+      </p:sp>
+      <p:sp>
+        <p:nvSpPr>
+          <p:cNvPr id="23" name="椭圆 22">
+            <a:extLst>
+              <a:ext uri="{FF2B5EF4-FFF2-40B4-BE49-F238E27FC236}">
+                <a16:creationId xmlns:a16="http://schemas.microsoft.com/office/drawing/2014/main" id="{620A7E46-24B0-AE09-A968-5C4F0FA1AF14}"/>
+              </a:ext>
+            </a:extLst>
+          </p:cNvPr>
+          <p:cNvSpPr/>
+          <p:nvPr/>
+        </p:nvSpPr>
+        <p:spPr>
+          <a:xfrm>
+            <a:off x="7169915" y="3404761"/>
+            <a:ext cx="1252572" cy="553944"/>
+          </a:xfrm>
+          <a:prstGeom prst="ellipse">
+            <a:avLst/>
+          </a:prstGeom>
+          <a:solidFill>
+            <a:schemeClr val="accent1">
+              <a:lumMod val="40000"/>
+              <a:lumOff val="60000"/>
+            </a:schemeClr>
+          </a:solidFill>
+        </p:spPr>
+        <p:style>
+          <a:lnRef idx="2">
+            <a:schemeClr val="accent1">
+              <a:shade val="15000"/>
+            </a:schemeClr>
+          </a:lnRef>
+          <a:fillRef idx="1">
+            <a:schemeClr val="accent1"/>
+          </a:fillRef>
+          <a:effectRef idx="0">
+            <a:schemeClr val="accent1"/>
+          </a:effectRef>
+          <a:fontRef idx="minor">
+            <a:schemeClr val="lt1"/>
+          </a:fontRef>
+        </p:style>
+        <p:txBody>
+          <a:bodyPr rtlCol="0" anchor="ctr"/>
+          <a:lstStyle/>
+          <a:p>
+            <a:pPr algn="ctr"/>
+            <a:r>
+              <a:rPr lang="en-US" altLang="zh-CN" sz="1200" b="0" i="0" dirty="0">
+                <a:solidFill>
+                  <a:srgbClr val="333333"/>
+                </a:solidFill>
+                <a:effectLst/>
+                <a:latin typeface="-apple-system"/>
+              </a:rPr>
+              <a:t>CART</a:t>
+            </a:r>
+            <a:r>
+              <a:rPr lang="zh-CN" altLang="en-US" sz="1200" b="0" i="0" dirty="0">
+                <a:solidFill>
+                  <a:srgbClr val="333333"/>
+                </a:solidFill>
+                <a:effectLst/>
+                <a:latin typeface="-apple-system"/>
+              </a:rPr>
+              <a:t>决策树</a:t>
+            </a:r>
+            <a:r>
+              <a:rPr lang="en-US" altLang="zh-CN" sz="1200" b="0" i="0" dirty="0">
+                <a:solidFill>
+                  <a:srgbClr val="333333"/>
+                </a:solidFill>
+                <a:effectLst/>
+                <a:latin typeface="-apple-system"/>
+              </a:rPr>
+              <a:t>1</a:t>
+            </a:r>
+            <a:endParaRPr lang="zh-CN" altLang="en-US" sz="1200" dirty="0"/>
+          </a:p>
+        </p:txBody>
+      </p:sp>
+      <p:sp>
+        <p:nvSpPr>
+          <p:cNvPr id="28" name="箭头: 右 27">
+            <a:extLst>
+              <a:ext uri="{FF2B5EF4-FFF2-40B4-BE49-F238E27FC236}">
+                <a16:creationId xmlns:a16="http://schemas.microsoft.com/office/drawing/2014/main" id="{C0D325AE-77C3-5FDB-2960-3A320D5AF931}"/>
+              </a:ext>
+            </a:extLst>
+          </p:cNvPr>
+          <p:cNvSpPr/>
+          <p:nvPr/>
+        </p:nvSpPr>
+        <p:spPr>
+          <a:xfrm rot="5400000">
+            <a:off x="1216079" y="1141186"/>
+            <a:ext cx="606434" cy="280502"/>
+          </a:xfrm>
+          <a:prstGeom prst="rightArrow">
+            <a:avLst>
+              <a:gd name="adj1" fmla="val 50000"/>
+              <a:gd name="adj2" fmla="val 50000"/>
+            </a:avLst>
+          </a:prstGeom>
+          <a:solidFill>
+            <a:schemeClr val="accent1">
+              <a:lumMod val="40000"/>
+              <a:lumOff val="60000"/>
+            </a:schemeClr>
+          </a:solidFill>
+        </p:spPr>
+        <p:style>
+          <a:lnRef idx="2">
+            <a:schemeClr val="accent1">
+              <a:shade val="15000"/>
+            </a:schemeClr>
+          </a:lnRef>
+          <a:fillRef idx="1">
+            <a:schemeClr val="accent1"/>
+          </a:fillRef>
+          <a:effectRef idx="0">
+            <a:schemeClr val="accent1"/>
+          </a:effectRef>
+          <a:fontRef idx="minor">
+            <a:schemeClr val="lt1"/>
+          </a:fontRef>
+        </p:style>
+        <p:txBody>
+          <a:bodyPr rtlCol="0" anchor="ctr"/>
+          <a:lstStyle/>
+          <a:p>
+            <a:pPr algn="ctr"/>
+            <a:endParaRPr lang="zh-CN" altLang="en-US"/>
+          </a:p>
+        </p:txBody>
+      </p:sp>
+      <p:sp>
+        <p:nvSpPr>
+          <p:cNvPr id="29" name="矩形 28">
+            <a:extLst>
+              <a:ext uri="{FF2B5EF4-FFF2-40B4-BE49-F238E27FC236}">
+                <a16:creationId xmlns:a16="http://schemas.microsoft.com/office/drawing/2014/main" id="{7C2FDD99-3C3E-8129-FA57-D0F37F735367}"/>
+              </a:ext>
+            </a:extLst>
+          </p:cNvPr>
+          <p:cNvSpPr/>
+          <p:nvPr/>
+        </p:nvSpPr>
+        <p:spPr>
+          <a:xfrm>
+            <a:off x="202628" y="942406"/>
+            <a:ext cx="1115881" cy="540366"/>
           </a:xfrm>
           <a:prstGeom prst="rect">
             <a:avLst/>
           </a:prstGeom>
-        </p:spPr>
-        <p:txBody>
-          <a:bodyPr wrap="square">
+          <a:solidFill>
+            <a:schemeClr val="bg2"/>
+          </a:solidFill>
+          <a:ln>
+            <a:solidFill>
+              <a:schemeClr val="tx2">
+                <a:lumMod val="20000"/>
+                <a:lumOff val="80000"/>
+              </a:schemeClr>
+            </a:solidFill>
+          </a:ln>
+        </p:spPr>
+        <p:style>
+          <a:lnRef idx="2">
+            <a:schemeClr val="accent1">
+              <a:shade val="15000"/>
+            </a:schemeClr>
+          </a:lnRef>
+          <a:fillRef idx="1">
+            <a:schemeClr val="accent1"/>
+          </a:fillRef>
+          <a:effectRef idx="0">
+            <a:schemeClr val="accent1"/>
+          </a:effectRef>
+          <a:fontRef idx="minor">
+            <a:schemeClr val="lt1"/>
+          </a:fontRef>
+        </p:style>
+        <p:txBody>
+          <a:bodyPr rtlCol="0" anchor="ctr"/>
+          <a:lstStyle/>
+          <a:p>
+            <a:pPr algn="ctr"/>
+            <a:r>
+              <a:rPr lang="zh-CN" altLang="en-US" sz="1400" dirty="0">
+                <a:solidFill>
+                  <a:schemeClr val="tx1"/>
+                </a:solidFill>
+              </a:rPr>
+              <a:t>不同频率下的信号分量</a:t>
+            </a:r>
+          </a:p>
+        </p:txBody>
+      </p:sp>
+      <p:sp>
+        <p:nvSpPr>
+          <p:cNvPr id="32" name="箭头: 右 31">
+            <a:extLst>
+              <a:ext uri="{FF2B5EF4-FFF2-40B4-BE49-F238E27FC236}">
+                <a16:creationId xmlns:a16="http://schemas.microsoft.com/office/drawing/2014/main" id="{4C55AA1E-825E-9AA4-16C2-DAB75CDD5238}"/>
+              </a:ext>
+            </a:extLst>
+          </p:cNvPr>
+          <p:cNvSpPr/>
+          <p:nvPr/>
+        </p:nvSpPr>
+        <p:spPr>
+          <a:xfrm>
+            <a:off x="11066752" y="3181479"/>
+            <a:ext cx="349238" cy="297433"/>
+          </a:xfrm>
+          <a:prstGeom prst="rightArrow">
+            <a:avLst/>
+          </a:prstGeom>
+          <a:solidFill>
+            <a:schemeClr val="accent1">
+              <a:lumMod val="40000"/>
+              <a:lumOff val="60000"/>
+            </a:schemeClr>
+          </a:solidFill>
+          <a:ln>
+            <a:solidFill>
+              <a:schemeClr val="tx1"/>
+            </a:solidFill>
+          </a:ln>
+        </p:spPr>
+        <p:style>
+          <a:lnRef idx="2">
+            <a:schemeClr val="accent1">
+              <a:shade val="15000"/>
+            </a:schemeClr>
+          </a:lnRef>
+          <a:fillRef idx="1">
+            <a:schemeClr val="accent1"/>
+          </a:fillRef>
+          <a:effectRef idx="0">
+            <a:schemeClr val="accent1"/>
+          </a:effectRef>
+          <a:fontRef idx="minor">
+            <a:schemeClr val="lt1"/>
+          </a:fontRef>
+        </p:style>
+        <p:txBody>
+          <a:bodyPr rtlCol="0" anchor="ctr"/>
+          <a:lstStyle/>
+          <a:p>
+            <a:pPr algn="ctr"/>
+            <a:endParaRPr lang="zh-CN" altLang="en-US"/>
+          </a:p>
+        </p:txBody>
+      </p:sp>
+      <p:sp>
+        <p:nvSpPr>
+          <p:cNvPr id="33" name="矩形: 圆角 32">
+            <a:extLst>
+              <a:ext uri="{FF2B5EF4-FFF2-40B4-BE49-F238E27FC236}">
+                <a16:creationId xmlns:a16="http://schemas.microsoft.com/office/drawing/2014/main" id="{3CDE7CB4-E973-4E73-4FD6-D3A4276332CD}"/>
+              </a:ext>
+            </a:extLst>
+          </p:cNvPr>
+          <p:cNvSpPr/>
+          <p:nvPr/>
+        </p:nvSpPr>
+        <p:spPr>
+          <a:xfrm>
+            <a:off x="11490092" y="3095411"/>
+            <a:ext cx="718517" cy="469567"/>
+          </a:xfrm>
+          <a:prstGeom prst="roundRect">
+            <a:avLst/>
+          </a:prstGeom>
+          <a:solidFill>
+            <a:schemeClr val="accent1">
+              <a:lumMod val="40000"/>
+              <a:lumOff val="60000"/>
+            </a:schemeClr>
+          </a:solidFill>
+        </p:spPr>
+        <p:style>
+          <a:lnRef idx="2">
+            <a:schemeClr val="accent1">
+              <a:shade val="15000"/>
+            </a:schemeClr>
+          </a:lnRef>
+          <a:fillRef idx="1">
+            <a:schemeClr val="accent1"/>
+          </a:fillRef>
+          <a:effectRef idx="0">
+            <a:schemeClr val="accent1"/>
+          </a:effectRef>
+          <a:fontRef idx="minor">
+            <a:schemeClr val="lt1"/>
+          </a:fontRef>
+        </p:style>
+        <p:txBody>
+          <a:bodyPr rtlCol="0" anchor="ctr"/>
+          <a:lstStyle/>
+          <a:p>
+            <a:pPr algn="ctr"/>
+            <a:r>
+              <a:rPr lang="zh-CN" altLang="en-US" sz="1400" dirty="0"/>
+              <a:t>预测结果</a:t>
+            </a:r>
+          </a:p>
+        </p:txBody>
+      </p:sp>
+      <p:sp>
+        <p:nvSpPr>
+          <p:cNvPr id="34" name="椭圆 33">
+            <a:extLst>
+              <a:ext uri="{FF2B5EF4-FFF2-40B4-BE49-F238E27FC236}">
+                <a16:creationId xmlns:a16="http://schemas.microsoft.com/office/drawing/2014/main" id="{5FC54F6C-01F0-592A-3077-BD39D1F61648}"/>
+              </a:ext>
+            </a:extLst>
+          </p:cNvPr>
+          <p:cNvSpPr/>
+          <p:nvPr/>
+        </p:nvSpPr>
+        <p:spPr>
+          <a:xfrm>
+            <a:off x="6725218" y="4250846"/>
+            <a:ext cx="857314" cy="372819"/>
+          </a:xfrm>
+          <a:prstGeom prst="ellipse">
+            <a:avLst/>
+          </a:prstGeom>
+          <a:solidFill>
+            <a:schemeClr val="accent1">
+              <a:lumMod val="40000"/>
+              <a:lumOff val="60000"/>
+            </a:schemeClr>
+          </a:solidFill>
+        </p:spPr>
+        <p:style>
+          <a:lnRef idx="2">
+            <a:schemeClr val="accent1">
+              <a:shade val="15000"/>
+            </a:schemeClr>
+          </a:lnRef>
+          <a:fillRef idx="1">
+            <a:schemeClr val="accent1"/>
+          </a:fillRef>
+          <a:effectRef idx="0">
+            <a:schemeClr val="accent1"/>
+          </a:effectRef>
+          <a:fontRef idx="minor">
+            <a:schemeClr val="lt1"/>
+          </a:fontRef>
+        </p:style>
+        <p:txBody>
+          <a:bodyPr rtlCol="0" anchor="ctr"/>
+          <a:lstStyle/>
+          <a:p>
+            <a:pPr algn="ctr"/>
+            <a:r>
+              <a:rPr lang="zh-CN" altLang="en-US" sz="1200" dirty="0"/>
+              <a:t>特征</a:t>
+            </a:r>
+            <a:r>
+              <a:rPr lang="en-US" altLang="zh-CN" sz="1200" dirty="0"/>
+              <a:t>1</a:t>
+            </a:r>
+            <a:endParaRPr lang="zh-CN" altLang="en-US" sz="1200" dirty="0"/>
+          </a:p>
+        </p:txBody>
+      </p:sp>
+      <p:cxnSp>
+        <p:nvCxnSpPr>
+          <p:cNvPr id="37" name="直接箭头连接符 36">
+            <a:extLst>
+              <a:ext uri="{FF2B5EF4-FFF2-40B4-BE49-F238E27FC236}">
+                <a16:creationId xmlns:a16="http://schemas.microsoft.com/office/drawing/2014/main" id="{CB038E13-9780-47C0-AF4F-0841667723B3}"/>
+              </a:ext>
+            </a:extLst>
+          </p:cNvPr>
+          <p:cNvCxnSpPr>
+            <a:cxnSpLocks/>
+          </p:cNvCxnSpPr>
+          <p:nvPr/>
+        </p:nvCxnSpPr>
+        <p:spPr>
+          <a:xfrm flipH="1">
+            <a:off x="7193938" y="3976372"/>
+            <a:ext cx="71310" cy="182609"/>
+          </a:xfrm>
+          <a:prstGeom prst="straightConnector1">
+            <a:avLst/>
+          </a:prstGeom>
+          <a:ln>
+            <a:tailEnd type="triangle"/>
+          </a:ln>
+        </p:spPr>
+        <p:style>
+          <a:lnRef idx="1">
+            <a:schemeClr val="accent1"/>
+          </a:lnRef>
+          <a:fillRef idx="0">
+            <a:schemeClr val="accent1"/>
+          </a:fillRef>
+          <a:effectRef idx="0">
+            <a:schemeClr val="accent1"/>
+          </a:effectRef>
+          <a:fontRef idx="minor">
+            <a:schemeClr val="tx1"/>
+          </a:fontRef>
+        </p:style>
+      </p:cxnSp>
+      <p:cxnSp>
+        <p:nvCxnSpPr>
+          <p:cNvPr id="41" name="直接箭头连接符 40">
+            <a:extLst>
+              <a:ext uri="{FF2B5EF4-FFF2-40B4-BE49-F238E27FC236}">
+                <a16:creationId xmlns:a16="http://schemas.microsoft.com/office/drawing/2014/main" id="{3E489D9E-98BE-54AA-0DB7-63698CB26BAA}"/>
+              </a:ext>
+            </a:extLst>
+          </p:cNvPr>
+          <p:cNvCxnSpPr>
+            <a:cxnSpLocks/>
+          </p:cNvCxnSpPr>
+          <p:nvPr/>
+        </p:nvCxnSpPr>
+        <p:spPr>
+          <a:xfrm>
+            <a:off x="7989092" y="4033270"/>
+            <a:ext cx="131037" cy="182609"/>
+          </a:xfrm>
+          <a:prstGeom prst="straightConnector1">
+            <a:avLst/>
+          </a:prstGeom>
+          <a:ln>
+            <a:tailEnd type="triangle"/>
+          </a:ln>
+        </p:spPr>
+        <p:style>
+          <a:lnRef idx="1">
+            <a:schemeClr val="accent1"/>
+          </a:lnRef>
+          <a:fillRef idx="0">
+            <a:schemeClr val="accent1"/>
+          </a:fillRef>
+          <a:effectRef idx="0">
+            <a:schemeClr val="accent1"/>
+          </a:effectRef>
+          <a:fontRef idx="minor">
+            <a:schemeClr val="tx1"/>
+          </a:fontRef>
+        </p:style>
+      </p:cxnSp>
+      <p:sp>
+        <p:nvSpPr>
+          <p:cNvPr id="43" name="椭圆 42">
+            <a:extLst>
+              <a:ext uri="{FF2B5EF4-FFF2-40B4-BE49-F238E27FC236}">
+                <a16:creationId xmlns:a16="http://schemas.microsoft.com/office/drawing/2014/main" id="{4519FCD8-A262-9279-60C2-31FA4CC57C99}"/>
+              </a:ext>
+            </a:extLst>
+          </p:cNvPr>
+          <p:cNvSpPr/>
+          <p:nvPr/>
+        </p:nvSpPr>
+        <p:spPr>
+          <a:xfrm>
+            <a:off x="7713406" y="4277389"/>
+            <a:ext cx="857314" cy="363538"/>
+          </a:xfrm>
+          <a:prstGeom prst="ellipse">
+            <a:avLst/>
+          </a:prstGeom>
+          <a:solidFill>
+            <a:schemeClr val="accent1">
+              <a:lumMod val="40000"/>
+              <a:lumOff val="60000"/>
+            </a:schemeClr>
+          </a:solidFill>
+        </p:spPr>
+        <p:style>
+          <a:lnRef idx="2">
+            <a:schemeClr val="accent1">
+              <a:shade val="15000"/>
+            </a:schemeClr>
+          </a:lnRef>
+          <a:fillRef idx="1">
+            <a:schemeClr val="accent1"/>
+          </a:fillRef>
+          <a:effectRef idx="0">
+            <a:schemeClr val="accent1"/>
+          </a:effectRef>
+          <a:fontRef idx="minor">
+            <a:schemeClr val="lt1"/>
+          </a:fontRef>
+        </p:style>
+        <p:txBody>
+          <a:bodyPr rtlCol="0" anchor="ctr"/>
+          <a:lstStyle/>
+          <a:p>
+            <a:pPr algn="ctr"/>
+            <a:r>
+              <a:rPr lang="zh-CN" altLang="en-US" sz="1200" dirty="0"/>
+              <a:t>特征</a:t>
+            </a:r>
+            <a:r>
+              <a:rPr lang="en-US" altLang="zh-CN" sz="1200" dirty="0"/>
+              <a:t>2</a:t>
+            </a:r>
+            <a:endParaRPr lang="zh-CN" altLang="en-US" sz="1200" dirty="0"/>
+          </a:p>
+        </p:txBody>
+      </p:sp>
+      <p:sp>
+        <p:nvSpPr>
+          <p:cNvPr id="45" name="椭圆 44">
+            <a:extLst>
+              <a:ext uri="{FF2B5EF4-FFF2-40B4-BE49-F238E27FC236}">
+                <a16:creationId xmlns:a16="http://schemas.microsoft.com/office/drawing/2014/main" id="{6D5362E0-F1D9-D074-CBC0-9FAEEBBA6B44}"/>
+              </a:ext>
+            </a:extLst>
+          </p:cNvPr>
+          <p:cNvSpPr/>
+          <p:nvPr/>
+        </p:nvSpPr>
+        <p:spPr>
+          <a:xfrm>
+            <a:off x="8612333" y="4258120"/>
+            <a:ext cx="890674" cy="372819"/>
+          </a:xfrm>
+          <a:prstGeom prst="ellipse">
+            <a:avLst/>
+          </a:prstGeom>
+          <a:solidFill>
+            <a:schemeClr val="accent1">
+              <a:lumMod val="40000"/>
+              <a:lumOff val="60000"/>
+            </a:schemeClr>
+          </a:solidFill>
+        </p:spPr>
+        <p:style>
+          <a:lnRef idx="2">
+            <a:schemeClr val="accent1">
+              <a:shade val="15000"/>
+            </a:schemeClr>
+          </a:lnRef>
+          <a:fillRef idx="1">
+            <a:schemeClr val="accent1"/>
+          </a:fillRef>
+          <a:effectRef idx="0">
+            <a:schemeClr val="accent1"/>
+          </a:effectRef>
+          <a:fontRef idx="minor">
+            <a:schemeClr val="lt1"/>
+          </a:fontRef>
+        </p:style>
+        <p:txBody>
+          <a:bodyPr rtlCol="0" anchor="ctr"/>
+          <a:lstStyle/>
+          <a:p>
+            <a:pPr algn="ctr"/>
+            <a:r>
+              <a:rPr lang="zh-CN" altLang="en-US" sz="1200" dirty="0"/>
+              <a:t>特征</a:t>
+            </a:r>
+            <a:r>
+              <a:rPr lang="en-US" altLang="zh-CN" sz="1200" dirty="0"/>
+              <a:t>5</a:t>
+            </a:r>
+            <a:endParaRPr lang="zh-CN" altLang="en-US" sz="1200" dirty="0"/>
+          </a:p>
+        </p:txBody>
+      </p:sp>
+      <p:cxnSp>
+        <p:nvCxnSpPr>
+          <p:cNvPr id="46" name="直接箭头连接符 45">
+            <a:extLst>
+              <a:ext uri="{FF2B5EF4-FFF2-40B4-BE49-F238E27FC236}">
+                <a16:creationId xmlns:a16="http://schemas.microsoft.com/office/drawing/2014/main" id="{36A960C1-6A8E-EAF7-5D31-F279ACC7BE25}"/>
+              </a:ext>
+            </a:extLst>
+          </p:cNvPr>
+          <p:cNvCxnSpPr>
+            <a:cxnSpLocks/>
+          </p:cNvCxnSpPr>
+          <p:nvPr/>
+        </p:nvCxnSpPr>
+        <p:spPr>
+          <a:xfrm flipH="1">
+            <a:off x="9040973" y="4029242"/>
+            <a:ext cx="93934" cy="212970"/>
+          </a:xfrm>
+          <a:prstGeom prst="straightConnector1">
+            <a:avLst/>
+          </a:prstGeom>
+          <a:ln>
+            <a:tailEnd type="triangle"/>
+          </a:ln>
+        </p:spPr>
+        <p:style>
+          <a:lnRef idx="1">
+            <a:schemeClr val="accent1"/>
+          </a:lnRef>
+          <a:fillRef idx="0">
+            <a:schemeClr val="accent1"/>
+          </a:fillRef>
+          <a:effectRef idx="0">
+            <a:schemeClr val="accent1"/>
+          </a:effectRef>
+          <a:fontRef idx="minor">
+            <a:schemeClr val="tx1"/>
+          </a:fontRef>
+        </p:style>
+      </p:cxnSp>
+      <p:cxnSp>
+        <p:nvCxnSpPr>
+          <p:cNvPr id="47" name="直接箭头连接符 46">
+            <a:extLst>
+              <a:ext uri="{FF2B5EF4-FFF2-40B4-BE49-F238E27FC236}">
+                <a16:creationId xmlns:a16="http://schemas.microsoft.com/office/drawing/2014/main" id="{4AB68D3D-06E5-A0E3-1F75-6D9F355C8CCA}"/>
+              </a:ext>
+            </a:extLst>
+          </p:cNvPr>
+          <p:cNvCxnSpPr>
+            <a:cxnSpLocks/>
+          </p:cNvCxnSpPr>
+          <p:nvPr/>
+        </p:nvCxnSpPr>
+        <p:spPr>
+          <a:xfrm>
+            <a:off x="9724600" y="4023439"/>
+            <a:ext cx="151998" cy="192440"/>
+          </a:xfrm>
+          <a:prstGeom prst="straightConnector1">
+            <a:avLst/>
+          </a:prstGeom>
+          <a:ln>
+            <a:tailEnd type="triangle"/>
+          </a:ln>
+        </p:spPr>
+        <p:style>
+          <a:lnRef idx="1">
+            <a:schemeClr val="accent1"/>
+          </a:lnRef>
+          <a:fillRef idx="0">
+            <a:schemeClr val="accent1"/>
+          </a:fillRef>
+          <a:effectRef idx="0">
+            <a:schemeClr val="accent1"/>
+          </a:effectRef>
+          <a:fontRef idx="minor">
+            <a:schemeClr val="tx1"/>
+          </a:fontRef>
+        </p:style>
+      </p:cxnSp>
+      <p:sp>
+        <p:nvSpPr>
+          <p:cNvPr id="48" name="椭圆 47">
+            <a:extLst>
+              <a:ext uri="{FF2B5EF4-FFF2-40B4-BE49-F238E27FC236}">
+                <a16:creationId xmlns:a16="http://schemas.microsoft.com/office/drawing/2014/main" id="{7016C49F-1C62-1D73-B52B-52A18B5C8A8A}"/>
+              </a:ext>
+            </a:extLst>
+          </p:cNvPr>
+          <p:cNvSpPr/>
+          <p:nvPr/>
+        </p:nvSpPr>
+        <p:spPr>
+          <a:xfrm>
+            <a:off x="9544620" y="4258120"/>
+            <a:ext cx="890674" cy="372819"/>
+          </a:xfrm>
+          <a:prstGeom prst="ellipse">
+            <a:avLst/>
+          </a:prstGeom>
+          <a:solidFill>
+            <a:schemeClr val="accent1">
+              <a:lumMod val="40000"/>
+              <a:lumOff val="60000"/>
+            </a:schemeClr>
+          </a:solidFill>
+        </p:spPr>
+        <p:style>
+          <a:lnRef idx="2">
+            <a:schemeClr val="accent1">
+              <a:shade val="15000"/>
+            </a:schemeClr>
+          </a:lnRef>
+          <a:fillRef idx="1">
+            <a:schemeClr val="accent1"/>
+          </a:fillRef>
+          <a:effectRef idx="0">
+            <a:schemeClr val="accent1"/>
+          </a:effectRef>
+          <a:fontRef idx="minor">
+            <a:schemeClr val="lt1"/>
+          </a:fontRef>
+        </p:style>
+        <p:txBody>
+          <a:bodyPr rtlCol="0" anchor="ctr"/>
+          <a:lstStyle/>
+          <a:p>
+            <a:pPr algn="ctr"/>
+            <a:r>
+              <a:rPr lang="zh-CN" altLang="en-US" sz="1200" dirty="0"/>
+              <a:t>特征</a:t>
+            </a:r>
+            <a:r>
+              <a:rPr lang="en-US" altLang="zh-CN" sz="1200" dirty="0"/>
+              <a:t>6</a:t>
+            </a:r>
+            <a:endParaRPr lang="zh-CN" altLang="en-US" sz="1200" dirty="0"/>
+          </a:p>
+        </p:txBody>
+      </p:sp>
+      <p:sp>
+        <p:nvSpPr>
+          <p:cNvPr id="49" name="椭圆 48">
+            <a:extLst>
+              <a:ext uri="{FF2B5EF4-FFF2-40B4-BE49-F238E27FC236}">
+                <a16:creationId xmlns:a16="http://schemas.microsoft.com/office/drawing/2014/main" id="{659D6AD0-535B-3096-FAEE-3248D0DF1FB2}"/>
+              </a:ext>
+            </a:extLst>
+          </p:cNvPr>
+          <p:cNvSpPr/>
+          <p:nvPr/>
+        </p:nvSpPr>
+        <p:spPr>
+          <a:xfrm>
+            <a:off x="10265136" y="3628945"/>
+            <a:ext cx="144686" cy="154919"/>
+          </a:xfrm>
+          <a:prstGeom prst="ellipse">
+            <a:avLst/>
+          </a:prstGeom>
+        </p:spPr>
+        <p:style>
+          <a:lnRef idx="2">
+            <a:schemeClr val="dk1">
+              <a:shade val="15000"/>
+            </a:schemeClr>
+          </a:lnRef>
+          <a:fillRef idx="1">
+            <a:schemeClr val="dk1"/>
+          </a:fillRef>
+          <a:effectRef idx="0">
+            <a:schemeClr val="dk1"/>
+          </a:effectRef>
+          <a:fontRef idx="minor">
+            <a:schemeClr val="lt1"/>
+          </a:fontRef>
+        </p:style>
+        <p:txBody>
+          <a:bodyPr rtlCol="0" anchor="ctr"/>
+          <a:lstStyle/>
+          <a:p>
+            <a:pPr algn="ctr"/>
+            <a:endParaRPr lang="zh-CN" altLang="en-US" sz="1200"/>
+          </a:p>
+        </p:txBody>
+      </p:sp>
+      <p:sp>
+        <p:nvSpPr>
+          <p:cNvPr id="50" name="椭圆 49">
+            <a:extLst>
+              <a:ext uri="{FF2B5EF4-FFF2-40B4-BE49-F238E27FC236}">
+                <a16:creationId xmlns:a16="http://schemas.microsoft.com/office/drawing/2014/main" id="{F4F1FC3E-C884-C81E-38D3-E73A48B5FD20}"/>
+              </a:ext>
+            </a:extLst>
+          </p:cNvPr>
+          <p:cNvSpPr/>
+          <p:nvPr/>
+        </p:nvSpPr>
+        <p:spPr>
+          <a:xfrm>
+            <a:off x="10527629" y="3628945"/>
+            <a:ext cx="144686" cy="154919"/>
+          </a:xfrm>
+          <a:prstGeom prst="ellipse">
+            <a:avLst/>
+          </a:prstGeom>
+        </p:spPr>
+        <p:style>
+          <a:lnRef idx="2">
+            <a:schemeClr val="dk1">
+              <a:shade val="15000"/>
+            </a:schemeClr>
+          </a:lnRef>
+          <a:fillRef idx="1">
+            <a:schemeClr val="dk1"/>
+          </a:fillRef>
+          <a:effectRef idx="0">
+            <a:schemeClr val="dk1"/>
+          </a:effectRef>
+          <a:fontRef idx="minor">
+            <a:schemeClr val="lt1"/>
+          </a:fontRef>
+        </p:style>
+        <p:txBody>
+          <a:bodyPr rtlCol="0" anchor="ctr"/>
+          <a:lstStyle/>
+          <a:p>
+            <a:pPr algn="ctr"/>
+            <a:endParaRPr lang="zh-CN" altLang="en-US" sz="1200"/>
+          </a:p>
+        </p:txBody>
+      </p:sp>
+      <p:sp>
+        <p:nvSpPr>
+          <p:cNvPr id="51" name="椭圆 50">
+            <a:extLst>
+              <a:ext uri="{FF2B5EF4-FFF2-40B4-BE49-F238E27FC236}">
+                <a16:creationId xmlns:a16="http://schemas.microsoft.com/office/drawing/2014/main" id="{6D5A6355-697C-C4C0-03A5-6C5B8E11AD27}"/>
+              </a:ext>
+            </a:extLst>
+          </p:cNvPr>
+          <p:cNvSpPr/>
+          <p:nvPr/>
+        </p:nvSpPr>
+        <p:spPr>
+          <a:xfrm>
+            <a:off x="10810884" y="3628945"/>
+            <a:ext cx="144686" cy="154919"/>
+          </a:xfrm>
+          <a:prstGeom prst="ellipse">
+            <a:avLst/>
+          </a:prstGeom>
+        </p:spPr>
+        <p:style>
+          <a:lnRef idx="2">
+            <a:schemeClr val="dk1">
+              <a:shade val="15000"/>
+            </a:schemeClr>
+          </a:lnRef>
+          <a:fillRef idx="1">
+            <a:schemeClr val="dk1"/>
+          </a:fillRef>
+          <a:effectRef idx="0">
+            <a:schemeClr val="dk1"/>
+          </a:effectRef>
+          <a:fontRef idx="minor">
+            <a:schemeClr val="lt1"/>
+          </a:fontRef>
+        </p:style>
+        <p:txBody>
+          <a:bodyPr rtlCol="0" anchor="ctr"/>
+          <a:lstStyle/>
+          <a:p>
+            <a:pPr algn="ctr"/>
+            <a:endParaRPr lang="zh-CN" altLang="en-US" sz="1200"/>
+          </a:p>
+        </p:txBody>
+      </p:sp>
+      <p:sp>
+        <p:nvSpPr>
+          <p:cNvPr id="52" name="矩形 51">
+            <a:extLst>
+              <a:ext uri="{FF2B5EF4-FFF2-40B4-BE49-F238E27FC236}">
+                <a16:creationId xmlns:a16="http://schemas.microsoft.com/office/drawing/2014/main" id="{5B7DE179-D083-B11E-2D2E-78336E584264}"/>
+              </a:ext>
+            </a:extLst>
+          </p:cNvPr>
+          <p:cNvSpPr/>
+          <p:nvPr/>
+        </p:nvSpPr>
+        <p:spPr>
+          <a:xfrm>
+            <a:off x="8930650" y="1464082"/>
+            <a:ext cx="1878094" cy="1505626"/>
+          </a:xfrm>
+          <a:prstGeom prst="rect">
+            <a:avLst/>
+          </a:prstGeom>
+          <a:solidFill>
+            <a:schemeClr val="bg2"/>
+          </a:solidFill>
+          <a:ln>
+            <a:solidFill>
+              <a:schemeClr val="tx2">
+                <a:lumMod val="20000"/>
+                <a:lumOff val="80000"/>
+              </a:schemeClr>
+            </a:solidFill>
+          </a:ln>
+        </p:spPr>
+        <p:style>
+          <a:lnRef idx="2">
+            <a:schemeClr val="accent1">
+              <a:shade val="15000"/>
+            </a:schemeClr>
+          </a:lnRef>
+          <a:fillRef idx="1">
+            <a:schemeClr val="accent1"/>
+          </a:fillRef>
+          <a:effectRef idx="0">
+            <a:schemeClr val="accent1"/>
+          </a:effectRef>
+          <a:fontRef idx="minor">
+            <a:schemeClr val="lt1"/>
+          </a:fontRef>
+        </p:style>
+        <p:txBody>
+          <a:bodyPr rtlCol="0" anchor="ctr"/>
+          <a:lstStyle/>
+          <a:p>
+            <a:pPr algn="ctr"/>
+            <a:r>
+              <a:rPr lang="en-US" altLang="zh-CN" sz="1200" dirty="0" err="1">
+                <a:solidFill>
+                  <a:srgbClr val="067D17"/>
+                </a:solidFill>
+                <a:effectLst/>
+                <a:latin typeface="JetBrains Mono"/>
+              </a:rPr>
+              <a:t>learning_rate</a:t>
+            </a:r>
+            <a:r>
+              <a:rPr lang="en-US" altLang="zh-CN" sz="1200" dirty="0">
+                <a:solidFill>
+                  <a:srgbClr val="080808"/>
+                </a:solidFill>
+                <a:effectLst/>
+                <a:latin typeface="JetBrains Mono"/>
+              </a:rPr>
+              <a:t> </a:t>
+            </a:r>
+            <a:r>
+              <a:rPr lang="en-US" altLang="zh-CN" sz="1200" dirty="0" err="1">
+                <a:solidFill>
+                  <a:srgbClr val="067D17"/>
+                </a:solidFill>
+                <a:effectLst/>
+                <a:latin typeface="JetBrains Mono"/>
+              </a:rPr>
+              <a:t>n_estimators</a:t>
+            </a:r>
+            <a:endParaRPr lang="en-US" altLang="zh-CN" sz="1200" dirty="0">
+              <a:solidFill>
+                <a:srgbClr val="067D17"/>
+              </a:solidFill>
+              <a:effectLst/>
+              <a:latin typeface="JetBrains Mono"/>
+            </a:endParaRPr>
+          </a:p>
+          <a:p>
+            <a:pPr algn="ctr"/>
+            <a:r>
+              <a:rPr lang="en-US" altLang="zh-CN" sz="1200" dirty="0" err="1">
+                <a:solidFill>
+                  <a:srgbClr val="067D17"/>
+                </a:solidFill>
+                <a:effectLst/>
+                <a:latin typeface="JetBrains Mono"/>
+              </a:rPr>
+              <a:t>max_depth</a:t>
+            </a:r>
+            <a:br>
+              <a:rPr lang="en-US" altLang="zh-CN" sz="1200" dirty="0">
+                <a:solidFill>
+                  <a:srgbClr val="080808"/>
+                </a:solidFill>
+                <a:effectLst/>
+                <a:latin typeface="JetBrains Mono"/>
+              </a:rPr>
+            </a:br>
+            <a:r>
+              <a:rPr lang="en-US" altLang="zh-CN" sz="1200" dirty="0">
+                <a:solidFill>
+                  <a:srgbClr val="067D17"/>
+                </a:solidFill>
+                <a:effectLst/>
+                <a:latin typeface="JetBrains Mono"/>
+              </a:rPr>
+              <a:t>subsample</a:t>
+            </a:r>
+          </a:p>
+          <a:p>
+            <a:pPr algn="ctr"/>
+            <a:r>
+              <a:rPr lang="en-US" altLang="zh-CN" sz="1200" dirty="0" err="1">
+                <a:solidFill>
+                  <a:srgbClr val="067D17"/>
+                </a:solidFill>
+                <a:effectLst/>
+                <a:latin typeface="JetBrains Mono"/>
+              </a:rPr>
+              <a:t>colsample_bytree</a:t>
+            </a:r>
+            <a:endParaRPr lang="en-US" altLang="zh-CN" sz="1200" dirty="0">
+              <a:solidFill>
+                <a:srgbClr val="067D17"/>
+              </a:solidFill>
+              <a:effectLst/>
+              <a:latin typeface="JetBrains Mono"/>
+            </a:endParaRPr>
+          </a:p>
+          <a:p>
+            <a:pPr algn="ctr"/>
+            <a:r>
+              <a:rPr lang="en-US" altLang="zh-CN" sz="1200" dirty="0">
+                <a:solidFill>
+                  <a:srgbClr val="067D17"/>
+                </a:solidFill>
+                <a:effectLst/>
+                <a:latin typeface="JetBrains Mono"/>
+              </a:rPr>
+              <a:t>gamma</a:t>
+            </a:r>
+          </a:p>
+        </p:txBody>
+      </p:sp>
+      <p:sp>
+        <p:nvSpPr>
+          <p:cNvPr id="54" name="椭圆 53">
+            <a:extLst>
+              <a:ext uri="{FF2B5EF4-FFF2-40B4-BE49-F238E27FC236}">
+                <a16:creationId xmlns:a16="http://schemas.microsoft.com/office/drawing/2014/main" id="{A507E5D6-F40E-76BB-7413-872A90D9AA9C}"/>
+              </a:ext>
+            </a:extLst>
+          </p:cNvPr>
+          <p:cNvSpPr/>
+          <p:nvPr/>
+        </p:nvSpPr>
+        <p:spPr>
+          <a:xfrm>
+            <a:off x="6169027" y="4915806"/>
+            <a:ext cx="802553" cy="372819"/>
+          </a:xfrm>
+          <a:prstGeom prst="ellipse">
+            <a:avLst/>
+          </a:prstGeom>
+          <a:solidFill>
+            <a:schemeClr val="accent1">
+              <a:lumMod val="40000"/>
+              <a:lumOff val="60000"/>
+            </a:schemeClr>
+          </a:solidFill>
+        </p:spPr>
+        <p:style>
+          <a:lnRef idx="2">
+            <a:schemeClr val="accent1">
+              <a:shade val="15000"/>
+            </a:schemeClr>
+          </a:lnRef>
+          <a:fillRef idx="1">
+            <a:schemeClr val="accent1"/>
+          </a:fillRef>
+          <a:effectRef idx="0">
+            <a:schemeClr val="accent1"/>
+          </a:effectRef>
+          <a:fontRef idx="minor">
+            <a:schemeClr val="lt1"/>
+          </a:fontRef>
+        </p:style>
+        <p:txBody>
+          <a:bodyPr rtlCol="0" anchor="ctr"/>
+          <a:lstStyle/>
+          <a:p>
+            <a:pPr algn="ctr"/>
+            <a:endParaRPr lang="zh-CN" altLang="en-US" sz="1200" dirty="0"/>
+          </a:p>
+        </p:txBody>
+      </p:sp>
+      <p:sp>
+        <p:nvSpPr>
+          <p:cNvPr id="55" name="椭圆 54">
+            <a:extLst>
+              <a:ext uri="{FF2B5EF4-FFF2-40B4-BE49-F238E27FC236}">
+                <a16:creationId xmlns:a16="http://schemas.microsoft.com/office/drawing/2014/main" id="{FF11A165-2EAB-CD3E-700A-244D99547E4D}"/>
+              </a:ext>
+            </a:extLst>
+          </p:cNvPr>
+          <p:cNvSpPr/>
+          <p:nvPr/>
+        </p:nvSpPr>
+        <p:spPr>
+          <a:xfrm>
+            <a:off x="7193938" y="4915806"/>
+            <a:ext cx="802553" cy="372819"/>
+          </a:xfrm>
+          <a:prstGeom prst="ellipse">
+            <a:avLst/>
+          </a:prstGeom>
+          <a:solidFill>
+            <a:schemeClr val="accent1">
+              <a:lumMod val="40000"/>
+              <a:lumOff val="60000"/>
+            </a:schemeClr>
+          </a:solidFill>
+        </p:spPr>
+        <p:style>
+          <a:lnRef idx="2">
+            <a:schemeClr val="accent1">
+              <a:shade val="15000"/>
+            </a:schemeClr>
+          </a:lnRef>
+          <a:fillRef idx="1">
+            <a:schemeClr val="accent1"/>
+          </a:fillRef>
+          <a:effectRef idx="0">
+            <a:schemeClr val="accent1"/>
+          </a:effectRef>
+          <a:fontRef idx="minor">
+            <a:schemeClr val="lt1"/>
+          </a:fontRef>
+        </p:style>
+        <p:txBody>
+          <a:bodyPr rtlCol="0" anchor="ctr"/>
+          <a:lstStyle/>
+          <a:p>
+            <a:pPr algn="ctr"/>
+            <a:endParaRPr lang="zh-CN" altLang="en-US" sz="1200" dirty="0"/>
+          </a:p>
+        </p:txBody>
+      </p:sp>
+      <p:cxnSp>
+        <p:nvCxnSpPr>
+          <p:cNvPr id="56" name="直接箭头连接符 55">
+            <a:extLst>
+              <a:ext uri="{FF2B5EF4-FFF2-40B4-BE49-F238E27FC236}">
+                <a16:creationId xmlns:a16="http://schemas.microsoft.com/office/drawing/2014/main" id="{2D960326-06DB-2AA5-CED8-EF745753E4D6}"/>
+              </a:ext>
+            </a:extLst>
+          </p:cNvPr>
+          <p:cNvCxnSpPr>
+            <a:cxnSpLocks/>
+          </p:cNvCxnSpPr>
+          <p:nvPr/>
+        </p:nvCxnSpPr>
+        <p:spPr>
+          <a:xfrm flipH="1">
+            <a:off x="6789206" y="4620580"/>
+            <a:ext cx="108971" cy="231085"/>
+          </a:xfrm>
+          <a:prstGeom prst="straightConnector1">
+            <a:avLst/>
+          </a:prstGeom>
+          <a:ln>
+            <a:tailEnd type="triangle"/>
+          </a:ln>
+        </p:spPr>
+        <p:style>
+          <a:lnRef idx="1">
+            <a:schemeClr val="accent1"/>
+          </a:lnRef>
+          <a:fillRef idx="0">
+            <a:schemeClr val="accent1"/>
+          </a:fillRef>
+          <a:effectRef idx="0">
+            <a:schemeClr val="accent1"/>
+          </a:effectRef>
+          <a:fontRef idx="minor">
+            <a:schemeClr val="tx1"/>
+          </a:fontRef>
+        </p:style>
+      </p:cxnSp>
+      <p:cxnSp>
+        <p:nvCxnSpPr>
+          <p:cNvPr id="57" name="直接箭头连接符 56">
+            <a:extLst>
+              <a:ext uri="{FF2B5EF4-FFF2-40B4-BE49-F238E27FC236}">
+                <a16:creationId xmlns:a16="http://schemas.microsoft.com/office/drawing/2014/main" id="{1046FE08-A3D8-8AB6-BA8F-2A8E4EFB7BB0}"/>
+              </a:ext>
+            </a:extLst>
+          </p:cNvPr>
+          <p:cNvCxnSpPr>
+            <a:cxnSpLocks/>
+          </p:cNvCxnSpPr>
+          <p:nvPr/>
+        </p:nvCxnSpPr>
+        <p:spPr>
+          <a:xfrm>
+            <a:off x="7331973" y="4632941"/>
+            <a:ext cx="62952" cy="256916"/>
+          </a:xfrm>
+          <a:prstGeom prst="straightConnector1">
+            <a:avLst/>
+          </a:prstGeom>
+          <a:ln>
+            <a:tailEnd type="triangle"/>
+          </a:ln>
+        </p:spPr>
+        <p:style>
+          <a:lnRef idx="1">
+            <a:schemeClr val="accent1"/>
+          </a:lnRef>
+          <a:fillRef idx="0">
+            <a:schemeClr val="accent1"/>
+          </a:fillRef>
+          <a:effectRef idx="0">
+            <a:schemeClr val="accent1"/>
+          </a:effectRef>
+          <a:fontRef idx="minor">
+            <a:schemeClr val="tx1"/>
+          </a:fontRef>
+        </p:style>
+      </p:cxnSp>
+      <p:sp>
+        <p:nvSpPr>
+          <p:cNvPr id="59" name="左大括号 58">
+            <a:extLst>
+              <a:ext uri="{FF2B5EF4-FFF2-40B4-BE49-F238E27FC236}">
+                <a16:creationId xmlns:a16="http://schemas.microsoft.com/office/drawing/2014/main" id="{455A3E18-B344-0C70-9C44-5EE8781BE0DC}"/>
+              </a:ext>
+            </a:extLst>
+          </p:cNvPr>
+          <p:cNvSpPr/>
+          <p:nvPr/>
+        </p:nvSpPr>
+        <p:spPr>
+          <a:xfrm rot="5400000">
+            <a:off x="9052738" y="1569502"/>
+            <a:ext cx="290488" cy="3230900"/>
+          </a:xfrm>
+          <a:prstGeom prst="leftBrace">
+            <a:avLst>
+              <a:gd name="adj1" fmla="val 8332"/>
+              <a:gd name="adj2" fmla="val 50000"/>
+            </a:avLst>
+          </a:prstGeom>
+        </p:spPr>
+        <p:style>
+          <a:lnRef idx="1">
+            <a:schemeClr val="accent1"/>
+          </a:lnRef>
+          <a:fillRef idx="0">
+            <a:schemeClr val="accent1"/>
+          </a:fillRef>
+          <a:effectRef idx="0">
+            <a:schemeClr val="accent1"/>
+          </a:effectRef>
+          <a:fontRef idx="minor">
+            <a:schemeClr val="tx1"/>
+          </a:fontRef>
+        </p:style>
+        <p:txBody>
+          <a:bodyPr rtlCol="0" anchor="ctr"/>
+          <a:lstStyle/>
+          <a:p>
+            <a:pPr algn="ctr"/>
+            <a:endParaRPr lang="zh-CN" altLang="en-US" sz="1200"/>
+          </a:p>
+        </p:txBody>
+      </p:sp>
+      <p:sp>
+        <p:nvSpPr>
+          <p:cNvPr id="63" name="箭头: 右 62">
+            <a:extLst>
+              <a:ext uri="{FF2B5EF4-FFF2-40B4-BE49-F238E27FC236}">
+                <a16:creationId xmlns:a16="http://schemas.microsoft.com/office/drawing/2014/main" id="{89C2D85A-A809-AA75-691D-8995EAF13D59}"/>
+              </a:ext>
+            </a:extLst>
+          </p:cNvPr>
+          <p:cNvSpPr/>
+          <p:nvPr/>
+        </p:nvSpPr>
+        <p:spPr>
+          <a:xfrm>
+            <a:off x="8340124" y="2269437"/>
+            <a:ext cx="469454" cy="328205"/>
+          </a:xfrm>
+          <a:prstGeom prst="rightArrow">
+            <a:avLst/>
+          </a:prstGeom>
+          <a:solidFill>
+            <a:schemeClr val="accent1">
+              <a:lumMod val="40000"/>
+              <a:lumOff val="60000"/>
+            </a:schemeClr>
+          </a:solidFill>
+          <a:ln>
+            <a:solidFill>
+              <a:schemeClr val="tx1"/>
+            </a:solidFill>
+          </a:ln>
+        </p:spPr>
+        <p:style>
+          <a:lnRef idx="2">
+            <a:schemeClr val="accent1">
+              <a:shade val="15000"/>
+            </a:schemeClr>
+          </a:lnRef>
+          <a:fillRef idx="1">
+            <a:schemeClr val="accent1"/>
+          </a:fillRef>
+          <a:effectRef idx="0">
+            <a:schemeClr val="accent1"/>
+          </a:effectRef>
+          <a:fontRef idx="minor">
+            <a:schemeClr val="lt1"/>
+          </a:fontRef>
+        </p:style>
+        <p:txBody>
+          <a:bodyPr rtlCol="0" anchor="ctr"/>
+          <a:lstStyle/>
+          <a:p>
+            <a:pPr algn="ctr"/>
+            <a:endParaRPr lang="zh-CN" altLang="en-US" sz="1200"/>
+          </a:p>
+        </p:txBody>
+      </p:sp>
+      <p:sp>
+        <p:nvSpPr>
+          <p:cNvPr id="64" name="矩形 63">
+            <a:extLst>
+              <a:ext uri="{FF2B5EF4-FFF2-40B4-BE49-F238E27FC236}">
+                <a16:creationId xmlns:a16="http://schemas.microsoft.com/office/drawing/2014/main" id="{6DAF2F20-9CAF-F8EC-1BF2-0F928DCFEE92}"/>
+              </a:ext>
+            </a:extLst>
+          </p:cNvPr>
+          <p:cNvSpPr/>
+          <p:nvPr/>
+        </p:nvSpPr>
+        <p:spPr>
+          <a:xfrm>
+            <a:off x="5800497" y="957552"/>
+            <a:ext cx="5350386" cy="4574701"/>
+          </a:xfrm>
+          <a:prstGeom prst="rect">
+            <a:avLst/>
+          </a:prstGeom>
+          <a:noFill/>
+          <a:ln>
+            <a:solidFill>
+              <a:schemeClr val="accent1">
+                <a:shade val="15000"/>
+              </a:schemeClr>
+            </a:solidFill>
+            <a:prstDash val="dash"/>
+            <a:extLst>
+              <a:ext uri="{C807C97D-BFC1-408E-A445-0C87EB9F89A2}">
+                <ask:lineSketchStyleProps xmlns="" xmlns:ask="http://schemas.microsoft.com/office/drawing/2018/sketchyshapes" sd="1219033472">
+                  <a:custGeom>
+                    <a:avLst/>
+                    <a:gdLst>
+                      <a:gd name="connsiteX0" fmla="*/ 0 w 3595196"/>
+                      <a:gd name="connsiteY0" fmla="*/ 0 h 3488923"/>
+                      <a:gd name="connsiteX1" fmla="*/ 563247 w 3595196"/>
+                      <a:gd name="connsiteY1" fmla="*/ 0 h 3488923"/>
+                      <a:gd name="connsiteX2" fmla="*/ 1054591 w 3595196"/>
+                      <a:gd name="connsiteY2" fmla="*/ 0 h 3488923"/>
+                      <a:gd name="connsiteX3" fmla="*/ 1725694 w 3595196"/>
+                      <a:gd name="connsiteY3" fmla="*/ 0 h 3488923"/>
+                      <a:gd name="connsiteX4" fmla="*/ 2288941 w 3595196"/>
+                      <a:gd name="connsiteY4" fmla="*/ 0 h 3488923"/>
+                      <a:gd name="connsiteX5" fmla="*/ 2852189 w 3595196"/>
+                      <a:gd name="connsiteY5" fmla="*/ 0 h 3488923"/>
+                      <a:gd name="connsiteX6" fmla="*/ 3595196 w 3595196"/>
+                      <a:gd name="connsiteY6" fmla="*/ 0 h 3488923"/>
+                      <a:gd name="connsiteX7" fmla="*/ 3595196 w 3595196"/>
+                      <a:gd name="connsiteY7" fmla="*/ 628006 h 3488923"/>
+                      <a:gd name="connsiteX8" fmla="*/ 3595196 w 3595196"/>
+                      <a:gd name="connsiteY8" fmla="*/ 1325791 h 3488923"/>
+                      <a:gd name="connsiteX9" fmla="*/ 3595196 w 3595196"/>
+                      <a:gd name="connsiteY9" fmla="*/ 1953797 h 3488923"/>
+                      <a:gd name="connsiteX10" fmla="*/ 3595196 w 3595196"/>
+                      <a:gd name="connsiteY10" fmla="*/ 2581803 h 3488923"/>
+                      <a:gd name="connsiteX11" fmla="*/ 3595196 w 3595196"/>
+                      <a:gd name="connsiteY11" fmla="*/ 3488923 h 3488923"/>
+                      <a:gd name="connsiteX12" fmla="*/ 2960045 w 3595196"/>
+                      <a:gd name="connsiteY12" fmla="*/ 3488923 h 3488923"/>
+                      <a:gd name="connsiteX13" fmla="*/ 2288941 w 3595196"/>
+                      <a:gd name="connsiteY13" fmla="*/ 3488923 h 3488923"/>
+                      <a:gd name="connsiteX14" fmla="*/ 1617838 w 3595196"/>
+                      <a:gd name="connsiteY14" fmla="*/ 3488923 h 3488923"/>
+                      <a:gd name="connsiteX15" fmla="*/ 1090543 w 3595196"/>
+                      <a:gd name="connsiteY15" fmla="*/ 3488923 h 3488923"/>
+                      <a:gd name="connsiteX16" fmla="*/ 0 w 3595196"/>
+                      <a:gd name="connsiteY16" fmla="*/ 3488923 h 3488923"/>
+                      <a:gd name="connsiteX17" fmla="*/ 0 w 3595196"/>
+                      <a:gd name="connsiteY17" fmla="*/ 2721360 h 3488923"/>
+                      <a:gd name="connsiteX18" fmla="*/ 0 w 3595196"/>
+                      <a:gd name="connsiteY18" fmla="*/ 2128243 h 3488923"/>
+                      <a:gd name="connsiteX19" fmla="*/ 0 w 3595196"/>
+                      <a:gd name="connsiteY19" fmla="*/ 1500237 h 3488923"/>
+                      <a:gd name="connsiteX20" fmla="*/ 0 w 3595196"/>
+                      <a:gd name="connsiteY20" fmla="*/ 872231 h 3488923"/>
+                      <a:gd name="connsiteX21" fmla="*/ 0 w 3595196"/>
+                      <a:gd name="connsiteY21" fmla="*/ 0 h 3488923"/>
+                    </a:gdLst>
+                    <a:ahLst/>
+                    <a:cxnLst>
+                      <a:cxn ang="0">
+                        <a:pos x="connsiteX0" y="connsiteY0"/>
+                      </a:cxn>
+                      <a:cxn ang="0">
+                        <a:pos x="connsiteX1" y="connsiteY1"/>
+                      </a:cxn>
+                      <a:cxn ang="0">
+                        <a:pos x="connsiteX2" y="connsiteY2"/>
+                      </a:cxn>
+                      <a:cxn ang="0">
+                        <a:pos x="connsiteX3" y="connsiteY3"/>
+                      </a:cxn>
+                      <a:cxn ang="0">
+                        <a:pos x="connsiteX4" y="connsiteY4"/>
+                      </a:cxn>
+                      <a:cxn ang="0">
+                        <a:pos x="connsiteX5" y="connsiteY5"/>
+                      </a:cxn>
+                      <a:cxn ang="0">
+                        <a:pos x="connsiteX6" y="connsiteY6"/>
+                      </a:cxn>
+                      <a:cxn ang="0">
+                        <a:pos x="connsiteX7" y="connsiteY7"/>
+                      </a:cxn>
+                      <a:cxn ang="0">
+                        <a:pos x="connsiteX8" y="connsiteY8"/>
+                      </a:cxn>
+                      <a:cxn ang="0">
+                        <a:pos x="connsiteX9" y="connsiteY9"/>
+                      </a:cxn>
+                      <a:cxn ang="0">
+                        <a:pos x="connsiteX10" y="connsiteY10"/>
+                      </a:cxn>
+                      <a:cxn ang="0">
+                        <a:pos x="connsiteX11" y="connsiteY11"/>
+                      </a:cxn>
+                      <a:cxn ang="0">
+                        <a:pos x="connsiteX12" y="connsiteY12"/>
+                      </a:cxn>
+                      <a:cxn ang="0">
+                        <a:pos x="connsiteX13" y="connsiteY13"/>
+                      </a:cxn>
+                      <a:cxn ang="0">
+                        <a:pos x="connsiteX14" y="connsiteY14"/>
+                      </a:cxn>
+                      <a:cxn ang="0">
+                        <a:pos x="connsiteX15" y="connsiteY15"/>
+                      </a:cxn>
+                      <a:cxn ang="0">
+                        <a:pos x="connsiteX16" y="connsiteY16"/>
+                      </a:cxn>
+                      <a:cxn ang="0">
+                        <a:pos x="connsiteX17" y="connsiteY17"/>
+                      </a:cxn>
+                      <a:cxn ang="0">
+                        <a:pos x="connsiteX18" y="connsiteY18"/>
+                      </a:cxn>
+                      <a:cxn ang="0">
+                        <a:pos x="connsiteX19" y="connsiteY19"/>
+                      </a:cxn>
+                      <a:cxn ang="0">
+                        <a:pos x="connsiteX20" y="connsiteY20"/>
+                      </a:cxn>
+                      <a:cxn ang="0">
+                        <a:pos x="connsiteX21" y="connsiteY21"/>
+                      </a:cxn>
+                    </a:cxnLst>
+                    <a:rect l="l" t="t" r="r" b="b"/>
+                    <a:pathLst>
+                      <a:path w="3595196" h="3488923" extrusionOk="0">
+                        <a:moveTo>
+                          <a:pt x="0" y="0"/>
+                        </a:moveTo>
+                        <a:cubicBezTo>
+                          <a:pt x="149156" y="-20299"/>
+                          <a:pt x="353103" y="-16551"/>
+                          <a:pt x="563247" y="0"/>
+                        </a:cubicBezTo>
+                        <a:cubicBezTo>
+                          <a:pt x="773391" y="16551"/>
+                          <a:pt x="937663" y="-13606"/>
+                          <a:pt x="1054591" y="0"/>
+                        </a:cubicBezTo>
+                        <a:cubicBezTo>
+                          <a:pt x="1171519" y="13606"/>
+                          <a:pt x="1580439" y="18120"/>
+                          <a:pt x="1725694" y="0"/>
+                        </a:cubicBezTo>
+                        <a:cubicBezTo>
+                          <a:pt x="1870949" y="-18120"/>
+                          <a:pt x="2077869" y="16282"/>
+                          <a:pt x="2288941" y="0"/>
+                        </a:cubicBezTo>
+                        <a:cubicBezTo>
+                          <a:pt x="2500013" y="-16282"/>
+                          <a:pt x="2660767" y="-5659"/>
+                          <a:pt x="2852189" y="0"/>
+                        </a:cubicBezTo>
+                        <a:cubicBezTo>
+                          <a:pt x="3043611" y="5659"/>
+                          <a:pt x="3284036" y="-3840"/>
+                          <a:pt x="3595196" y="0"/>
+                        </a:cubicBezTo>
+                        <a:cubicBezTo>
+                          <a:pt x="3609934" y="190344"/>
+                          <a:pt x="3567707" y="357584"/>
+                          <a:pt x="3595196" y="628006"/>
+                        </a:cubicBezTo>
+                        <a:cubicBezTo>
+                          <a:pt x="3622685" y="898428"/>
+                          <a:pt x="3618601" y="1103762"/>
+                          <a:pt x="3595196" y="1325791"/>
+                        </a:cubicBezTo>
+                        <a:cubicBezTo>
+                          <a:pt x="3571791" y="1547820"/>
+                          <a:pt x="3581445" y="1720315"/>
+                          <a:pt x="3595196" y="1953797"/>
+                        </a:cubicBezTo>
+                        <a:cubicBezTo>
+                          <a:pt x="3608947" y="2187279"/>
+                          <a:pt x="3614932" y="2454919"/>
+                          <a:pt x="3595196" y="2581803"/>
+                        </a:cubicBezTo>
+                        <a:cubicBezTo>
+                          <a:pt x="3575460" y="2708687"/>
+                          <a:pt x="3592797" y="3207600"/>
+                          <a:pt x="3595196" y="3488923"/>
+                        </a:cubicBezTo>
+                        <a:cubicBezTo>
+                          <a:pt x="3325526" y="3509833"/>
+                          <a:pt x="3203948" y="3503026"/>
+                          <a:pt x="2960045" y="3488923"/>
+                        </a:cubicBezTo>
+                        <a:cubicBezTo>
+                          <a:pt x="2716142" y="3474820"/>
+                          <a:pt x="2503203" y="3464026"/>
+                          <a:pt x="2288941" y="3488923"/>
+                        </a:cubicBezTo>
+                        <a:cubicBezTo>
+                          <a:pt x="2074679" y="3513820"/>
+                          <a:pt x="1754746" y="3504239"/>
+                          <a:pt x="1617838" y="3488923"/>
+                        </a:cubicBezTo>
+                        <a:cubicBezTo>
+                          <a:pt x="1480930" y="3473607"/>
+                          <a:pt x="1273182" y="3486786"/>
+                          <a:pt x="1090543" y="3488923"/>
+                        </a:cubicBezTo>
+                        <a:cubicBezTo>
+                          <a:pt x="907905" y="3491060"/>
+                          <a:pt x="349115" y="3472026"/>
+                          <a:pt x="0" y="3488923"/>
+                        </a:cubicBezTo>
+                        <a:cubicBezTo>
+                          <a:pt x="-33153" y="3168699"/>
+                          <a:pt x="29033" y="3061409"/>
+                          <a:pt x="0" y="2721360"/>
+                        </a:cubicBezTo>
+                        <a:cubicBezTo>
+                          <a:pt x="-29033" y="2381311"/>
+                          <a:pt x="8541" y="2414428"/>
+                          <a:pt x="0" y="2128243"/>
+                        </a:cubicBezTo>
+                        <a:cubicBezTo>
+                          <a:pt x="-8541" y="1842058"/>
+                          <a:pt x="-8859" y="1666521"/>
+                          <a:pt x="0" y="1500237"/>
+                        </a:cubicBezTo>
+                        <a:cubicBezTo>
+                          <a:pt x="8859" y="1333953"/>
+                          <a:pt x="19836" y="1012882"/>
+                          <a:pt x="0" y="872231"/>
+                        </a:cubicBezTo>
+                        <a:cubicBezTo>
+                          <a:pt x="-19836" y="731580"/>
+                          <a:pt x="32890" y="176066"/>
+                          <a:pt x="0" y="0"/>
+                        </a:cubicBezTo>
+                        <a:close/>
+                      </a:path>
+                    </a:pathLst>
+                  </a:custGeom>
+                  <ask:type>
+                    <ask:lineSketchNone/>
+                  </ask:type>
+                </ask:lineSketchStyleProps>
+              </a:ext>
+            </a:extLst>
+          </a:ln>
+        </p:spPr>
+        <p:style>
+          <a:lnRef idx="2">
+            <a:schemeClr val="accent1">
+              <a:shade val="15000"/>
+            </a:schemeClr>
+          </a:lnRef>
+          <a:fillRef idx="1">
+            <a:schemeClr val="accent1"/>
+          </a:fillRef>
+          <a:effectRef idx="0">
+            <a:schemeClr val="accent1"/>
+          </a:effectRef>
+          <a:fontRef idx="minor">
+            <a:schemeClr val="lt1"/>
+          </a:fontRef>
+        </p:style>
+        <p:txBody>
+          <a:bodyPr rtlCol="0" anchor="ctr"/>
+          <a:lstStyle/>
+          <a:p>
+            <a:pPr algn="ctr"/>
+            <a:endParaRPr lang="zh-CN" altLang="en-US"/>
+          </a:p>
+        </p:txBody>
+      </p:sp>
+      <p:sp>
+        <p:nvSpPr>
+          <p:cNvPr id="67" name="矩形 66">
+            <a:extLst>
+              <a:ext uri="{FF2B5EF4-FFF2-40B4-BE49-F238E27FC236}">
+                <a16:creationId xmlns:a16="http://schemas.microsoft.com/office/drawing/2014/main" id="{8C62AE5C-F396-8795-835E-A481060C1036}"/>
+              </a:ext>
+            </a:extLst>
+          </p:cNvPr>
+          <p:cNvSpPr/>
+          <p:nvPr/>
+        </p:nvSpPr>
+        <p:spPr>
+          <a:xfrm>
+            <a:off x="95299" y="46000"/>
+            <a:ext cx="3047395" cy="2276462"/>
+          </a:xfrm>
+          <a:prstGeom prst="rect">
+            <a:avLst/>
+          </a:prstGeom>
+          <a:noFill/>
+          <a:ln>
+            <a:solidFill>
+              <a:schemeClr val="accent1">
+                <a:shade val="15000"/>
+              </a:schemeClr>
+            </a:solidFill>
+            <a:prstDash val="dash"/>
+            <a:extLst>
+              <a:ext uri="{C807C97D-BFC1-408E-A445-0C87EB9F89A2}">
+                <ask:lineSketchStyleProps xmlns="" xmlns:ask="http://schemas.microsoft.com/office/drawing/2018/sketchyshapes" sd="1219033472">
+                  <a:custGeom>
+                    <a:avLst/>
+                    <a:gdLst>
+                      <a:gd name="connsiteX0" fmla="*/ 0 w 3595196"/>
+                      <a:gd name="connsiteY0" fmla="*/ 0 h 3488923"/>
+                      <a:gd name="connsiteX1" fmla="*/ 563247 w 3595196"/>
+                      <a:gd name="connsiteY1" fmla="*/ 0 h 3488923"/>
+                      <a:gd name="connsiteX2" fmla="*/ 1054591 w 3595196"/>
+                      <a:gd name="connsiteY2" fmla="*/ 0 h 3488923"/>
+                      <a:gd name="connsiteX3" fmla="*/ 1725694 w 3595196"/>
+                      <a:gd name="connsiteY3" fmla="*/ 0 h 3488923"/>
+                      <a:gd name="connsiteX4" fmla="*/ 2288941 w 3595196"/>
+                      <a:gd name="connsiteY4" fmla="*/ 0 h 3488923"/>
+                      <a:gd name="connsiteX5" fmla="*/ 2852189 w 3595196"/>
+                      <a:gd name="connsiteY5" fmla="*/ 0 h 3488923"/>
+                      <a:gd name="connsiteX6" fmla="*/ 3595196 w 3595196"/>
+                      <a:gd name="connsiteY6" fmla="*/ 0 h 3488923"/>
+                      <a:gd name="connsiteX7" fmla="*/ 3595196 w 3595196"/>
+                      <a:gd name="connsiteY7" fmla="*/ 628006 h 3488923"/>
+                      <a:gd name="connsiteX8" fmla="*/ 3595196 w 3595196"/>
+                      <a:gd name="connsiteY8" fmla="*/ 1325791 h 3488923"/>
+                      <a:gd name="connsiteX9" fmla="*/ 3595196 w 3595196"/>
+                      <a:gd name="connsiteY9" fmla="*/ 1953797 h 3488923"/>
+                      <a:gd name="connsiteX10" fmla="*/ 3595196 w 3595196"/>
+                      <a:gd name="connsiteY10" fmla="*/ 2581803 h 3488923"/>
+                      <a:gd name="connsiteX11" fmla="*/ 3595196 w 3595196"/>
+                      <a:gd name="connsiteY11" fmla="*/ 3488923 h 3488923"/>
+                      <a:gd name="connsiteX12" fmla="*/ 2960045 w 3595196"/>
+                      <a:gd name="connsiteY12" fmla="*/ 3488923 h 3488923"/>
+                      <a:gd name="connsiteX13" fmla="*/ 2288941 w 3595196"/>
+                      <a:gd name="connsiteY13" fmla="*/ 3488923 h 3488923"/>
+                      <a:gd name="connsiteX14" fmla="*/ 1617838 w 3595196"/>
+                      <a:gd name="connsiteY14" fmla="*/ 3488923 h 3488923"/>
+                      <a:gd name="connsiteX15" fmla="*/ 1090543 w 3595196"/>
+                      <a:gd name="connsiteY15" fmla="*/ 3488923 h 3488923"/>
+                      <a:gd name="connsiteX16" fmla="*/ 0 w 3595196"/>
+                      <a:gd name="connsiteY16" fmla="*/ 3488923 h 3488923"/>
+                      <a:gd name="connsiteX17" fmla="*/ 0 w 3595196"/>
+                      <a:gd name="connsiteY17" fmla="*/ 2721360 h 3488923"/>
+                      <a:gd name="connsiteX18" fmla="*/ 0 w 3595196"/>
+                      <a:gd name="connsiteY18" fmla="*/ 2128243 h 3488923"/>
+                      <a:gd name="connsiteX19" fmla="*/ 0 w 3595196"/>
+                      <a:gd name="connsiteY19" fmla="*/ 1500237 h 3488923"/>
+                      <a:gd name="connsiteX20" fmla="*/ 0 w 3595196"/>
+                      <a:gd name="connsiteY20" fmla="*/ 872231 h 3488923"/>
+                      <a:gd name="connsiteX21" fmla="*/ 0 w 3595196"/>
+                      <a:gd name="connsiteY21" fmla="*/ 0 h 3488923"/>
+                    </a:gdLst>
+                    <a:ahLst/>
+                    <a:cxnLst>
+                      <a:cxn ang="0">
+                        <a:pos x="connsiteX0" y="connsiteY0"/>
+                      </a:cxn>
+                      <a:cxn ang="0">
+                        <a:pos x="connsiteX1" y="connsiteY1"/>
+                      </a:cxn>
+                      <a:cxn ang="0">
+                        <a:pos x="connsiteX2" y="connsiteY2"/>
+                      </a:cxn>
+                      <a:cxn ang="0">
+                        <a:pos x="connsiteX3" y="connsiteY3"/>
+                      </a:cxn>
+                      <a:cxn ang="0">
+                        <a:pos x="connsiteX4" y="connsiteY4"/>
+                      </a:cxn>
+                      <a:cxn ang="0">
+                        <a:pos x="connsiteX5" y="connsiteY5"/>
+                      </a:cxn>
+                      <a:cxn ang="0">
+                        <a:pos x="connsiteX6" y="connsiteY6"/>
+                      </a:cxn>
+                      <a:cxn ang="0">
+                        <a:pos x="connsiteX7" y="connsiteY7"/>
+                      </a:cxn>
+                      <a:cxn ang="0">
+                        <a:pos x="connsiteX8" y="connsiteY8"/>
+                      </a:cxn>
+                      <a:cxn ang="0">
+                        <a:pos x="connsiteX9" y="connsiteY9"/>
+                      </a:cxn>
+                      <a:cxn ang="0">
+                        <a:pos x="connsiteX10" y="connsiteY10"/>
+                      </a:cxn>
+                      <a:cxn ang="0">
+                        <a:pos x="connsiteX11" y="connsiteY11"/>
+                      </a:cxn>
+                      <a:cxn ang="0">
+                        <a:pos x="connsiteX12" y="connsiteY12"/>
+                      </a:cxn>
+                      <a:cxn ang="0">
+                        <a:pos x="connsiteX13" y="connsiteY13"/>
+                      </a:cxn>
+                      <a:cxn ang="0">
+                        <a:pos x="connsiteX14" y="connsiteY14"/>
+                      </a:cxn>
+                      <a:cxn ang="0">
+                        <a:pos x="connsiteX15" y="connsiteY15"/>
+                      </a:cxn>
+                      <a:cxn ang="0">
+                        <a:pos x="connsiteX16" y="connsiteY16"/>
+                      </a:cxn>
+                      <a:cxn ang="0">
+                        <a:pos x="connsiteX17" y="connsiteY17"/>
+                      </a:cxn>
+                      <a:cxn ang="0">
+                        <a:pos x="connsiteX18" y="connsiteY18"/>
+                      </a:cxn>
+                      <a:cxn ang="0">
+                        <a:pos x="connsiteX19" y="connsiteY19"/>
+                      </a:cxn>
+                      <a:cxn ang="0">
+                        <a:pos x="connsiteX20" y="connsiteY20"/>
+                      </a:cxn>
+                      <a:cxn ang="0">
+                        <a:pos x="connsiteX21" y="connsiteY21"/>
+                      </a:cxn>
+                    </a:cxnLst>
+                    <a:rect l="l" t="t" r="r" b="b"/>
+                    <a:pathLst>
+                      <a:path w="3595196" h="3488923" extrusionOk="0">
+                        <a:moveTo>
+                          <a:pt x="0" y="0"/>
+                        </a:moveTo>
+                        <a:cubicBezTo>
+                          <a:pt x="149156" y="-20299"/>
+                          <a:pt x="353103" y="-16551"/>
+                          <a:pt x="563247" y="0"/>
+                        </a:cubicBezTo>
+                        <a:cubicBezTo>
+                          <a:pt x="773391" y="16551"/>
+                          <a:pt x="937663" y="-13606"/>
+                          <a:pt x="1054591" y="0"/>
+                        </a:cubicBezTo>
+                        <a:cubicBezTo>
+                          <a:pt x="1171519" y="13606"/>
+                          <a:pt x="1580439" y="18120"/>
+                          <a:pt x="1725694" y="0"/>
+                        </a:cubicBezTo>
+                        <a:cubicBezTo>
+                          <a:pt x="1870949" y="-18120"/>
+                          <a:pt x="2077869" y="16282"/>
+                          <a:pt x="2288941" y="0"/>
+                        </a:cubicBezTo>
+                        <a:cubicBezTo>
+                          <a:pt x="2500013" y="-16282"/>
+                          <a:pt x="2660767" y="-5659"/>
+                          <a:pt x="2852189" y="0"/>
+                        </a:cubicBezTo>
+                        <a:cubicBezTo>
+                          <a:pt x="3043611" y="5659"/>
+                          <a:pt x="3284036" y="-3840"/>
+                          <a:pt x="3595196" y="0"/>
+                        </a:cubicBezTo>
+                        <a:cubicBezTo>
+                          <a:pt x="3609934" y="190344"/>
+                          <a:pt x="3567707" y="357584"/>
+                          <a:pt x="3595196" y="628006"/>
+                        </a:cubicBezTo>
+                        <a:cubicBezTo>
+                          <a:pt x="3622685" y="898428"/>
+                          <a:pt x="3618601" y="1103762"/>
+                          <a:pt x="3595196" y="1325791"/>
+                        </a:cubicBezTo>
+                        <a:cubicBezTo>
+                          <a:pt x="3571791" y="1547820"/>
+                          <a:pt x="3581445" y="1720315"/>
+                          <a:pt x="3595196" y="1953797"/>
+                        </a:cubicBezTo>
+                        <a:cubicBezTo>
+                          <a:pt x="3608947" y="2187279"/>
+                          <a:pt x="3614932" y="2454919"/>
+                          <a:pt x="3595196" y="2581803"/>
+                        </a:cubicBezTo>
+                        <a:cubicBezTo>
+                          <a:pt x="3575460" y="2708687"/>
+                          <a:pt x="3592797" y="3207600"/>
+                          <a:pt x="3595196" y="3488923"/>
+                        </a:cubicBezTo>
+                        <a:cubicBezTo>
+                          <a:pt x="3325526" y="3509833"/>
+                          <a:pt x="3203948" y="3503026"/>
+                          <a:pt x="2960045" y="3488923"/>
+                        </a:cubicBezTo>
+                        <a:cubicBezTo>
+                          <a:pt x="2716142" y="3474820"/>
+                          <a:pt x="2503203" y="3464026"/>
+                          <a:pt x="2288941" y="3488923"/>
+                        </a:cubicBezTo>
+                        <a:cubicBezTo>
+                          <a:pt x="2074679" y="3513820"/>
+                          <a:pt x="1754746" y="3504239"/>
+                          <a:pt x="1617838" y="3488923"/>
+                        </a:cubicBezTo>
+                        <a:cubicBezTo>
+                          <a:pt x="1480930" y="3473607"/>
+                          <a:pt x="1273182" y="3486786"/>
+                          <a:pt x="1090543" y="3488923"/>
+                        </a:cubicBezTo>
+                        <a:cubicBezTo>
+                          <a:pt x="907905" y="3491060"/>
+                          <a:pt x="349115" y="3472026"/>
+                          <a:pt x="0" y="3488923"/>
+                        </a:cubicBezTo>
+                        <a:cubicBezTo>
+                          <a:pt x="-33153" y="3168699"/>
+                          <a:pt x="29033" y="3061409"/>
+                          <a:pt x="0" y="2721360"/>
+                        </a:cubicBezTo>
+                        <a:cubicBezTo>
+                          <a:pt x="-29033" y="2381311"/>
+                          <a:pt x="8541" y="2414428"/>
+                          <a:pt x="0" y="2128243"/>
+                        </a:cubicBezTo>
+                        <a:cubicBezTo>
+                          <a:pt x="-8541" y="1842058"/>
+                          <a:pt x="-8859" y="1666521"/>
+                          <a:pt x="0" y="1500237"/>
+                        </a:cubicBezTo>
+                        <a:cubicBezTo>
+                          <a:pt x="8859" y="1333953"/>
+                          <a:pt x="19836" y="1012882"/>
+                          <a:pt x="0" y="872231"/>
+                        </a:cubicBezTo>
+                        <a:cubicBezTo>
+                          <a:pt x="-19836" y="731580"/>
+                          <a:pt x="32890" y="176066"/>
+                          <a:pt x="0" y="0"/>
+                        </a:cubicBezTo>
+                        <a:close/>
+                      </a:path>
+                    </a:pathLst>
+                  </a:custGeom>
+                  <ask:type>
+                    <ask:lineSketchNone/>
+                  </ask:type>
+                </ask:lineSketchStyleProps>
+              </a:ext>
+            </a:extLst>
+          </a:ln>
+        </p:spPr>
+        <p:style>
+          <a:lnRef idx="2">
+            <a:schemeClr val="accent1">
+              <a:shade val="15000"/>
+            </a:schemeClr>
+          </a:lnRef>
+          <a:fillRef idx="1">
+            <a:schemeClr val="accent1"/>
+          </a:fillRef>
+          <a:effectRef idx="0">
+            <a:schemeClr val="accent1"/>
+          </a:effectRef>
+          <a:fontRef idx="minor">
+            <a:schemeClr val="lt1"/>
+          </a:fontRef>
+        </p:style>
+        <p:txBody>
+          <a:bodyPr rtlCol="0" anchor="ctr"/>
+          <a:lstStyle/>
+          <a:p>
+            <a:pPr algn="ctr"/>
+            <a:endParaRPr lang="zh-CN" altLang="en-US"/>
+          </a:p>
+        </p:txBody>
+      </p:sp>
+      <p:sp>
+        <p:nvSpPr>
+          <p:cNvPr id="53" name="椭圆 52">
+            <a:extLst>
+              <a:ext uri="{FF2B5EF4-FFF2-40B4-BE49-F238E27FC236}">
+                <a16:creationId xmlns:a16="http://schemas.microsoft.com/office/drawing/2014/main" id="{3F1035F2-BE80-444E-9DE5-FFAA488FC55F}"/>
+              </a:ext>
+            </a:extLst>
+          </p:cNvPr>
+          <p:cNvSpPr/>
+          <p:nvPr/>
+        </p:nvSpPr>
+        <p:spPr>
+          <a:xfrm>
+            <a:off x="1970257" y="2073837"/>
+            <a:ext cx="45719" cy="45719"/>
+          </a:xfrm>
+          <a:prstGeom prst="ellipse">
+            <a:avLst/>
+          </a:prstGeom>
+        </p:spPr>
+        <p:style>
+          <a:lnRef idx="2">
+            <a:schemeClr val="dk1">
+              <a:shade val="15000"/>
+            </a:schemeClr>
+          </a:lnRef>
+          <a:fillRef idx="1">
+            <a:schemeClr val="dk1"/>
+          </a:fillRef>
+          <a:effectRef idx="0">
+            <a:schemeClr val="dk1"/>
+          </a:effectRef>
+          <a:fontRef idx="minor">
+            <a:schemeClr val="lt1"/>
+          </a:fontRef>
+        </p:style>
+        <p:txBody>
+          <a:bodyPr rtlCol="0" anchor="ctr"/>
+          <a:lstStyle/>
+          <a:p>
+            <a:pPr algn="ctr"/>
+            <a:endParaRPr lang="zh-CN" altLang="en-US" sz="1000"/>
+          </a:p>
+        </p:txBody>
+      </p:sp>
+      <p:sp>
+        <p:nvSpPr>
+          <p:cNvPr id="14" name="矩形: 圆角 13">
+            <a:extLst>
+              <a:ext uri="{FF2B5EF4-FFF2-40B4-BE49-F238E27FC236}">
+                <a16:creationId xmlns:a16="http://schemas.microsoft.com/office/drawing/2014/main" id="{5F530FBD-C10B-478E-B4D3-62AA461D145A}"/>
+              </a:ext>
+            </a:extLst>
+          </p:cNvPr>
+          <p:cNvSpPr/>
+          <p:nvPr/>
+        </p:nvSpPr>
+        <p:spPr>
+          <a:xfrm>
+            <a:off x="6920228" y="2059650"/>
+            <a:ext cx="1298169" cy="662889"/>
+          </a:xfrm>
+          <a:prstGeom prst="roundRect">
+            <a:avLst/>
+          </a:prstGeom>
+          <a:solidFill>
+            <a:schemeClr val="accent1">
+              <a:lumMod val="40000"/>
+              <a:lumOff val="60000"/>
+            </a:schemeClr>
+          </a:solidFill>
+        </p:spPr>
+        <p:style>
+          <a:lnRef idx="2">
+            <a:schemeClr val="accent1">
+              <a:shade val="50000"/>
+            </a:schemeClr>
+          </a:lnRef>
+          <a:fillRef idx="1">
+            <a:schemeClr val="accent1"/>
+          </a:fillRef>
+          <a:effectRef idx="0">
+            <a:schemeClr val="accent1"/>
+          </a:effectRef>
+          <a:fontRef idx="minor">
+            <a:schemeClr val="lt1"/>
+          </a:fontRef>
+        </p:style>
+        <p:txBody>
+          <a:bodyPr rtlCol="0" anchor="ctr"/>
+          <a:lstStyle/>
+          <a:p>
+            <a:pPr algn="ctr"/>
+            <a:r>
+              <a:rPr lang="zh-CN" altLang="en-US" dirty="0"/>
+              <a:t>蝙蝠算法</a:t>
+            </a:r>
+          </a:p>
+        </p:txBody>
+      </p:sp>
+      <p:sp>
+        <p:nvSpPr>
+          <p:cNvPr id="78" name="椭圆 77">
+            <a:extLst>
+              <a:ext uri="{FF2B5EF4-FFF2-40B4-BE49-F238E27FC236}">
+                <a16:creationId xmlns:a16="http://schemas.microsoft.com/office/drawing/2014/main" id="{E453BE52-CA5F-45AB-936B-59F7FC085254}"/>
+              </a:ext>
+            </a:extLst>
+          </p:cNvPr>
+          <p:cNvSpPr/>
+          <p:nvPr/>
+        </p:nvSpPr>
+        <p:spPr>
+          <a:xfrm>
+            <a:off x="8583627" y="3400057"/>
+            <a:ext cx="1392843" cy="553944"/>
+          </a:xfrm>
+          <a:prstGeom prst="ellipse">
+            <a:avLst/>
+          </a:prstGeom>
+          <a:solidFill>
+            <a:schemeClr val="accent1">
+              <a:lumMod val="40000"/>
+              <a:lumOff val="60000"/>
+            </a:schemeClr>
+          </a:solidFill>
+        </p:spPr>
+        <p:style>
+          <a:lnRef idx="2">
+            <a:schemeClr val="accent1">
+              <a:shade val="15000"/>
+            </a:schemeClr>
+          </a:lnRef>
+          <a:fillRef idx="1">
+            <a:schemeClr val="accent1"/>
+          </a:fillRef>
+          <a:effectRef idx="0">
+            <a:schemeClr val="accent1"/>
+          </a:effectRef>
+          <a:fontRef idx="minor">
+            <a:schemeClr val="lt1"/>
+          </a:fontRef>
+        </p:style>
+        <p:txBody>
+          <a:bodyPr rtlCol="0" anchor="ctr"/>
+          <a:lstStyle/>
+          <a:p>
+            <a:pPr algn="ctr"/>
+            <a:r>
+              <a:rPr lang="en-US" altLang="zh-CN" sz="1200" b="0" i="0" dirty="0">
+                <a:solidFill>
+                  <a:srgbClr val="333333"/>
+                </a:solidFill>
+                <a:effectLst/>
+                <a:latin typeface="-apple-system"/>
+              </a:rPr>
+              <a:t>CART</a:t>
+            </a:r>
+            <a:r>
+              <a:rPr lang="zh-CN" altLang="en-US" sz="1200" b="0" i="0" dirty="0">
+                <a:solidFill>
+                  <a:srgbClr val="333333"/>
+                </a:solidFill>
+                <a:effectLst/>
+                <a:latin typeface="-apple-system"/>
+              </a:rPr>
+              <a:t>决策树</a:t>
+            </a:r>
+            <a:r>
+              <a:rPr lang="en-US" altLang="zh-CN" sz="1200" dirty="0">
+                <a:solidFill>
+                  <a:srgbClr val="333333"/>
+                </a:solidFill>
+                <a:latin typeface="-apple-system"/>
+              </a:rPr>
+              <a:t>2</a:t>
+            </a:r>
+            <a:endParaRPr lang="zh-CN" altLang="en-US" sz="1200" dirty="0"/>
+          </a:p>
+        </p:txBody>
+      </p:sp>
+      <p:sp>
+        <p:nvSpPr>
+          <p:cNvPr id="70" name="椭圆 69">
+            <a:extLst>
+              <a:ext uri="{FF2B5EF4-FFF2-40B4-BE49-F238E27FC236}">
+                <a16:creationId xmlns:a16="http://schemas.microsoft.com/office/drawing/2014/main" id="{5248956B-8611-40A8-BA3C-2BD59D203AFA}"/>
+              </a:ext>
+            </a:extLst>
+          </p:cNvPr>
+          <p:cNvSpPr/>
+          <p:nvPr/>
+        </p:nvSpPr>
+        <p:spPr>
+          <a:xfrm>
+            <a:off x="2104018" y="2073837"/>
+            <a:ext cx="45719" cy="45719"/>
+          </a:xfrm>
+          <a:prstGeom prst="ellipse">
+            <a:avLst/>
+          </a:prstGeom>
+        </p:spPr>
+        <p:style>
+          <a:lnRef idx="2">
+            <a:schemeClr val="dk1">
+              <a:shade val="15000"/>
+            </a:schemeClr>
+          </a:lnRef>
+          <a:fillRef idx="1">
+            <a:schemeClr val="dk1"/>
+          </a:fillRef>
+          <a:effectRef idx="0">
+            <a:schemeClr val="dk1"/>
+          </a:effectRef>
+          <a:fontRef idx="minor">
+            <a:schemeClr val="lt1"/>
+          </a:fontRef>
+        </p:style>
+        <p:txBody>
+          <a:bodyPr rtlCol="0" anchor="ctr"/>
+          <a:lstStyle/>
+          <a:p>
+            <a:pPr algn="ctr"/>
+            <a:endParaRPr lang="zh-CN" altLang="en-US" sz="1000"/>
+          </a:p>
+        </p:txBody>
+      </p:sp>
+      <p:sp>
+        <p:nvSpPr>
+          <p:cNvPr id="71" name="椭圆 70">
+            <a:extLst>
+              <a:ext uri="{FF2B5EF4-FFF2-40B4-BE49-F238E27FC236}">
+                <a16:creationId xmlns:a16="http://schemas.microsoft.com/office/drawing/2014/main" id="{B3213CF0-691E-4635-919C-31E998EE672F}"/>
+              </a:ext>
+            </a:extLst>
+          </p:cNvPr>
+          <p:cNvSpPr/>
+          <p:nvPr/>
+        </p:nvSpPr>
+        <p:spPr>
+          <a:xfrm>
+            <a:off x="1835856" y="2073837"/>
+            <a:ext cx="45719" cy="45719"/>
+          </a:xfrm>
+          <a:prstGeom prst="ellipse">
+            <a:avLst/>
+          </a:prstGeom>
+        </p:spPr>
+        <p:style>
+          <a:lnRef idx="2">
+            <a:schemeClr val="dk1">
+              <a:shade val="15000"/>
+            </a:schemeClr>
+          </a:lnRef>
+          <a:fillRef idx="1">
+            <a:schemeClr val="dk1"/>
+          </a:fillRef>
+          <a:effectRef idx="0">
+            <a:schemeClr val="dk1"/>
+          </a:effectRef>
+          <a:fontRef idx="minor">
+            <a:schemeClr val="lt1"/>
+          </a:fontRef>
+        </p:style>
+        <p:txBody>
+          <a:bodyPr rtlCol="0" anchor="ctr"/>
+          <a:lstStyle/>
+          <a:p>
+            <a:pPr algn="ctr"/>
+            <a:endParaRPr lang="zh-CN" altLang="en-US" sz="1000"/>
+          </a:p>
+        </p:txBody>
+      </p:sp>
+      <p:cxnSp>
+        <p:nvCxnSpPr>
+          <p:cNvPr id="6" name="直接箭头连接符 5">
+            <a:extLst>
+              <a:ext uri="{FF2B5EF4-FFF2-40B4-BE49-F238E27FC236}">
+                <a16:creationId xmlns:a16="http://schemas.microsoft.com/office/drawing/2014/main" id="{5897C3F8-77A2-492F-8D5B-DAC22C3E6ADA}"/>
+              </a:ext>
+            </a:extLst>
+          </p:cNvPr>
+          <p:cNvCxnSpPr>
+            <a:cxnSpLocks/>
+          </p:cNvCxnSpPr>
+          <p:nvPr/>
+        </p:nvCxnSpPr>
+        <p:spPr>
+          <a:xfrm>
+            <a:off x="2532499" y="5415378"/>
+            <a:ext cx="0" cy="186071"/>
+          </a:xfrm>
+          <a:prstGeom prst="straightConnector1">
+            <a:avLst/>
+          </a:prstGeom>
+          <a:ln>
+            <a:tailEnd type="triangle"/>
+          </a:ln>
+        </p:spPr>
+        <p:style>
+          <a:lnRef idx="1">
+            <a:schemeClr val="accent1"/>
+          </a:lnRef>
+          <a:fillRef idx="0">
+            <a:schemeClr val="accent1"/>
+          </a:fillRef>
+          <a:effectRef idx="0">
+            <a:schemeClr val="accent1"/>
+          </a:effectRef>
+          <a:fontRef idx="minor">
+            <a:schemeClr val="tx1"/>
+          </a:fontRef>
+        </p:style>
+      </p:cxnSp>
+      <p:sp>
+        <p:nvSpPr>
+          <p:cNvPr id="72" name="矩形: 圆角 71">
+            <a:extLst>
+              <a:ext uri="{FF2B5EF4-FFF2-40B4-BE49-F238E27FC236}">
+                <a16:creationId xmlns:a16="http://schemas.microsoft.com/office/drawing/2014/main" id="{D1AFF9F3-E5D0-424B-AC97-D327BB175095}"/>
+              </a:ext>
+            </a:extLst>
+          </p:cNvPr>
+          <p:cNvSpPr/>
+          <p:nvPr/>
+        </p:nvSpPr>
+        <p:spPr>
+          <a:xfrm>
+            <a:off x="996828" y="3377225"/>
+            <a:ext cx="1025509" cy="362309"/>
+          </a:xfrm>
+          <a:prstGeom prst="roundRect">
+            <a:avLst/>
+          </a:prstGeom>
+          <a:solidFill>
+            <a:schemeClr val="accent1">
+              <a:lumMod val="40000"/>
+              <a:lumOff val="60000"/>
+            </a:schemeClr>
+          </a:solidFill>
+        </p:spPr>
+        <p:style>
+          <a:lnRef idx="2">
+            <a:schemeClr val="accent1">
+              <a:shade val="15000"/>
+            </a:schemeClr>
+          </a:lnRef>
+          <a:fillRef idx="1">
+            <a:schemeClr val="accent1"/>
+          </a:fillRef>
+          <a:effectRef idx="0">
+            <a:schemeClr val="accent1"/>
+          </a:effectRef>
+          <a:fontRef idx="minor">
+            <a:schemeClr val="lt1"/>
+          </a:fontRef>
+        </p:style>
+        <p:txBody>
+          <a:bodyPr rtlCol="0" anchor="ctr"/>
+          <a:lstStyle/>
+          <a:p>
+            <a:pPr algn="ctr"/>
+            <a:r>
+              <a:rPr lang="en-US" altLang="zh-CN" sz="1000" dirty="0"/>
+              <a:t>RF(IMF1)&gt;0.5</a:t>
+            </a:r>
+            <a:endParaRPr lang="zh-CN" altLang="en-US" sz="1000" dirty="0"/>
+          </a:p>
+        </p:txBody>
+      </p:sp>
+      <p:cxnSp>
+        <p:nvCxnSpPr>
+          <p:cNvPr id="11" name="直接箭头连接符 10">
+            <a:extLst>
+              <a:ext uri="{FF2B5EF4-FFF2-40B4-BE49-F238E27FC236}">
+                <a16:creationId xmlns:a16="http://schemas.microsoft.com/office/drawing/2014/main" id="{E86D73B6-7F36-443C-A1B9-BDDCE2441182}"/>
+              </a:ext>
+            </a:extLst>
+          </p:cNvPr>
+          <p:cNvCxnSpPr>
+            <a:cxnSpLocks/>
+          </p:cNvCxnSpPr>
+          <p:nvPr/>
+        </p:nvCxnSpPr>
+        <p:spPr>
+          <a:xfrm flipH="1">
+            <a:off x="823009" y="3826276"/>
+            <a:ext cx="331090" cy="332705"/>
+          </a:xfrm>
+          <a:prstGeom prst="straightConnector1">
+            <a:avLst/>
+          </a:prstGeom>
+          <a:ln>
+            <a:tailEnd type="triangle"/>
+          </a:ln>
+        </p:spPr>
+        <p:style>
+          <a:lnRef idx="1">
+            <a:schemeClr val="accent1"/>
+          </a:lnRef>
+          <a:fillRef idx="0">
+            <a:schemeClr val="accent1"/>
+          </a:fillRef>
+          <a:effectRef idx="0">
+            <a:schemeClr val="accent1"/>
+          </a:effectRef>
+          <a:fontRef idx="minor">
+            <a:schemeClr val="tx1"/>
+          </a:fontRef>
+        </p:style>
+      </p:cxnSp>
+      <p:cxnSp>
+        <p:nvCxnSpPr>
+          <p:cNvPr id="13" name="直接箭头连接符 12">
+            <a:extLst>
+              <a:ext uri="{FF2B5EF4-FFF2-40B4-BE49-F238E27FC236}">
+                <a16:creationId xmlns:a16="http://schemas.microsoft.com/office/drawing/2014/main" id="{88EDD0D3-8874-46B5-89A0-791C5D280618}"/>
+              </a:ext>
+            </a:extLst>
+          </p:cNvPr>
+          <p:cNvCxnSpPr>
+            <a:cxnSpLocks/>
+          </p:cNvCxnSpPr>
+          <p:nvPr/>
+        </p:nvCxnSpPr>
+        <p:spPr>
+          <a:xfrm>
+            <a:off x="1713508" y="3836115"/>
+            <a:ext cx="258515" cy="330403"/>
+          </a:xfrm>
+          <a:prstGeom prst="straightConnector1">
+            <a:avLst/>
+          </a:prstGeom>
+          <a:ln>
+            <a:tailEnd type="triangle"/>
+          </a:ln>
+        </p:spPr>
+        <p:style>
+          <a:lnRef idx="1">
+            <a:schemeClr val="accent1"/>
+          </a:lnRef>
+          <a:fillRef idx="0">
+            <a:schemeClr val="accent1"/>
+          </a:fillRef>
+          <a:effectRef idx="0">
+            <a:schemeClr val="accent1"/>
+          </a:effectRef>
+          <a:fontRef idx="minor">
+            <a:schemeClr val="tx1"/>
+          </a:fontRef>
+        </p:style>
+      </p:cxnSp>
+      <p:sp>
+        <p:nvSpPr>
+          <p:cNvPr id="15" name="文本框 14">
+            <a:extLst>
+              <a:ext uri="{FF2B5EF4-FFF2-40B4-BE49-F238E27FC236}">
+                <a16:creationId xmlns:a16="http://schemas.microsoft.com/office/drawing/2014/main" id="{C34288E8-1835-42FF-8416-64FA25A2A7FC}"/>
+              </a:ext>
+            </a:extLst>
+          </p:cNvPr>
+          <p:cNvSpPr txBox="1"/>
+          <p:nvPr/>
+        </p:nvSpPr>
+        <p:spPr>
+          <a:xfrm>
+            <a:off x="798383" y="3772522"/>
+            <a:ext cx="311304" cy="369332"/>
+          </a:xfrm>
+          <a:prstGeom prst="rect">
+            <a:avLst/>
+          </a:prstGeom>
+          <a:noFill/>
+        </p:spPr>
+        <p:txBody>
+          <a:bodyPr wrap="none" rtlCol="0">
             <a:spAutoFit/>
           </a:bodyPr>
           <a:lstStyle/>
           <a:p>
-            <a:pPr algn="just"/>
-            <a:r>
-              <a:rPr lang="zh-CN" altLang="en-US" dirty="0">
+            <a:r>
+              <a:rPr lang="en-US" altLang="zh-CN" dirty="0"/>
+              <a:t>Y</a:t>
+            </a:r>
+          </a:p>
+        </p:txBody>
+      </p:sp>
+      <p:sp>
+        <p:nvSpPr>
+          <p:cNvPr id="73" name="文本框 72">
+            <a:extLst>
+              <a:ext uri="{FF2B5EF4-FFF2-40B4-BE49-F238E27FC236}">
+                <a16:creationId xmlns:a16="http://schemas.microsoft.com/office/drawing/2014/main" id="{8396E928-4595-4DC4-8604-74ABB71AD214}"/>
+              </a:ext>
+            </a:extLst>
+          </p:cNvPr>
+          <p:cNvSpPr txBox="1"/>
+          <p:nvPr/>
+        </p:nvSpPr>
+        <p:spPr>
+          <a:xfrm>
+            <a:off x="1409213" y="3793519"/>
+            <a:ext cx="352982" cy="369332"/>
+          </a:xfrm>
+          <a:prstGeom prst="rect">
+            <a:avLst/>
+          </a:prstGeom>
+          <a:noFill/>
+        </p:spPr>
+        <p:txBody>
+          <a:bodyPr wrap="none" rtlCol="0">
+            <a:spAutoFit/>
+          </a:bodyPr>
+          <a:lstStyle/>
+          <a:p>
+            <a:r>
+              <a:rPr lang="en-US" altLang="zh-CN" dirty="0"/>
+              <a:t>N</a:t>
+            </a:r>
+          </a:p>
+        </p:txBody>
+      </p:sp>
+      <p:sp>
+        <p:nvSpPr>
+          <p:cNvPr id="74" name="矩形: 圆角 73">
+            <a:extLst>
+              <a:ext uri="{FF2B5EF4-FFF2-40B4-BE49-F238E27FC236}">
+                <a16:creationId xmlns:a16="http://schemas.microsoft.com/office/drawing/2014/main" id="{931DC01E-3D0D-4948-9A1B-4F5CAFF8FA59}"/>
+              </a:ext>
+            </a:extLst>
+          </p:cNvPr>
+          <p:cNvSpPr/>
+          <p:nvPr/>
+        </p:nvSpPr>
+        <p:spPr>
+          <a:xfrm>
+            <a:off x="243453" y="4527611"/>
+            <a:ext cx="517115" cy="257453"/>
+          </a:xfrm>
+          <a:prstGeom prst="roundRect">
+            <a:avLst/>
+          </a:prstGeom>
+          <a:solidFill>
+            <a:schemeClr val="accent1">
+              <a:lumMod val="40000"/>
+              <a:lumOff val="60000"/>
+            </a:schemeClr>
+          </a:solidFill>
+        </p:spPr>
+        <p:style>
+          <a:lnRef idx="2">
+            <a:schemeClr val="accent1">
+              <a:shade val="15000"/>
+            </a:schemeClr>
+          </a:lnRef>
+          <a:fillRef idx="1">
+            <a:schemeClr val="accent1"/>
+          </a:fillRef>
+          <a:effectRef idx="0">
+            <a:schemeClr val="accent1"/>
+          </a:effectRef>
+          <a:fontRef idx="minor">
+            <a:schemeClr val="lt1"/>
+          </a:fontRef>
+        </p:style>
+        <p:txBody>
+          <a:bodyPr rtlCol="0" anchor="ctr"/>
+          <a:lstStyle/>
+          <a:p>
+            <a:pPr algn="ctr"/>
+            <a:r>
+              <a:rPr lang="en-US" altLang="zh-CN" sz="1000" dirty="0" err="1"/>
+              <a:t>IMFn</a:t>
+            </a:r>
+            <a:endParaRPr lang="zh-CN" altLang="en-US" sz="1000" dirty="0"/>
+          </a:p>
+        </p:txBody>
+      </p:sp>
+      <p:sp>
+        <p:nvSpPr>
+          <p:cNvPr id="75" name="矩形: 圆角 74">
+            <a:extLst>
+              <a:ext uri="{FF2B5EF4-FFF2-40B4-BE49-F238E27FC236}">
+                <a16:creationId xmlns:a16="http://schemas.microsoft.com/office/drawing/2014/main" id="{3C8BB054-836B-45C7-8792-1F0853253FBC}"/>
+              </a:ext>
+            </a:extLst>
+          </p:cNvPr>
+          <p:cNvSpPr/>
+          <p:nvPr/>
+        </p:nvSpPr>
+        <p:spPr>
+          <a:xfrm>
+            <a:off x="243452" y="5157925"/>
+            <a:ext cx="517115" cy="257453"/>
+          </a:xfrm>
+          <a:prstGeom prst="roundRect">
+            <a:avLst/>
+          </a:prstGeom>
+          <a:solidFill>
+            <a:schemeClr val="accent1">
+              <a:lumMod val="40000"/>
+              <a:lumOff val="60000"/>
+            </a:schemeClr>
+          </a:solidFill>
+        </p:spPr>
+        <p:style>
+          <a:lnRef idx="2">
+            <a:schemeClr val="accent1">
+              <a:shade val="15000"/>
+            </a:schemeClr>
+          </a:lnRef>
+          <a:fillRef idx="1">
+            <a:schemeClr val="accent1"/>
+          </a:fillRef>
+          <a:effectRef idx="0">
+            <a:schemeClr val="accent1"/>
+          </a:effectRef>
+          <a:fontRef idx="minor">
+            <a:schemeClr val="lt1"/>
+          </a:fontRef>
+        </p:style>
+        <p:txBody>
+          <a:bodyPr rtlCol="0" anchor="ctr"/>
+          <a:lstStyle/>
+          <a:p>
+            <a:pPr algn="ctr"/>
+            <a:r>
+              <a:rPr lang="en-US" altLang="zh-CN" sz="1000" dirty="0" err="1"/>
+              <a:t>IMFn</a:t>
+            </a:r>
+            <a:endParaRPr lang="zh-CN" altLang="en-US" sz="1000" dirty="0"/>
+          </a:p>
+        </p:txBody>
+      </p:sp>
+      <p:sp>
+        <p:nvSpPr>
+          <p:cNvPr id="76" name="矩形: 圆角 75">
+            <a:extLst>
+              <a:ext uri="{FF2B5EF4-FFF2-40B4-BE49-F238E27FC236}">
+                <a16:creationId xmlns:a16="http://schemas.microsoft.com/office/drawing/2014/main" id="{10C8B490-ED28-4A24-B52E-3E9813D3C771}"/>
+              </a:ext>
+            </a:extLst>
+          </p:cNvPr>
+          <p:cNvSpPr/>
+          <p:nvPr/>
+        </p:nvSpPr>
+        <p:spPr>
+          <a:xfrm>
+            <a:off x="243452" y="4859405"/>
+            <a:ext cx="517115" cy="257453"/>
+          </a:xfrm>
+          <a:prstGeom prst="roundRect">
+            <a:avLst/>
+          </a:prstGeom>
+          <a:solidFill>
+            <a:schemeClr val="accent1">
+              <a:lumMod val="40000"/>
+              <a:lumOff val="60000"/>
+            </a:schemeClr>
+          </a:solidFill>
+        </p:spPr>
+        <p:style>
+          <a:lnRef idx="2">
+            <a:schemeClr val="accent1">
+              <a:shade val="15000"/>
+            </a:schemeClr>
+          </a:lnRef>
+          <a:fillRef idx="1">
+            <a:schemeClr val="accent1"/>
+          </a:fillRef>
+          <a:effectRef idx="0">
+            <a:schemeClr val="accent1"/>
+          </a:effectRef>
+          <a:fontRef idx="minor">
+            <a:schemeClr val="lt1"/>
+          </a:fontRef>
+        </p:style>
+        <p:txBody>
+          <a:bodyPr rtlCol="0" anchor="ctr"/>
+          <a:lstStyle/>
+          <a:p>
+            <a:pPr algn="ctr"/>
+            <a:r>
+              <a:rPr lang="en-US" altLang="zh-CN" sz="1000" dirty="0" err="1"/>
+              <a:t>IMFn</a:t>
+            </a:r>
+            <a:endParaRPr lang="zh-CN" altLang="en-US" sz="1000" dirty="0"/>
+          </a:p>
+        </p:txBody>
+      </p:sp>
+      <p:sp>
+        <p:nvSpPr>
+          <p:cNvPr id="79" name="矩形: 圆角 78">
+            <a:extLst>
+              <a:ext uri="{FF2B5EF4-FFF2-40B4-BE49-F238E27FC236}">
+                <a16:creationId xmlns:a16="http://schemas.microsoft.com/office/drawing/2014/main" id="{07847692-3CCA-4072-9344-4A9E6682BA37}"/>
+              </a:ext>
+            </a:extLst>
+          </p:cNvPr>
+          <p:cNvSpPr/>
+          <p:nvPr/>
+        </p:nvSpPr>
+        <p:spPr>
+          <a:xfrm>
+            <a:off x="1660122" y="4296496"/>
+            <a:ext cx="517115" cy="257453"/>
+          </a:xfrm>
+          <a:prstGeom prst="roundRect">
+            <a:avLst/>
+          </a:prstGeom>
+          <a:solidFill>
+            <a:schemeClr val="accent1">
+              <a:lumMod val="40000"/>
+              <a:lumOff val="60000"/>
+            </a:schemeClr>
+          </a:solidFill>
+        </p:spPr>
+        <p:style>
+          <a:lnRef idx="2">
+            <a:schemeClr val="accent1">
+              <a:shade val="15000"/>
+            </a:schemeClr>
+          </a:lnRef>
+          <a:fillRef idx="1">
+            <a:schemeClr val="accent1"/>
+          </a:fillRef>
+          <a:effectRef idx="0">
+            <a:schemeClr val="accent1"/>
+          </a:effectRef>
+          <a:fontRef idx="minor">
+            <a:schemeClr val="lt1"/>
+          </a:fontRef>
+        </p:style>
+        <p:txBody>
+          <a:bodyPr rtlCol="0" anchor="ctr"/>
+          <a:lstStyle/>
+          <a:p>
+            <a:pPr algn="ctr"/>
+            <a:r>
+              <a:rPr lang="en-US" altLang="zh-CN" sz="1000" dirty="0"/>
+              <a:t>IMF</a:t>
+            </a:r>
+            <a:endParaRPr lang="zh-CN" altLang="en-US" sz="1000" dirty="0"/>
+          </a:p>
+        </p:txBody>
+      </p:sp>
+      <p:sp>
+        <p:nvSpPr>
+          <p:cNvPr id="80" name="矩形: 圆角 79">
+            <a:extLst>
+              <a:ext uri="{FF2B5EF4-FFF2-40B4-BE49-F238E27FC236}">
+                <a16:creationId xmlns:a16="http://schemas.microsoft.com/office/drawing/2014/main" id="{92F4CF27-6A36-4F83-AD7B-BFED7677870D}"/>
+              </a:ext>
+            </a:extLst>
+          </p:cNvPr>
+          <p:cNvSpPr/>
+          <p:nvPr/>
+        </p:nvSpPr>
+        <p:spPr>
+          <a:xfrm>
+            <a:off x="1660121" y="4926810"/>
+            <a:ext cx="517115" cy="257453"/>
+          </a:xfrm>
+          <a:prstGeom prst="roundRect">
+            <a:avLst/>
+          </a:prstGeom>
+          <a:solidFill>
+            <a:schemeClr val="accent1">
+              <a:lumMod val="40000"/>
+              <a:lumOff val="60000"/>
+            </a:schemeClr>
+          </a:solidFill>
+        </p:spPr>
+        <p:style>
+          <a:lnRef idx="2">
+            <a:schemeClr val="accent1">
+              <a:shade val="15000"/>
+            </a:schemeClr>
+          </a:lnRef>
+          <a:fillRef idx="1">
+            <a:schemeClr val="accent1"/>
+          </a:fillRef>
+          <a:effectRef idx="0">
+            <a:schemeClr val="accent1"/>
+          </a:effectRef>
+          <a:fontRef idx="minor">
+            <a:schemeClr val="lt1"/>
+          </a:fontRef>
+        </p:style>
+        <p:txBody>
+          <a:bodyPr rtlCol="0" anchor="ctr"/>
+          <a:lstStyle/>
+          <a:p>
+            <a:pPr algn="ctr"/>
+            <a:r>
+              <a:rPr lang="en-US" altLang="zh-CN" sz="1000" dirty="0"/>
+              <a:t>IMF</a:t>
+            </a:r>
+            <a:endParaRPr lang="zh-CN" altLang="en-US" sz="1000" dirty="0"/>
+          </a:p>
+        </p:txBody>
+      </p:sp>
+      <p:sp>
+        <p:nvSpPr>
+          <p:cNvPr id="81" name="矩形: 圆角 80">
+            <a:extLst>
+              <a:ext uri="{FF2B5EF4-FFF2-40B4-BE49-F238E27FC236}">
+                <a16:creationId xmlns:a16="http://schemas.microsoft.com/office/drawing/2014/main" id="{44FB35A1-B295-42E3-AFB4-ED31C5C153C0}"/>
+              </a:ext>
+            </a:extLst>
+          </p:cNvPr>
+          <p:cNvSpPr/>
+          <p:nvPr/>
+        </p:nvSpPr>
+        <p:spPr>
+          <a:xfrm>
+            <a:off x="1660121" y="4628290"/>
+            <a:ext cx="517115" cy="257453"/>
+          </a:xfrm>
+          <a:prstGeom prst="roundRect">
+            <a:avLst/>
+          </a:prstGeom>
+          <a:solidFill>
+            <a:schemeClr val="accent1">
+              <a:lumMod val="40000"/>
+              <a:lumOff val="60000"/>
+            </a:schemeClr>
+          </a:solidFill>
+        </p:spPr>
+        <p:style>
+          <a:lnRef idx="2">
+            <a:schemeClr val="accent1">
+              <a:shade val="15000"/>
+            </a:schemeClr>
+          </a:lnRef>
+          <a:fillRef idx="1">
+            <a:schemeClr val="accent1"/>
+          </a:fillRef>
+          <a:effectRef idx="0">
+            <a:schemeClr val="accent1"/>
+          </a:effectRef>
+          <a:fontRef idx="minor">
+            <a:schemeClr val="lt1"/>
+          </a:fontRef>
+        </p:style>
+        <p:txBody>
+          <a:bodyPr rtlCol="0" anchor="ctr"/>
+          <a:lstStyle/>
+          <a:p>
+            <a:pPr algn="ctr"/>
+            <a:r>
+              <a:rPr lang="en-US" altLang="zh-CN" sz="1000" dirty="0"/>
+              <a:t>IMF</a:t>
+            </a:r>
+            <a:endParaRPr lang="zh-CN" altLang="en-US" sz="1000" dirty="0"/>
+          </a:p>
+        </p:txBody>
+      </p:sp>
+      <p:sp>
+        <p:nvSpPr>
+          <p:cNvPr id="82" name="矩形 81">
+            <a:extLst>
+              <a:ext uri="{FF2B5EF4-FFF2-40B4-BE49-F238E27FC236}">
+                <a16:creationId xmlns:a16="http://schemas.microsoft.com/office/drawing/2014/main" id="{36D438E4-D7C6-4343-94D1-9ABEDD182FE5}"/>
+              </a:ext>
+            </a:extLst>
+          </p:cNvPr>
+          <p:cNvSpPr/>
+          <p:nvPr/>
+        </p:nvSpPr>
+        <p:spPr>
+          <a:xfrm>
+            <a:off x="1462492" y="4228119"/>
+            <a:ext cx="2028800" cy="1083616"/>
+          </a:xfrm>
+          <a:prstGeom prst="rect">
+            <a:avLst/>
+          </a:prstGeom>
+          <a:noFill/>
+          <a:ln>
+            <a:solidFill>
+              <a:schemeClr val="accent1">
+                <a:shade val="15000"/>
+              </a:schemeClr>
+            </a:solidFill>
+            <a:prstDash val="dash"/>
+            <a:extLst>
+              <a:ext uri="{C807C97D-BFC1-408E-A445-0C87EB9F89A2}">
+                <ask:lineSketchStyleProps xmlns="" xmlns:ask="http://schemas.microsoft.com/office/drawing/2018/sketchyshapes" sd="1219033472">
+                  <a:custGeom>
+                    <a:avLst/>
+                    <a:gdLst>
+                      <a:gd name="connsiteX0" fmla="*/ 0 w 3595196"/>
+                      <a:gd name="connsiteY0" fmla="*/ 0 h 3488923"/>
+                      <a:gd name="connsiteX1" fmla="*/ 563247 w 3595196"/>
+                      <a:gd name="connsiteY1" fmla="*/ 0 h 3488923"/>
+                      <a:gd name="connsiteX2" fmla="*/ 1054591 w 3595196"/>
+                      <a:gd name="connsiteY2" fmla="*/ 0 h 3488923"/>
+                      <a:gd name="connsiteX3" fmla="*/ 1725694 w 3595196"/>
+                      <a:gd name="connsiteY3" fmla="*/ 0 h 3488923"/>
+                      <a:gd name="connsiteX4" fmla="*/ 2288941 w 3595196"/>
+                      <a:gd name="connsiteY4" fmla="*/ 0 h 3488923"/>
+                      <a:gd name="connsiteX5" fmla="*/ 2852189 w 3595196"/>
+                      <a:gd name="connsiteY5" fmla="*/ 0 h 3488923"/>
+                      <a:gd name="connsiteX6" fmla="*/ 3595196 w 3595196"/>
+                      <a:gd name="connsiteY6" fmla="*/ 0 h 3488923"/>
+                      <a:gd name="connsiteX7" fmla="*/ 3595196 w 3595196"/>
+                      <a:gd name="connsiteY7" fmla="*/ 628006 h 3488923"/>
+                      <a:gd name="connsiteX8" fmla="*/ 3595196 w 3595196"/>
+                      <a:gd name="connsiteY8" fmla="*/ 1325791 h 3488923"/>
+                      <a:gd name="connsiteX9" fmla="*/ 3595196 w 3595196"/>
+                      <a:gd name="connsiteY9" fmla="*/ 1953797 h 3488923"/>
+                      <a:gd name="connsiteX10" fmla="*/ 3595196 w 3595196"/>
+                      <a:gd name="connsiteY10" fmla="*/ 2581803 h 3488923"/>
+                      <a:gd name="connsiteX11" fmla="*/ 3595196 w 3595196"/>
+                      <a:gd name="connsiteY11" fmla="*/ 3488923 h 3488923"/>
+                      <a:gd name="connsiteX12" fmla="*/ 2960045 w 3595196"/>
+                      <a:gd name="connsiteY12" fmla="*/ 3488923 h 3488923"/>
+                      <a:gd name="connsiteX13" fmla="*/ 2288941 w 3595196"/>
+                      <a:gd name="connsiteY13" fmla="*/ 3488923 h 3488923"/>
+                      <a:gd name="connsiteX14" fmla="*/ 1617838 w 3595196"/>
+                      <a:gd name="connsiteY14" fmla="*/ 3488923 h 3488923"/>
+                      <a:gd name="connsiteX15" fmla="*/ 1090543 w 3595196"/>
+                      <a:gd name="connsiteY15" fmla="*/ 3488923 h 3488923"/>
+                      <a:gd name="connsiteX16" fmla="*/ 0 w 3595196"/>
+                      <a:gd name="connsiteY16" fmla="*/ 3488923 h 3488923"/>
+                      <a:gd name="connsiteX17" fmla="*/ 0 w 3595196"/>
+                      <a:gd name="connsiteY17" fmla="*/ 2721360 h 3488923"/>
+                      <a:gd name="connsiteX18" fmla="*/ 0 w 3595196"/>
+                      <a:gd name="connsiteY18" fmla="*/ 2128243 h 3488923"/>
+                      <a:gd name="connsiteX19" fmla="*/ 0 w 3595196"/>
+                      <a:gd name="connsiteY19" fmla="*/ 1500237 h 3488923"/>
+                      <a:gd name="connsiteX20" fmla="*/ 0 w 3595196"/>
+                      <a:gd name="connsiteY20" fmla="*/ 872231 h 3488923"/>
+                      <a:gd name="connsiteX21" fmla="*/ 0 w 3595196"/>
+                      <a:gd name="connsiteY21" fmla="*/ 0 h 3488923"/>
+                    </a:gdLst>
+                    <a:ahLst/>
+                    <a:cxnLst>
+                      <a:cxn ang="0">
+                        <a:pos x="connsiteX0" y="connsiteY0"/>
+                      </a:cxn>
+                      <a:cxn ang="0">
+                        <a:pos x="connsiteX1" y="connsiteY1"/>
+                      </a:cxn>
+                      <a:cxn ang="0">
+                        <a:pos x="connsiteX2" y="connsiteY2"/>
+                      </a:cxn>
+                      <a:cxn ang="0">
+                        <a:pos x="connsiteX3" y="connsiteY3"/>
+                      </a:cxn>
+                      <a:cxn ang="0">
+                        <a:pos x="connsiteX4" y="connsiteY4"/>
+                      </a:cxn>
+                      <a:cxn ang="0">
+                        <a:pos x="connsiteX5" y="connsiteY5"/>
+                      </a:cxn>
+                      <a:cxn ang="0">
+                        <a:pos x="connsiteX6" y="connsiteY6"/>
+                      </a:cxn>
+                      <a:cxn ang="0">
+                        <a:pos x="connsiteX7" y="connsiteY7"/>
+                      </a:cxn>
+                      <a:cxn ang="0">
+                        <a:pos x="connsiteX8" y="connsiteY8"/>
+                      </a:cxn>
+                      <a:cxn ang="0">
+                        <a:pos x="connsiteX9" y="connsiteY9"/>
+                      </a:cxn>
+                      <a:cxn ang="0">
+                        <a:pos x="connsiteX10" y="connsiteY10"/>
+                      </a:cxn>
+                      <a:cxn ang="0">
+                        <a:pos x="connsiteX11" y="connsiteY11"/>
+                      </a:cxn>
+                      <a:cxn ang="0">
+                        <a:pos x="connsiteX12" y="connsiteY12"/>
+                      </a:cxn>
+                      <a:cxn ang="0">
+                        <a:pos x="connsiteX13" y="connsiteY13"/>
+                      </a:cxn>
+                      <a:cxn ang="0">
+                        <a:pos x="connsiteX14" y="connsiteY14"/>
+                      </a:cxn>
+                      <a:cxn ang="0">
+                        <a:pos x="connsiteX15" y="connsiteY15"/>
+                      </a:cxn>
+                      <a:cxn ang="0">
+                        <a:pos x="connsiteX16" y="connsiteY16"/>
+                      </a:cxn>
+                      <a:cxn ang="0">
+                        <a:pos x="connsiteX17" y="connsiteY17"/>
+                      </a:cxn>
+                      <a:cxn ang="0">
+                        <a:pos x="connsiteX18" y="connsiteY18"/>
+                      </a:cxn>
+                      <a:cxn ang="0">
+                        <a:pos x="connsiteX19" y="connsiteY19"/>
+                      </a:cxn>
+                      <a:cxn ang="0">
+                        <a:pos x="connsiteX20" y="connsiteY20"/>
+                      </a:cxn>
+                      <a:cxn ang="0">
+                        <a:pos x="connsiteX21" y="connsiteY21"/>
+                      </a:cxn>
+                    </a:cxnLst>
+                    <a:rect l="l" t="t" r="r" b="b"/>
+                    <a:pathLst>
+                      <a:path w="3595196" h="3488923" extrusionOk="0">
+                        <a:moveTo>
+                          <a:pt x="0" y="0"/>
+                        </a:moveTo>
+                        <a:cubicBezTo>
+                          <a:pt x="149156" y="-20299"/>
+                          <a:pt x="353103" y="-16551"/>
+                          <a:pt x="563247" y="0"/>
+                        </a:cubicBezTo>
+                        <a:cubicBezTo>
+                          <a:pt x="773391" y="16551"/>
+                          <a:pt x="937663" y="-13606"/>
+                          <a:pt x="1054591" y="0"/>
+                        </a:cubicBezTo>
+                        <a:cubicBezTo>
+                          <a:pt x="1171519" y="13606"/>
+                          <a:pt x="1580439" y="18120"/>
+                          <a:pt x="1725694" y="0"/>
+                        </a:cubicBezTo>
+                        <a:cubicBezTo>
+                          <a:pt x="1870949" y="-18120"/>
+                          <a:pt x="2077869" y="16282"/>
+                          <a:pt x="2288941" y="0"/>
+                        </a:cubicBezTo>
+                        <a:cubicBezTo>
+                          <a:pt x="2500013" y="-16282"/>
+                          <a:pt x="2660767" y="-5659"/>
+                          <a:pt x="2852189" y="0"/>
+                        </a:cubicBezTo>
+                        <a:cubicBezTo>
+                          <a:pt x="3043611" y="5659"/>
+                          <a:pt x="3284036" y="-3840"/>
+                          <a:pt x="3595196" y="0"/>
+                        </a:cubicBezTo>
+                        <a:cubicBezTo>
+                          <a:pt x="3609934" y="190344"/>
+                          <a:pt x="3567707" y="357584"/>
+                          <a:pt x="3595196" y="628006"/>
+                        </a:cubicBezTo>
+                        <a:cubicBezTo>
+                          <a:pt x="3622685" y="898428"/>
+                          <a:pt x="3618601" y="1103762"/>
+                          <a:pt x="3595196" y="1325791"/>
+                        </a:cubicBezTo>
+                        <a:cubicBezTo>
+                          <a:pt x="3571791" y="1547820"/>
+                          <a:pt x="3581445" y="1720315"/>
+                          <a:pt x="3595196" y="1953797"/>
+                        </a:cubicBezTo>
+                        <a:cubicBezTo>
+                          <a:pt x="3608947" y="2187279"/>
+                          <a:pt x="3614932" y="2454919"/>
+                          <a:pt x="3595196" y="2581803"/>
+                        </a:cubicBezTo>
+                        <a:cubicBezTo>
+                          <a:pt x="3575460" y="2708687"/>
+                          <a:pt x="3592797" y="3207600"/>
+                          <a:pt x="3595196" y="3488923"/>
+                        </a:cubicBezTo>
+                        <a:cubicBezTo>
+                          <a:pt x="3325526" y="3509833"/>
+                          <a:pt x="3203948" y="3503026"/>
+                          <a:pt x="2960045" y="3488923"/>
+                        </a:cubicBezTo>
+                        <a:cubicBezTo>
+                          <a:pt x="2716142" y="3474820"/>
+                          <a:pt x="2503203" y="3464026"/>
+                          <a:pt x="2288941" y="3488923"/>
+                        </a:cubicBezTo>
+                        <a:cubicBezTo>
+                          <a:pt x="2074679" y="3513820"/>
+                          <a:pt x="1754746" y="3504239"/>
+                          <a:pt x="1617838" y="3488923"/>
+                        </a:cubicBezTo>
+                        <a:cubicBezTo>
+                          <a:pt x="1480930" y="3473607"/>
+                          <a:pt x="1273182" y="3486786"/>
+                          <a:pt x="1090543" y="3488923"/>
+                        </a:cubicBezTo>
+                        <a:cubicBezTo>
+                          <a:pt x="907905" y="3491060"/>
+                          <a:pt x="349115" y="3472026"/>
+                          <a:pt x="0" y="3488923"/>
+                        </a:cubicBezTo>
+                        <a:cubicBezTo>
+                          <a:pt x="-33153" y="3168699"/>
+                          <a:pt x="29033" y="3061409"/>
+                          <a:pt x="0" y="2721360"/>
+                        </a:cubicBezTo>
+                        <a:cubicBezTo>
+                          <a:pt x="-29033" y="2381311"/>
+                          <a:pt x="8541" y="2414428"/>
+                          <a:pt x="0" y="2128243"/>
+                        </a:cubicBezTo>
+                        <a:cubicBezTo>
+                          <a:pt x="-8541" y="1842058"/>
+                          <a:pt x="-8859" y="1666521"/>
+                          <a:pt x="0" y="1500237"/>
+                        </a:cubicBezTo>
+                        <a:cubicBezTo>
+                          <a:pt x="8859" y="1333953"/>
+                          <a:pt x="19836" y="1012882"/>
+                          <a:pt x="0" y="872231"/>
+                        </a:cubicBezTo>
+                        <a:cubicBezTo>
+                          <a:pt x="-19836" y="731580"/>
+                          <a:pt x="32890" y="176066"/>
+                          <a:pt x="0" y="0"/>
+                        </a:cubicBezTo>
+                        <a:close/>
+                      </a:path>
+                    </a:pathLst>
+                  </a:custGeom>
+                  <ask:type>
+                    <ask:lineSketchNone/>
+                  </ask:type>
+                </ask:lineSketchStyleProps>
+              </a:ext>
+            </a:extLst>
+          </a:ln>
+        </p:spPr>
+        <p:style>
+          <a:lnRef idx="2">
+            <a:schemeClr val="accent1">
+              <a:shade val="15000"/>
+            </a:schemeClr>
+          </a:lnRef>
+          <a:fillRef idx="1">
+            <a:schemeClr val="accent1"/>
+          </a:fillRef>
+          <a:effectRef idx="0">
+            <a:schemeClr val="accent1"/>
+          </a:effectRef>
+          <a:fontRef idx="minor">
+            <a:schemeClr val="lt1"/>
+          </a:fontRef>
+        </p:style>
+        <p:txBody>
+          <a:bodyPr rtlCol="0" anchor="ctr"/>
+          <a:lstStyle/>
+          <a:p>
+            <a:pPr algn="ctr"/>
+            <a:endParaRPr lang="zh-CN" altLang="en-US"/>
+          </a:p>
+        </p:txBody>
+      </p:sp>
+      <p:sp>
+        <p:nvSpPr>
+          <p:cNvPr id="83" name="矩形 82">
+            <a:extLst>
+              <a:ext uri="{FF2B5EF4-FFF2-40B4-BE49-F238E27FC236}">
+                <a16:creationId xmlns:a16="http://schemas.microsoft.com/office/drawing/2014/main" id="{2BDF5013-024D-451A-BE71-4D96B14B1B22}"/>
+              </a:ext>
+            </a:extLst>
+          </p:cNvPr>
+          <p:cNvSpPr/>
+          <p:nvPr/>
+        </p:nvSpPr>
+        <p:spPr>
+          <a:xfrm>
+            <a:off x="2241463" y="4468266"/>
+            <a:ext cx="1114022" cy="700638"/>
+          </a:xfrm>
+          <a:prstGeom prst="rect">
+            <a:avLst/>
+          </a:prstGeom>
+          <a:solidFill>
+            <a:schemeClr val="bg2"/>
+          </a:solidFill>
+          <a:ln>
+            <a:solidFill>
+              <a:schemeClr val="tx2">
+                <a:lumMod val="20000"/>
+                <a:lumOff val="80000"/>
+              </a:schemeClr>
+            </a:solidFill>
+          </a:ln>
+        </p:spPr>
+        <p:style>
+          <a:lnRef idx="2">
+            <a:schemeClr val="accent1">
+              <a:shade val="15000"/>
+            </a:schemeClr>
+          </a:lnRef>
+          <a:fillRef idx="1">
+            <a:schemeClr val="accent1"/>
+          </a:fillRef>
+          <a:effectRef idx="0">
+            <a:schemeClr val="accent1"/>
+          </a:effectRef>
+          <a:fontRef idx="minor">
+            <a:schemeClr val="lt1"/>
+          </a:fontRef>
+        </p:style>
+        <p:txBody>
+          <a:bodyPr rtlCol="0" anchor="ctr"/>
+          <a:lstStyle/>
+          <a:p>
+            <a:pPr algn="ctr"/>
+            <a:r>
+              <a:rPr lang="zh-CN" altLang="en-US" sz="1400" dirty="0">
                 <a:solidFill>
-                  <a:srgbClr val="000000"/>
+                  <a:schemeClr val="tx1"/>
                 </a:solidFill>
-                <a:latin typeface="微软雅黑" panose="020B0503020204020204" pitchFamily="34" charset="-122"/>
-                <a:ea typeface="微软雅黑" panose="020B0503020204020204" pitchFamily="34" charset="-122"/>
               </a:rPr>
-              <a:t>相互作用问题的传统统计方法是回归模型</a:t>
-            </a:r>
-            <a:r>
-              <a:rPr lang="en-US" altLang="zh-CN" dirty="0">
+              <a:t>特征递归消除</a:t>
+            </a:r>
+            <a:r>
+              <a:rPr lang="en-US" altLang="zh-CN" sz="1400" dirty="0">
                 <a:solidFill>
-                  <a:srgbClr val="000000"/>
+                  <a:schemeClr val="tx1"/>
                 </a:solidFill>
-                <a:latin typeface="微软雅黑" panose="020B0503020204020204" pitchFamily="34" charset="-122"/>
-                <a:ea typeface="微软雅黑" panose="020B0503020204020204" pitchFamily="34" charset="-122"/>
               </a:rPr>
-              <a:t>[15]</a:t>
-            </a:r>
-            <a:r>
-              <a:rPr lang="zh-CN" altLang="en-US" dirty="0">
+              <a:t>+</a:t>
+            </a:r>
+            <a:r>
+              <a:rPr lang="zh-CN" altLang="en-US" sz="1400" dirty="0">
                 <a:solidFill>
-                  <a:srgbClr val="000000"/>
+                  <a:schemeClr val="tx1"/>
                 </a:solidFill>
-                <a:latin typeface="微软雅黑" panose="020B0503020204020204" pitchFamily="34" charset="-122"/>
-                <a:ea typeface="微软雅黑" panose="020B0503020204020204" pitchFamily="34" charset="-122"/>
               </a:rPr>
-              <a:t>。在回归模型中加入了一个估计两个相互作用变量相乘的系数。</a:t>
-            </a:r>
-            <a:endParaRPr lang="en-US" altLang="zh-CN" dirty="0">
-              <a:solidFill>
-                <a:srgbClr val="000000"/>
-              </a:solidFill>
-              <a:latin typeface="微软雅黑" panose="020B0503020204020204" pitchFamily="34" charset="-122"/>
-              <a:ea typeface="微软雅黑" panose="020B0503020204020204" pitchFamily="34" charset="-122"/>
-            </a:endParaRPr>
-          </a:p>
-          <a:p>
-            <a:pPr algn="just"/>
-            <a:endParaRPr lang="en-US" altLang="zh-CN" dirty="0">
-              <a:solidFill>
-                <a:srgbClr val="000000"/>
-              </a:solidFill>
-              <a:latin typeface="微软雅黑" panose="020B0503020204020204" pitchFamily="34" charset="-122"/>
-              <a:ea typeface="微软雅黑" panose="020B0503020204020204" pitchFamily="34" charset="-122"/>
-            </a:endParaRPr>
-          </a:p>
-          <a:p>
-            <a:pPr algn="just"/>
-            <a:r>
-              <a:rPr lang="zh-CN" altLang="en-US" dirty="0">
+              <a:t>随机森林交叉验证</a:t>
+            </a:r>
+          </a:p>
+        </p:txBody>
+      </p:sp>
+      <p:sp>
+        <p:nvSpPr>
+          <p:cNvPr id="85" name="矩形: 圆角 84">
+            <a:extLst>
+              <a:ext uri="{FF2B5EF4-FFF2-40B4-BE49-F238E27FC236}">
+                <a16:creationId xmlns:a16="http://schemas.microsoft.com/office/drawing/2014/main" id="{E687B7CF-56F2-4B7E-87B8-DBF020B5E261}"/>
+              </a:ext>
+            </a:extLst>
+          </p:cNvPr>
+          <p:cNvSpPr/>
+          <p:nvPr/>
+        </p:nvSpPr>
+        <p:spPr>
+          <a:xfrm>
+            <a:off x="2018160" y="5633172"/>
+            <a:ext cx="1028677" cy="257453"/>
+          </a:xfrm>
+          <a:prstGeom prst="roundRect">
+            <a:avLst/>
+          </a:prstGeom>
+          <a:solidFill>
+            <a:schemeClr val="accent1">
+              <a:lumMod val="40000"/>
+              <a:lumOff val="60000"/>
+            </a:schemeClr>
+          </a:solidFill>
+        </p:spPr>
+        <p:style>
+          <a:lnRef idx="2">
+            <a:schemeClr val="accent1">
+              <a:shade val="15000"/>
+            </a:schemeClr>
+          </a:lnRef>
+          <a:fillRef idx="1">
+            <a:schemeClr val="accent1"/>
+          </a:fillRef>
+          <a:effectRef idx="0">
+            <a:schemeClr val="accent1"/>
+          </a:effectRef>
+          <a:fontRef idx="minor">
+            <a:schemeClr val="lt1"/>
+          </a:fontRef>
+        </p:style>
+        <p:txBody>
+          <a:bodyPr rtlCol="0" anchor="ctr"/>
+          <a:lstStyle/>
+          <a:p>
+            <a:pPr algn="ctr"/>
+            <a:r>
+              <a:rPr lang="zh-CN" altLang="en-US" sz="1000" dirty="0"/>
+              <a:t>特征子集</a:t>
+            </a:r>
+          </a:p>
+        </p:txBody>
+      </p:sp>
+      <p:cxnSp>
+        <p:nvCxnSpPr>
+          <p:cNvPr id="88" name="直接箭头连接符 87">
+            <a:extLst>
+              <a:ext uri="{FF2B5EF4-FFF2-40B4-BE49-F238E27FC236}">
+                <a16:creationId xmlns:a16="http://schemas.microsoft.com/office/drawing/2014/main" id="{48519E76-E201-4EB6-9DEC-18A1C802F0E5}"/>
+              </a:ext>
+            </a:extLst>
+          </p:cNvPr>
+          <p:cNvCxnSpPr>
+            <a:cxnSpLocks/>
+          </p:cNvCxnSpPr>
+          <p:nvPr/>
+        </p:nvCxnSpPr>
+        <p:spPr>
+          <a:xfrm>
+            <a:off x="1487145" y="2446535"/>
+            <a:ext cx="22437" cy="861252"/>
+          </a:xfrm>
+          <a:prstGeom prst="straightConnector1">
+            <a:avLst/>
+          </a:prstGeom>
+          <a:ln>
+            <a:tailEnd type="triangle"/>
+          </a:ln>
+        </p:spPr>
+        <p:style>
+          <a:lnRef idx="1">
+            <a:schemeClr val="accent1"/>
+          </a:lnRef>
+          <a:fillRef idx="0">
+            <a:schemeClr val="accent1"/>
+          </a:fillRef>
+          <a:effectRef idx="0">
+            <a:schemeClr val="accent1"/>
+          </a:effectRef>
+          <a:fontRef idx="minor">
+            <a:schemeClr val="tx1"/>
+          </a:fontRef>
+        </p:style>
+      </p:cxnSp>
+      <p:sp>
+        <p:nvSpPr>
+          <p:cNvPr id="90" name="矩形 89">
+            <a:extLst>
+              <a:ext uri="{FF2B5EF4-FFF2-40B4-BE49-F238E27FC236}">
+                <a16:creationId xmlns:a16="http://schemas.microsoft.com/office/drawing/2014/main" id="{77F58585-A89B-4066-8785-1788396819F0}"/>
+              </a:ext>
+            </a:extLst>
+          </p:cNvPr>
+          <p:cNvSpPr/>
+          <p:nvPr/>
+        </p:nvSpPr>
+        <p:spPr>
+          <a:xfrm>
+            <a:off x="1758473" y="2470148"/>
+            <a:ext cx="1114022" cy="700638"/>
+          </a:xfrm>
+          <a:prstGeom prst="rect">
+            <a:avLst/>
+          </a:prstGeom>
+          <a:solidFill>
+            <a:schemeClr val="bg2"/>
+          </a:solidFill>
+          <a:ln>
+            <a:solidFill>
+              <a:schemeClr val="tx2">
+                <a:lumMod val="20000"/>
+                <a:lumOff val="80000"/>
+              </a:schemeClr>
+            </a:solidFill>
+          </a:ln>
+        </p:spPr>
+        <p:style>
+          <a:lnRef idx="2">
+            <a:schemeClr val="accent1">
+              <a:shade val="15000"/>
+            </a:schemeClr>
+          </a:lnRef>
+          <a:fillRef idx="1">
+            <a:schemeClr val="accent1"/>
+          </a:fillRef>
+          <a:effectRef idx="0">
+            <a:schemeClr val="accent1"/>
+          </a:effectRef>
+          <a:fontRef idx="minor">
+            <a:schemeClr val="lt1"/>
+          </a:fontRef>
+        </p:style>
+        <p:txBody>
+          <a:bodyPr rtlCol="0" anchor="ctr"/>
+          <a:lstStyle/>
+          <a:p>
+            <a:pPr algn="ctr"/>
+            <a:r>
+              <a:rPr lang="zh-CN" altLang="en-US" sz="1400" dirty="0">
                 <a:solidFill>
-                  <a:srgbClr val="000000"/>
+                  <a:schemeClr val="tx1"/>
                 </a:solidFill>
-                <a:latin typeface="微软雅黑" panose="020B0503020204020204" pitchFamily="34" charset="-122"/>
-                <a:ea typeface="微软雅黑" panose="020B0503020204020204" pitchFamily="34" charset="-122"/>
               </a:rPr>
-              <a:t>如果一个自变量</a:t>
-            </a:r>
-            <a:r>
-              <a:rPr lang="en-US" altLang="zh-CN" dirty="0">
-                <a:solidFill>
-                  <a:srgbClr val="000000"/>
-                </a:solidFill>
-                <a:latin typeface="微软雅黑" panose="020B0503020204020204" pitchFamily="34" charset="-122"/>
-                <a:ea typeface="微软雅黑" panose="020B0503020204020204" pitchFamily="34" charset="-122"/>
-              </a:rPr>
-              <a:t>(x1)</a:t>
-            </a:r>
-            <a:r>
-              <a:rPr lang="zh-CN" altLang="en-US" dirty="0">
-                <a:solidFill>
-                  <a:srgbClr val="000000"/>
-                </a:solidFill>
-                <a:latin typeface="微软雅黑" panose="020B0503020204020204" pitchFamily="34" charset="-122"/>
-                <a:ea typeface="微软雅黑" panose="020B0503020204020204" pitchFamily="34" charset="-122"/>
-              </a:rPr>
-              <a:t>对因变量</a:t>
-            </a:r>
-            <a:r>
-              <a:rPr lang="en-US" altLang="zh-CN" dirty="0">
-                <a:solidFill>
-                  <a:srgbClr val="000000"/>
-                </a:solidFill>
-                <a:latin typeface="微软雅黑" panose="020B0503020204020204" pitchFamily="34" charset="-122"/>
-                <a:ea typeface="微软雅黑" panose="020B0503020204020204" pitchFamily="34" charset="-122"/>
-              </a:rPr>
-              <a:t>(y)</a:t>
-            </a:r>
-            <a:r>
-              <a:rPr lang="zh-CN" altLang="en-US" dirty="0">
-                <a:solidFill>
-                  <a:srgbClr val="000000"/>
-                </a:solidFill>
-                <a:latin typeface="微软雅黑" panose="020B0503020204020204" pitchFamily="34" charset="-122"/>
-                <a:ea typeface="微软雅黑" panose="020B0503020204020204" pitchFamily="34" charset="-122"/>
-              </a:rPr>
-              <a:t>的影响受到其他自变量</a:t>
-            </a:r>
-            <a:r>
-              <a:rPr lang="en-US" altLang="zh-CN" dirty="0">
-                <a:solidFill>
-                  <a:srgbClr val="000000"/>
-                </a:solidFill>
-                <a:latin typeface="微软雅黑" panose="020B0503020204020204" pitchFamily="34" charset="-122"/>
-                <a:ea typeface="微软雅黑" panose="020B0503020204020204" pitchFamily="34" charset="-122"/>
-              </a:rPr>
-              <a:t>(x2)</a:t>
-            </a:r>
-            <a:r>
-              <a:rPr lang="zh-CN" altLang="en-US" dirty="0">
-                <a:solidFill>
-                  <a:srgbClr val="000000"/>
-                </a:solidFill>
-                <a:latin typeface="微软雅黑" panose="020B0503020204020204" pitchFamily="34" charset="-122"/>
-                <a:ea typeface="微软雅黑" panose="020B0503020204020204" pitchFamily="34" charset="-122"/>
-              </a:rPr>
-              <a:t>的影响，则称</a:t>
-            </a:r>
-            <a:r>
-              <a:rPr lang="en-US" altLang="zh-CN" dirty="0">
-                <a:solidFill>
-                  <a:srgbClr val="000000"/>
-                </a:solidFill>
-                <a:latin typeface="微软雅黑" panose="020B0503020204020204" pitchFamily="34" charset="-122"/>
-                <a:ea typeface="微软雅黑" panose="020B0503020204020204" pitchFamily="34" charset="-122"/>
-              </a:rPr>
-              <a:t>(x1, x2)[16]</a:t>
-            </a:r>
-            <a:r>
-              <a:rPr lang="zh-CN" altLang="en-US" dirty="0">
-                <a:solidFill>
-                  <a:srgbClr val="000000"/>
-                </a:solidFill>
-                <a:latin typeface="微软雅黑" panose="020B0503020204020204" pitchFamily="34" charset="-122"/>
-                <a:ea typeface="微软雅黑" panose="020B0503020204020204" pitchFamily="34" charset="-122"/>
-              </a:rPr>
-              <a:t>之间存在交互作用。如果该系数在统计上显著，则两个变量中的一个会修正另一个变量与感兴趣的结果之间的影响。</a:t>
-            </a:r>
-            <a:endParaRPr lang="en-US" altLang="zh-CN" dirty="0">
-              <a:solidFill>
-                <a:srgbClr val="000000"/>
-              </a:solidFill>
-              <a:latin typeface="微软雅黑" panose="020B0503020204020204" pitchFamily="34" charset="-122"/>
-              <a:ea typeface="微软雅黑" panose="020B0503020204020204" pitchFamily="34" charset="-122"/>
-            </a:endParaRPr>
-          </a:p>
-          <a:p>
-            <a:pPr algn="just"/>
-            <a:endParaRPr lang="en-US" altLang="zh-CN" dirty="0">
-              <a:solidFill>
-                <a:srgbClr val="000000"/>
-              </a:solidFill>
-              <a:latin typeface="微软雅黑" panose="020B0503020204020204" pitchFamily="34" charset="-122"/>
-              <a:ea typeface="微软雅黑" panose="020B0503020204020204" pitchFamily="34" charset="-122"/>
-            </a:endParaRPr>
-          </a:p>
-          <a:p>
-            <a:pPr algn="just"/>
-            <a:r>
-              <a:rPr lang="zh-CN" altLang="en-US" dirty="0">
-                <a:solidFill>
-                  <a:srgbClr val="000000"/>
-                </a:solidFill>
-                <a:latin typeface="微软雅黑" panose="020B0503020204020204" pitchFamily="34" charset="-122"/>
-                <a:ea typeface="微软雅黑" panose="020B0503020204020204" pitchFamily="34" charset="-122"/>
-              </a:rPr>
-              <a:t>当交互已知时，我们可以用反映机器学习策略中交互的单个“工程”特征替换交互特征，这与在预测器中添加交互项的传统回归模型相同。</a:t>
-            </a:r>
-            <a:endParaRPr lang="en-US" altLang="zh-CN" dirty="0">
-              <a:solidFill>
-                <a:srgbClr val="000000"/>
-              </a:solidFill>
-              <a:latin typeface="微软雅黑" panose="020B0503020204020204" pitchFamily="34" charset="-122"/>
-              <a:ea typeface="微软雅黑" panose="020B0503020204020204" pitchFamily="34" charset="-122"/>
-            </a:endParaRPr>
-          </a:p>
-          <a:p>
-            <a:pPr algn="just"/>
-            <a:endParaRPr lang="zh-CN" altLang="en-US" dirty="0">
-              <a:solidFill>
-                <a:srgbClr val="000000"/>
-              </a:solidFill>
-              <a:latin typeface="微软雅黑" panose="020B0503020204020204" pitchFamily="34" charset="-122"/>
-              <a:ea typeface="微软雅黑" panose="020B0503020204020204" pitchFamily="34" charset="-122"/>
-            </a:endParaRPr>
-          </a:p>
-          <a:p>
-            <a:pPr algn="just"/>
-            <a:r>
-              <a:rPr lang="zh-CN" altLang="en-US" dirty="0">
-                <a:solidFill>
-                  <a:srgbClr val="000000"/>
-                </a:solidFill>
-                <a:latin typeface="微软雅黑" panose="020B0503020204020204" pitchFamily="34" charset="-122"/>
-                <a:ea typeface="微软雅黑" panose="020B0503020204020204" pitchFamily="34" charset="-122"/>
-              </a:rPr>
-              <a:t>由于决策树结构是由自上而下的递归分支规则组成的，因此树模型的设计包含了部分交互效应。该规则允许决策树分层。该方法考虑了变量之间的相互作用。具体来说，当一个变量被选择为内部节点时，如果分裂后的两个分支在后续的变量选择中表现出不同的行为，则可能存在变量之间交互的信息。</a:t>
-            </a:r>
-          </a:p>
-          <a:p>
-            <a:pPr algn="just"/>
-            <a:r>
-              <a:rPr lang="zh-CN" altLang="en-US" dirty="0">
-                <a:solidFill>
-                  <a:srgbClr val="000000"/>
-                </a:solidFill>
-                <a:latin typeface="微软雅黑" panose="020B0503020204020204" pitchFamily="34" charset="-122"/>
-                <a:ea typeface="微软雅黑" panose="020B0503020204020204" pitchFamily="34" charset="-122"/>
-              </a:rPr>
-              <a:t>然而，</a:t>
-            </a:r>
-            <a:r>
-              <a:rPr lang="en-US" altLang="zh-CN" dirty="0">
-                <a:solidFill>
-                  <a:srgbClr val="000000"/>
-                </a:solidFill>
-                <a:latin typeface="微软雅黑" panose="020B0503020204020204" pitchFamily="34" charset="-122"/>
-                <a:ea typeface="微软雅黑" panose="020B0503020204020204" pitchFamily="34" charset="-122"/>
-              </a:rPr>
-              <a:t>Wright</a:t>
-            </a:r>
-            <a:r>
-              <a:rPr lang="zh-CN" altLang="en-US" dirty="0">
-                <a:solidFill>
-                  <a:srgbClr val="000000"/>
-                </a:solidFill>
-                <a:latin typeface="微软雅黑" panose="020B0503020204020204" pitchFamily="34" charset="-122"/>
-                <a:ea typeface="微软雅黑" panose="020B0503020204020204" pitchFamily="34" charset="-122"/>
-              </a:rPr>
-              <a:t>等人</a:t>
-            </a:r>
-            <a:r>
-              <a:rPr lang="en-US" altLang="zh-CN" dirty="0">
-                <a:solidFill>
-                  <a:srgbClr val="000000"/>
-                </a:solidFill>
-                <a:latin typeface="微软雅黑" panose="020B0503020204020204" pitchFamily="34" charset="-122"/>
-                <a:ea typeface="微软雅黑" panose="020B0503020204020204" pitchFamily="34" charset="-122"/>
-              </a:rPr>
-              <a:t>[[17]]</a:t>
-            </a:r>
-            <a:r>
-              <a:rPr lang="zh-CN" altLang="en-US" dirty="0">
-                <a:solidFill>
-                  <a:srgbClr val="000000"/>
-                </a:solidFill>
-                <a:latin typeface="微软雅黑" panose="020B0503020204020204" pitchFamily="34" charset="-122"/>
-                <a:ea typeface="微软雅黑" panose="020B0503020204020204" pitchFamily="34" charset="-122"/>
-              </a:rPr>
-              <a:t>认为，树模型在模拟多个相互作用时，最初不能选择两个相互作用变量。它是一个内部节点，特别是当相互作用变量的边际效应较小时。</a:t>
-            </a:r>
-          </a:p>
-          <a:p>
-            <a:pPr algn="just"/>
-            <a:r>
-              <a:rPr lang="zh-CN" altLang="en-US" dirty="0">
-                <a:solidFill>
-                  <a:srgbClr val="000000"/>
-                </a:solidFill>
-                <a:latin typeface="微软雅黑" panose="020B0503020204020204" pitchFamily="34" charset="-122"/>
-                <a:ea typeface="微软雅黑" panose="020B0503020204020204" pitchFamily="34" charset="-122"/>
-              </a:rPr>
-              <a:t>虽然树形模型可以处理局部交互效应，但这种修改容易受到边际效应的影响。此外，随机森林由许多决策树组成。在构建树时，随机森林只选择一些变量作为节点。因此，每个树可能不包括交互变量，并且预测可能有偏差。</a:t>
-            </a:r>
-          </a:p>
-          <a:p>
-            <a:pPr algn="just"/>
-            <a:r>
-              <a:rPr lang="zh-CN" altLang="en-US" dirty="0">
-                <a:solidFill>
-                  <a:srgbClr val="000000"/>
-                </a:solidFill>
-                <a:latin typeface="微软雅黑" panose="020B0503020204020204" pitchFamily="34" charset="-122"/>
-                <a:ea typeface="微软雅黑" panose="020B0503020204020204" pitchFamily="34" charset="-122"/>
-              </a:rPr>
-              <a:t>除了基于树的模型，还有许多机器学习策略，如支持向量机</a:t>
-            </a:r>
-            <a:r>
-              <a:rPr lang="en-US" altLang="zh-CN" dirty="0">
-                <a:solidFill>
-                  <a:srgbClr val="000000"/>
-                </a:solidFill>
-                <a:latin typeface="微软雅黑" panose="020B0503020204020204" pitchFamily="34" charset="-122"/>
-                <a:ea typeface="微软雅黑" panose="020B0503020204020204" pitchFamily="34" charset="-122"/>
-              </a:rPr>
-              <a:t>(SVM)[3]</a:t>
-            </a:r>
-            <a:r>
-              <a:rPr lang="zh-CN" altLang="en-US" dirty="0">
-                <a:solidFill>
-                  <a:srgbClr val="000000"/>
-                </a:solidFill>
-                <a:latin typeface="微软雅黑" panose="020B0503020204020204" pitchFamily="34" charset="-122"/>
-                <a:ea typeface="微软雅黑" panose="020B0503020204020204" pitchFamily="34" charset="-122"/>
-              </a:rPr>
-              <a:t>，</a:t>
-            </a:r>
-            <a:r>
-              <a:rPr lang="en-US" altLang="zh-CN" dirty="0">
-                <a:solidFill>
-                  <a:srgbClr val="000000"/>
-                </a:solidFill>
-                <a:latin typeface="微软雅黑" panose="020B0503020204020204" pitchFamily="34" charset="-122"/>
-                <a:ea typeface="微软雅黑" panose="020B0503020204020204" pitchFamily="34" charset="-122"/>
-              </a:rPr>
-              <a:t>[18]</a:t>
-            </a:r>
-            <a:r>
-              <a:rPr lang="zh-CN" altLang="en-US" dirty="0">
-                <a:solidFill>
-                  <a:srgbClr val="000000"/>
-                </a:solidFill>
-                <a:latin typeface="微软雅黑" panose="020B0503020204020204" pitchFamily="34" charset="-122"/>
-                <a:ea typeface="微软雅黑" panose="020B0503020204020204" pitchFamily="34" charset="-122"/>
-              </a:rPr>
-              <a:t>。支持向量机对缺失数据更敏感，在处理大数据时效率更高。人工神经网络</a:t>
-            </a:r>
-            <a:r>
-              <a:rPr lang="en-US" altLang="zh-CN" dirty="0">
-                <a:solidFill>
-                  <a:srgbClr val="000000"/>
-                </a:solidFill>
-                <a:latin typeface="微软雅黑" panose="020B0503020204020204" pitchFamily="34" charset="-122"/>
-                <a:ea typeface="微软雅黑" panose="020B0503020204020204" pitchFamily="34" charset="-122"/>
-              </a:rPr>
-              <a:t>[19]</a:t>
-            </a:r>
-            <a:r>
-              <a:rPr lang="zh-CN" altLang="en-US" dirty="0">
-                <a:solidFill>
-                  <a:srgbClr val="000000"/>
-                </a:solidFill>
-                <a:latin typeface="微软雅黑" panose="020B0503020204020204" pitchFamily="34" charset="-122"/>
-                <a:ea typeface="微软雅黑" panose="020B0503020204020204" pitchFamily="34" charset="-122"/>
-              </a:rPr>
-              <a:t>在结构复杂的情况下提供了令人满意的预测能力。人工神经网络优于逻辑回归</a:t>
-            </a:r>
-            <a:r>
-              <a:rPr lang="en-US" altLang="zh-CN" dirty="0">
-                <a:solidFill>
-                  <a:srgbClr val="000000"/>
-                </a:solidFill>
-                <a:latin typeface="微软雅黑" panose="020B0503020204020204" pitchFamily="34" charset="-122"/>
-                <a:ea typeface="微软雅黑" panose="020B0503020204020204" pitchFamily="34" charset="-122"/>
-              </a:rPr>
-              <a:t>[20]</a:t>
-            </a:r>
-            <a:r>
-              <a:rPr lang="zh-CN" altLang="en-US" dirty="0">
-                <a:solidFill>
-                  <a:srgbClr val="000000"/>
-                </a:solidFill>
-                <a:latin typeface="微软雅黑" panose="020B0503020204020204" pitchFamily="34" charset="-122"/>
-                <a:ea typeface="微软雅黑" panose="020B0503020204020204" pitchFamily="34" charset="-122"/>
-              </a:rPr>
-              <a:t>，可以应用于交通预测</a:t>
-            </a:r>
-            <a:r>
-              <a:rPr lang="en-US" altLang="zh-CN" dirty="0">
-                <a:solidFill>
-                  <a:srgbClr val="000000"/>
-                </a:solidFill>
-                <a:latin typeface="微软雅黑" panose="020B0503020204020204" pitchFamily="34" charset="-122"/>
-                <a:ea typeface="微软雅黑" panose="020B0503020204020204" pitchFamily="34" charset="-122"/>
-              </a:rPr>
-              <a:t>[21]</a:t>
-            </a:r>
-            <a:r>
-              <a:rPr lang="zh-CN" altLang="en-US" dirty="0">
-                <a:solidFill>
-                  <a:srgbClr val="000000"/>
-                </a:solidFill>
-                <a:latin typeface="微软雅黑" panose="020B0503020204020204" pitchFamily="34" charset="-122"/>
-                <a:ea typeface="微软雅黑" panose="020B0503020204020204" pitchFamily="34" charset="-122"/>
-              </a:rPr>
-              <a:t>，发生率清除</a:t>
-            </a:r>
-            <a:r>
-              <a:rPr lang="en-US" altLang="zh-CN" dirty="0">
-                <a:solidFill>
-                  <a:srgbClr val="000000"/>
-                </a:solidFill>
-                <a:latin typeface="微软雅黑" panose="020B0503020204020204" pitchFamily="34" charset="-122"/>
-                <a:ea typeface="微软雅黑" panose="020B0503020204020204" pitchFamily="34" charset="-122"/>
-              </a:rPr>
-              <a:t>[22]</a:t>
-            </a:r>
-            <a:r>
-              <a:rPr lang="zh-CN" altLang="en-US" dirty="0">
-                <a:solidFill>
-                  <a:srgbClr val="000000"/>
-                </a:solidFill>
-                <a:latin typeface="微软雅黑" panose="020B0503020204020204" pitchFamily="34" charset="-122"/>
-                <a:ea typeface="微软雅黑" panose="020B0503020204020204" pitchFamily="34" charset="-122"/>
-              </a:rPr>
-              <a:t>和环境研究</a:t>
-            </a:r>
-            <a:r>
-              <a:rPr lang="en-US" altLang="zh-CN" dirty="0">
-                <a:solidFill>
-                  <a:srgbClr val="000000"/>
-                </a:solidFill>
-                <a:latin typeface="微软雅黑" panose="020B0503020204020204" pitchFamily="34" charset="-122"/>
-                <a:ea typeface="微软雅黑" panose="020B0503020204020204" pitchFamily="34" charset="-122"/>
-              </a:rPr>
-              <a:t>[23]</a:t>
-            </a:r>
-            <a:r>
-              <a:rPr lang="zh-CN" altLang="en-US" dirty="0">
-                <a:solidFill>
-                  <a:srgbClr val="000000"/>
-                </a:solidFill>
-                <a:latin typeface="微软雅黑" panose="020B0503020204020204" pitchFamily="34" charset="-122"/>
-                <a:ea typeface="微软雅黑" panose="020B0503020204020204" pitchFamily="34" charset="-122"/>
-              </a:rPr>
-              <a:t>。</a:t>
-            </a:r>
-          </a:p>
-          <a:p>
-            <a:pPr algn="just"/>
-            <a:r>
-              <a:rPr lang="zh-CN" altLang="en-US" dirty="0">
-                <a:solidFill>
-                  <a:srgbClr val="000000"/>
-                </a:solidFill>
-                <a:latin typeface="微软雅黑" panose="020B0503020204020204" pitchFamily="34" charset="-122"/>
-                <a:ea typeface="微软雅黑" panose="020B0503020204020204" pitchFamily="34" charset="-122"/>
-              </a:rPr>
-              <a:t>人工神经网络最关键的问题是网络的不可解释行为。</a:t>
-            </a:r>
-            <a:endParaRPr lang="zh-CN" altLang="en-US" b="0" i="0" dirty="0">
-              <a:solidFill>
-                <a:srgbClr val="000000"/>
-              </a:solidFill>
-              <a:effectLst/>
-              <a:latin typeface="微软雅黑" panose="020B0503020204020204" pitchFamily="34" charset="-122"/>
-              <a:ea typeface="微软雅黑" panose="020B0503020204020204" pitchFamily="34" charset="-122"/>
-            </a:endParaRPr>
+              <a:t>随机森林计算相关性</a:t>
+            </a:r>
+          </a:p>
+        </p:txBody>
+      </p:sp>
+      <p:sp>
+        <p:nvSpPr>
+          <p:cNvPr id="91" name="矩形 90">
+            <a:extLst>
+              <a:ext uri="{FF2B5EF4-FFF2-40B4-BE49-F238E27FC236}">
+                <a16:creationId xmlns:a16="http://schemas.microsoft.com/office/drawing/2014/main" id="{94F6FE83-61D3-4CF8-8206-396CED0049A2}"/>
+              </a:ext>
+            </a:extLst>
+          </p:cNvPr>
+          <p:cNvSpPr/>
+          <p:nvPr/>
+        </p:nvSpPr>
+        <p:spPr>
+          <a:xfrm>
+            <a:off x="168123" y="4131538"/>
+            <a:ext cx="3612874" cy="1810511"/>
+          </a:xfrm>
+          <a:prstGeom prst="rect">
+            <a:avLst/>
+          </a:prstGeom>
+          <a:noFill/>
+          <a:ln>
+            <a:solidFill>
+              <a:schemeClr val="accent1">
+                <a:shade val="15000"/>
+              </a:schemeClr>
+            </a:solidFill>
+            <a:prstDash val="dash"/>
+            <a:extLst>
+              <a:ext uri="{C807C97D-BFC1-408E-A445-0C87EB9F89A2}">
+                <ask:lineSketchStyleProps xmlns="" xmlns:ask="http://schemas.microsoft.com/office/drawing/2018/sketchyshapes" sd="1219033472">
+                  <a:custGeom>
+                    <a:avLst/>
+                    <a:gdLst>
+                      <a:gd name="connsiteX0" fmla="*/ 0 w 3595196"/>
+                      <a:gd name="connsiteY0" fmla="*/ 0 h 3488923"/>
+                      <a:gd name="connsiteX1" fmla="*/ 563247 w 3595196"/>
+                      <a:gd name="connsiteY1" fmla="*/ 0 h 3488923"/>
+                      <a:gd name="connsiteX2" fmla="*/ 1054591 w 3595196"/>
+                      <a:gd name="connsiteY2" fmla="*/ 0 h 3488923"/>
+                      <a:gd name="connsiteX3" fmla="*/ 1725694 w 3595196"/>
+                      <a:gd name="connsiteY3" fmla="*/ 0 h 3488923"/>
+                      <a:gd name="connsiteX4" fmla="*/ 2288941 w 3595196"/>
+                      <a:gd name="connsiteY4" fmla="*/ 0 h 3488923"/>
+                      <a:gd name="connsiteX5" fmla="*/ 2852189 w 3595196"/>
+                      <a:gd name="connsiteY5" fmla="*/ 0 h 3488923"/>
+                      <a:gd name="connsiteX6" fmla="*/ 3595196 w 3595196"/>
+                      <a:gd name="connsiteY6" fmla="*/ 0 h 3488923"/>
+                      <a:gd name="connsiteX7" fmla="*/ 3595196 w 3595196"/>
+                      <a:gd name="connsiteY7" fmla="*/ 628006 h 3488923"/>
+                      <a:gd name="connsiteX8" fmla="*/ 3595196 w 3595196"/>
+                      <a:gd name="connsiteY8" fmla="*/ 1325791 h 3488923"/>
+                      <a:gd name="connsiteX9" fmla="*/ 3595196 w 3595196"/>
+                      <a:gd name="connsiteY9" fmla="*/ 1953797 h 3488923"/>
+                      <a:gd name="connsiteX10" fmla="*/ 3595196 w 3595196"/>
+                      <a:gd name="connsiteY10" fmla="*/ 2581803 h 3488923"/>
+                      <a:gd name="connsiteX11" fmla="*/ 3595196 w 3595196"/>
+                      <a:gd name="connsiteY11" fmla="*/ 3488923 h 3488923"/>
+                      <a:gd name="connsiteX12" fmla="*/ 2960045 w 3595196"/>
+                      <a:gd name="connsiteY12" fmla="*/ 3488923 h 3488923"/>
+                      <a:gd name="connsiteX13" fmla="*/ 2288941 w 3595196"/>
+                      <a:gd name="connsiteY13" fmla="*/ 3488923 h 3488923"/>
+                      <a:gd name="connsiteX14" fmla="*/ 1617838 w 3595196"/>
+                      <a:gd name="connsiteY14" fmla="*/ 3488923 h 3488923"/>
+                      <a:gd name="connsiteX15" fmla="*/ 1090543 w 3595196"/>
+                      <a:gd name="connsiteY15" fmla="*/ 3488923 h 3488923"/>
+                      <a:gd name="connsiteX16" fmla="*/ 0 w 3595196"/>
+                      <a:gd name="connsiteY16" fmla="*/ 3488923 h 3488923"/>
+                      <a:gd name="connsiteX17" fmla="*/ 0 w 3595196"/>
+                      <a:gd name="connsiteY17" fmla="*/ 2721360 h 3488923"/>
+                      <a:gd name="connsiteX18" fmla="*/ 0 w 3595196"/>
+                      <a:gd name="connsiteY18" fmla="*/ 2128243 h 3488923"/>
+                      <a:gd name="connsiteX19" fmla="*/ 0 w 3595196"/>
+                      <a:gd name="connsiteY19" fmla="*/ 1500237 h 3488923"/>
+                      <a:gd name="connsiteX20" fmla="*/ 0 w 3595196"/>
+                      <a:gd name="connsiteY20" fmla="*/ 872231 h 3488923"/>
+                      <a:gd name="connsiteX21" fmla="*/ 0 w 3595196"/>
+                      <a:gd name="connsiteY21" fmla="*/ 0 h 3488923"/>
+                    </a:gdLst>
+                    <a:ahLst/>
+                    <a:cxnLst>
+                      <a:cxn ang="0">
+                        <a:pos x="connsiteX0" y="connsiteY0"/>
+                      </a:cxn>
+                      <a:cxn ang="0">
+                        <a:pos x="connsiteX1" y="connsiteY1"/>
+                      </a:cxn>
+                      <a:cxn ang="0">
+                        <a:pos x="connsiteX2" y="connsiteY2"/>
+                      </a:cxn>
+                      <a:cxn ang="0">
+                        <a:pos x="connsiteX3" y="connsiteY3"/>
+                      </a:cxn>
+                      <a:cxn ang="0">
+                        <a:pos x="connsiteX4" y="connsiteY4"/>
+                      </a:cxn>
+                      <a:cxn ang="0">
+                        <a:pos x="connsiteX5" y="connsiteY5"/>
+                      </a:cxn>
+                      <a:cxn ang="0">
+                        <a:pos x="connsiteX6" y="connsiteY6"/>
+                      </a:cxn>
+                      <a:cxn ang="0">
+                        <a:pos x="connsiteX7" y="connsiteY7"/>
+                      </a:cxn>
+                      <a:cxn ang="0">
+                        <a:pos x="connsiteX8" y="connsiteY8"/>
+                      </a:cxn>
+                      <a:cxn ang="0">
+                        <a:pos x="connsiteX9" y="connsiteY9"/>
+                      </a:cxn>
+                      <a:cxn ang="0">
+                        <a:pos x="connsiteX10" y="connsiteY10"/>
+                      </a:cxn>
+                      <a:cxn ang="0">
+                        <a:pos x="connsiteX11" y="connsiteY11"/>
+                      </a:cxn>
+                      <a:cxn ang="0">
+                        <a:pos x="connsiteX12" y="connsiteY12"/>
+                      </a:cxn>
+                      <a:cxn ang="0">
+                        <a:pos x="connsiteX13" y="connsiteY13"/>
+                      </a:cxn>
+                      <a:cxn ang="0">
+                        <a:pos x="connsiteX14" y="connsiteY14"/>
+                      </a:cxn>
+                      <a:cxn ang="0">
+                        <a:pos x="connsiteX15" y="connsiteY15"/>
+                      </a:cxn>
+                      <a:cxn ang="0">
+                        <a:pos x="connsiteX16" y="connsiteY16"/>
+                      </a:cxn>
+                      <a:cxn ang="0">
+                        <a:pos x="connsiteX17" y="connsiteY17"/>
+                      </a:cxn>
+                      <a:cxn ang="0">
+                        <a:pos x="connsiteX18" y="connsiteY18"/>
+                      </a:cxn>
+                      <a:cxn ang="0">
+                        <a:pos x="connsiteX19" y="connsiteY19"/>
+                      </a:cxn>
+                      <a:cxn ang="0">
+                        <a:pos x="connsiteX20" y="connsiteY20"/>
+                      </a:cxn>
+                      <a:cxn ang="0">
+                        <a:pos x="connsiteX21" y="connsiteY21"/>
+                      </a:cxn>
+                    </a:cxnLst>
+                    <a:rect l="l" t="t" r="r" b="b"/>
+                    <a:pathLst>
+                      <a:path w="3595196" h="3488923" extrusionOk="0">
+                        <a:moveTo>
+                          <a:pt x="0" y="0"/>
+                        </a:moveTo>
+                        <a:cubicBezTo>
+                          <a:pt x="149156" y="-20299"/>
+                          <a:pt x="353103" y="-16551"/>
+                          <a:pt x="563247" y="0"/>
+                        </a:cubicBezTo>
+                        <a:cubicBezTo>
+                          <a:pt x="773391" y="16551"/>
+                          <a:pt x="937663" y="-13606"/>
+                          <a:pt x="1054591" y="0"/>
+                        </a:cubicBezTo>
+                        <a:cubicBezTo>
+                          <a:pt x="1171519" y="13606"/>
+                          <a:pt x="1580439" y="18120"/>
+                          <a:pt x="1725694" y="0"/>
+                        </a:cubicBezTo>
+                        <a:cubicBezTo>
+                          <a:pt x="1870949" y="-18120"/>
+                          <a:pt x="2077869" y="16282"/>
+                          <a:pt x="2288941" y="0"/>
+                        </a:cubicBezTo>
+                        <a:cubicBezTo>
+                          <a:pt x="2500013" y="-16282"/>
+                          <a:pt x="2660767" y="-5659"/>
+                          <a:pt x="2852189" y="0"/>
+                        </a:cubicBezTo>
+                        <a:cubicBezTo>
+                          <a:pt x="3043611" y="5659"/>
+                          <a:pt x="3284036" y="-3840"/>
+                          <a:pt x="3595196" y="0"/>
+                        </a:cubicBezTo>
+                        <a:cubicBezTo>
+                          <a:pt x="3609934" y="190344"/>
+                          <a:pt x="3567707" y="357584"/>
+                          <a:pt x="3595196" y="628006"/>
+                        </a:cubicBezTo>
+                        <a:cubicBezTo>
+                          <a:pt x="3622685" y="898428"/>
+                          <a:pt x="3618601" y="1103762"/>
+                          <a:pt x="3595196" y="1325791"/>
+                        </a:cubicBezTo>
+                        <a:cubicBezTo>
+                          <a:pt x="3571791" y="1547820"/>
+                          <a:pt x="3581445" y="1720315"/>
+                          <a:pt x="3595196" y="1953797"/>
+                        </a:cubicBezTo>
+                        <a:cubicBezTo>
+                          <a:pt x="3608947" y="2187279"/>
+                          <a:pt x="3614932" y="2454919"/>
+                          <a:pt x="3595196" y="2581803"/>
+                        </a:cubicBezTo>
+                        <a:cubicBezTo>
+                          <a:pt x="3575460" y="2708687"/>
+                          <a:pt x="3592797" y="3207600"/>
+                          <a:pt x="3595196" y="3488923"/>
+                        </a:cubicBezTo>
+                        <a:cubicBezTo>
+                          <a:pt x="3325526" y="3509833"/>
+                          <a:pt x="3203948" y="3503026"/>
+                          <a:pt x="2960045" y="3488923"/>
+                        </a:cubicBezTo>
+                        <a:cubicBezTo>
+                          <a:pt x="2716142" y="3474820"/>
+                          <a:pt x="2503203" y="3464026"/>
+                          <a:pt x="2288941" y="3488923"/>
+                        </a:cubicBezTo>
+                        <a:cubicBezTo>
+                          <a:pt x="2074679" y="3513820"/>
+                          <a:pt x="1754746" y="3504239"/>
+                          <a:pt x="1617838" y="3488923"/>
+                        </a:cubicBezTo>
+                        <a:cubicBezTo>
+                          <a:pt x="1480930" y="3473607"/>
+                          <a:pt x="1273182" y="3486786"/>
+                          <a:pt x="1090543" y="3488923"/>
+                        </a:cubicBezTo>
+                        <a:cubicBezTo>
+                          <a:pt x="907905" y="3491060"/>
+                          <a:pt x="349115" y="3472026"/>
+                          <a:pt x="0" y="3488923"/>
+                        </a:cubicBezTo>
+                        <a:cubicBezTo>
+                          <a:pt x="-33153" y="3168699"/>
+                          <a:pt x="29033" y="3061409"/>
+                          <a:pt x="0" y="2721360"/>
+                        </a:cubicBezTo>
+                        <a:cubicBezTo>
+                          <a:pt x="-29033" y="2381311"/>
+                          <a:pt x="8541" y="2414428"/>
+                          <a:pt x="0" y="2128243"/>
+                        </a:cubicBezTo>
+                        <a:cubicBezTo>
+                          <a:pt x="-8541" y="1842058"/>
+                          <a:pt x="-8859" y="1666521"/>
+                          <a:pt x="0" y="1500237"/>
+                        </a:cubicBezTo>
+                        <a:cubicBezTo>
+                          <a:pt x="8859" y="1333953"/>
+                          <a:pt x="19836" y="1012882"/>
+                          <a:pt x="0" y="872231"/>
+                        </a:cubicBezTo>
+                        <a:cubicBezTo>
+                          <a:pt x="-19836" y="731580"/>
+                          <a:pt x="32890" y="176066"/>
+                          <a:pt x="0" y="0"/>
+                        </a:cubicBezTo>
+                        <a:close/>
+                      </a:path>
+                    </a:pathLst>
+                  </a:custGeom>
+                  <ask:type>
+                    <ask:lineSketchNone/>
+                  </ask:type>
+                </ask:lineSketchStyleProps>
+              </a:ext>
+            </a:extLst>
+          </a:ln>
+        </p:spPr>
+        <p:style>
+          <a:lnRef idx="2">
+            <a:schemeClr val="accent1">
+              <a:shade val="15000"/>
+            </a:schemeClr>
+          </a:lnRef>
+          <a:fillRef idx="1">
+            <a:schemeClr val="accent1"/>
+          </a:fillRef>
+          <a:effectRef idx="0">
+            <a:schemeClr val="accent1"/>
+          </a:effectRef>
+          <a:fontRef idx="minor">
+            <a:schemeClr val="lt1"/>
+          </a:fontRef>
+        </p:style>
+        <p:txBody>
+          <a:bodyPr rtlCol="0" anchor="ctr"/>
+          <a:lstStyle/>
+          <a:p>
+            <a:pPr algn="ctr"/>
+            <a:endParaRPr lang="zh-CN" altLang="en-US"/>
           </a:p>
         </p:txBody>
       </p:sp>
     </p:spTree>
     <p:extLst>
       <p:ext uri="{BB962C8B-B14F-4D97-AF65-F5344CB8AC3E}">
-        <p14:creationId xmlns:p14="http://schemas.microsoft.com/office/powerpoint/2010/main" val="636313328"/>
+        <p14:creationId xmlns:p14="http://schemas.microsoft.com/office/powerpoint/2010/main" val="2264443912"/>
       </p:ext>
     </p:extLst>
   </p:cSld>
@@ -3841,6 +7301,96 @@
     </p:spTree>
     <p:extLst>
       <p:ext uri="{BB962C8B-B14F-4D97-AF65-F5344CB8AC3E}">
+        <p14:creationId xmlns:p14="http://schemas.microsoft.com/office/powerpoint/2010/main" val="4151425089"/>
+      </p:ext>
+    </p:extLst>
+  </p:cSld>
+  <p:clrMapOvr>
+    <a:masterClrMapping/>
+  </p:clrMapOvr>
+</p:sld>
+</file>
+
+<file path=ppt/slides/slide11.xml><?xml version="1.0" encoding="utf-8"?>
+<p:sld xmlns:a="http://schemas.openxmlformats.org/drawingml/2006/main" xmlns:r="http://schemas.openxmlformats.org/officeDocument/2006/relationships" xmlns:p="http://schemas.openxmlformats.org/presentationml/2006/main">
+  <p:cSld>
+    <p:spTree>
+      <p:nvGrpSpPr>
+        <p:cNvPr id="1" name=""/>
+        <p:cNvGrpSpPr/>
+        <p:nvPr/>
+      </p:nvGrpSpPr>
+      <p:grpSpPr>
+        <a:xfrm>
+          <a:off x="0" y="0"/>
+          <a:ext cx="0" cy="0"/>
+          <a:chOff x="0" y="0"/>
+          <a:chExt cx="0" cy="0"/>
+        </a:xfrm>
+      </p:grpSpPr>
+    </p:spTree>
+    <p:extLst>
+      <p:ext uri="{BB962C8B-B14F-4D97-AF65-F5344CB8AC3E}">
+        <p14:creationId xmlns:p14="http://schemas.microsoft.com/office/powerpoint/2010/main" val="1739027374"/>
+      </p:ext>
+    </p:extLst>
+  </p:cSld>
+  <p:clrMapOvr>
+    <a:masterClrMapping/>
+  </p:clrMapOvr>
+</p:sld>
+</file>
+
+<file path=ppt/slides/slide12.xml><?xml version="1.0" encoding="utf-8"?>
+<p:sld xmlns:a="http://schemas.openxmlformats.org/drawingml/2006/main" xmlns:r="http://schemas.openxmlformats.org/officeDocument/2006/relationships" xmlns:p="http://schemas.openxmlformats.org/presentationml/2006/main">
+  <p:cSld>
+    <p:spTree>
+      <p:nvGrpSpPr>
+        <p:cNvPr id="1" name=""/>
+        <p:cNvGrpSpPr/>
+        <p:nvPr/>
+      </p:nvGrpSpPr>
+      <p:grpSpPr>
+        <a:xfrm>
+          <a:off x="0" y="0"/>
+          <a:ext cx="0" cy="0"/>
+          <a:chOff x="0" y="0"/>
+          <a:chExt cx="0" cy="0"/>
+        </a:xfrm>
+      </p:grpSpPr>
+    </p:spTree>
+    <p:extLst>
+      <p:ext uri="{BB962C8B-B14F-4D97-AF65-F5344CB8AC3E}">
+        <p14:creationId xmlns:p14="http://schemas.microsoft.com/office/powerpoint/2010/main" val="1696776079"/>
+      </p:ext>
+    </p:extLst>
+  </p:cSld>
+  <p:clrMapOvr>
+    <a:masterClrMapping/>
+  </p:clrMapOvr>
+</p:sld>
+</file>
+
+<file path=ppt/slides/slide13.xml><?xml version="1.0" encoding="utf-8"?>
+<p:sld xmlns:a="http://schemas.openxmlformats.org/drawingml/2006/main" xmlns:r="http://schemas.openxmlformats.org/officeDocument/2006/relationships" xmlns:p="http://schemas.openxmlformats.org/presentationml/2006/main">
+  <p:cSld>
+    <p:spTree>
+      <p:nvGrpSpPr>
+        <p:cNvPr id="1" name=""/>
+        <p:cNvGrpSpPr/>
+        <p:nvPr/>
+      </p:nvGrpSpPr>
+      <p:grpSpPr>
+        <a:xfrm>
+          <a:off x="0" y="0"/>
+          <a:ext cx="0" cy="0"/>
+          <a:chOff x="0" y="0"/>
+          <a:chExt cx="0" cy="0"/>
+        </a:xfrm>
+      </p:grpSpPr>
+    </p:spTree>
+    <p:extLst>
+      <p:ext uri="{BB962C8B-B14F-4D97-AF65-F5344CB8AC3E}">
         <p14:creationId xmlns:p14="http://schemas.microsoft.com/office/powerpoint/2010/main" val="1963549691"/>
       </p:ext>
     </p:extLst>
@@ -3851,7 +7401,7 @@
 </p:sld>
 </file>
 
-<file path=ppt/slides/slide11.xml><?xml version="1.0" encoding="utf-8"?>
+<file path=ppt/slides/slide14.xml><?xml version="1.0" encoding="utf-8"?>
 <p:sld xmlns:a="http://schemas.openxmlformats.org/drawingml/2006/main" xmlns:r="http://schemas.openxmlformats.org/officeDocument/2006/relationships" xmlns:p="http://schemas.openxmlformats.org/presentationml/2006/main">
   <p:cSld>
     <p:spTree>
@@ -6865,7 +10415,7 @@
 </p:sld>
 </file>
 
-<file path=ppt/slides/slide12.xml><?xml version="1.0" encoding="utf-8"?>
+<file path=ppt/slides/slide15.xml><?xml version="1.0" encoding="utf-8"?>
 <p:sld xmlns:a="http://schemas.openxmlformats.org/drawingml/2006/main" xmlns:r="http://schemas.openxmlformats.org/officeDocument/2006/relationships" xmlns:p="http://schemas.openxmlformats.org/presentationml/2006/main">
   <p:cSld>
     <p:spTree>
@@ -7007,12 +10557,64 @@
           <a:chExt cx="0" cy="0"/>
         </a:xfrm>
       </p:grpSpPr>
+      <p:sp>
+        <p:nvSpPr>
+          <p:cNvPr id="4" name="文本框 3">
+            <a:extLst>
+              <a:ext uri="{FF2B5EF4-FFF2-40B4-BE49-F238E27FC236}">
+                <a16:creationId xmlns:a16="http://schemas.microsoft.com/office/drawing/2014/main" id="{C8C66590-5AA9-4693-8D05-DB6B2C455FC8}"/>
+              </a:ext>
+            </a:extLst>
+          </p:cNvPr>
+          <p:cNvSpPr txBox="1"/>
+          <p:nvPr/>
+        </p:nvSpPr>
+        <p:spPr>
+          <a:xfrm>
+            <a:off x="1023115" y="305942"/>
+            <a:ext cx="9794514" cy="1319336"/>
+          </a:xfrm>
+          <a:prstGeom prst="rect">
+            <a:avLst/>
+          </a:prstGeom>
+          <a:noFill/>
+        </p:spPr>
+        <p:txBody>
+          <a:bodyPr wrap="square" rtlCol="0">
+            <a:spAutoFit/>
+          </a:bodyPr>
+          <a:lstStyle/>
+          <a:p>
+            <a:pPr>
+              <a:lnSpc>
+                <a:spcPct val="150000"/>
+              </a:lnSpc>
+            </a:pPr>
+            <a:r>
+              <a:rPr lang="en-US" altLang="zh-CN" sz="2800" b="1" dirty="0">
+                <a:latin typeface="+mn-ea"/>
+              </a:rPr>
+              <a:t>result</a:t>
+            </a:r>
+          </a:p>
+          <a:p>
+            <a:pPr>
+              <a:lnSpc>
+                <a:spcPct val="150000"/>
+              </a:lnSpc>
+            </a:pPr>
+            <a:endParaRPr lang="en-US" altLang="zh-CN" sz="2800" b="1" dirty="0">
+              <a:latin typeface="+mn-ea"/>
+            </a:endParaRPr>
+          </a:p>
+        </p:txBody>
+      </p:sp>
       <p:pic>
         <p:nvPicPr>
           <p:cNvPr id="2" name="图片 1">
             <a:extLst>
               <a:ext uri="{FF2B5EF4-FFF2-40B4-BE49-F238E27FC236}">
-                <a16:creationId xmlns:a16="http://schemas.microsoft.com/office/drawing/2014/main" id="{90426766-6DCC-453B-8755-CE9E0F04E495}"/>
+                <a16:creationId xmlns:a16="http://schemas.microsoft.com/office/drawing/2014/main" id="{628E931A-B12A-4D1A-886B-C1BA4849C02D}"/>
               </a:ext>
             </a:extLst>
           </p:cNvPr>
@@ -7029,8 +10631,8 @@
         </p:blipFill>
         <p:spPr>
           <a:xfrm>
-            <a:off x="2059850" y="3947882"/>
-            <a:ext cx="7658100" cy="666750"/>
+            <a:off x="1023115" y="1784412"/>
+            <a:ext cx="7715528" cy="1013534"/>
           </a:xfrm>
           <a:prstGeom prst="rect">
             <a:avLst/>
@@ -7042,7 +10644,7 @@
           <p:cNvPr id="3" name="图片 2">
             <a:extLst>
               <a:ext uri="{FF2B5EF4-FFF2-40B4-BE49-F238E27FC236}">
-                <a16:creationId xmlns:a16="http://schemas.microsoft.com/office/drawing/2014/main" id="{25DB1C5D-2B72-40E1-BD66-CBEB4463942A}"/>
+                <a16:creationId xmlns:a16="http://schemas.microsoft.com/office/drawing/2014/main" id="{0DEE8794-BFC1-4215-A195-EA05B913DF69}"/>
               </a:ext>
             </a:extLst>
           </p:cNvPr>
@@ -7059,8 +10661,8 @@
         </p:blipFill>
         <p:spPr>
           <a:xfrm>
-            <a:off x="2059850" y="1847803"/>
-            <a:ext cx="6829425" cy="942975"/>
+            <a:off x="1023115" y="3744341"/>
+            <a:ext cx="8657077" cy="863169"/>
           </a:xfrm>
           <a:prstGeom prst="rect">
             <a:avLst/>
@@ -7070,7 +10672,7 @@
     </p:spTree>
     <p:extLst>
       <p:ext uri="{BB962C8B-B14F-4D97-AF65-F5344CB8AC3E}">
-        <p14:creationId xmlns:p14="http://schemas.microsoft.com/office/powerpoint/2010/main" val="3510722154"/>
+        <p14:creationId xmlns:p14="http://schemas.microsoft.com/office/powerpoint/2010/main" val="3597459085"/>
       </p:ext>
     </p:extLst>
   </p:cSld>
@@ -7097,10 +10699,171 @@
           <a:chExt cx="0" cy="0"/>
         </a:xfrm>
       </p:grpSpPr>
+      <p:sp>
+        <p:nvSpPr>
+          <p:cNvPr id="4" name="文本框 3">
+            <a:extLst>
+              <a:ext uri="{FF2B5EF4-FFF2-40B4-BE49-F238E27FC236}">
+                <a16:creationId xmlns:a16="http://schemas.microsoft.com/office/drawing/2014/main" id="{C8C66590-5AA9-4693-8D05-DB6B2C455FC8}"/>
+              </a:ext>
+            </a:extLst>
+          </p:cNvPr>
+          <p:cNvSpPr txBox="1"/>
+          <p:nvPr/>
+        </p:nvSpPr>
+        <p:spPr>
+          <a:xfrm>
+            <a:off x="1023115" y="305942"/>
+            <a:ext cx="9794514" cy="4666790"/>
+          </a:xfrm>
+          <a:prstGeom prst="rect">
+            <a:avLst/>
+          </a:prstGeom>
+          <a:noFill/>
+        </p:spPr>
+        <p:txBody>
+          <a:bodyPr wrap="square" rtlCol="0">
+            <a:spAutoFit/>
+          </a:bodyPr>
+          <a:lstStyle/>
+          <a:p>
+            <a:pPr>
+              <a:lnSpc>
+                <a:spcPct val="150000"/>
+              </a:lnSpc>
+            </a:pPr>
+            <a:r>
+              <a:rPr lang="zh-CN" altLang="en-US" sz="2800" b="1" dirty="0">
+                <a:latin typeface="+mn-ea"/>
+              </a:rPr>
+              <a:t>有噪声寿命预测现状</a:t>
+            </a:r>
+            <a:endParaRPr lang="en-US" altLang="zh-CN" sz="2800" b="1" dirty="0">
+              <a:latin typeface="+mn-ea"/>
+            </a:endParaRPr>
+          </a:p>
+          <a:p>
+            <a:pPr>
+              <a:lnSpc>
+                <a:spcPct val="150000"/>
+              </a:lnSpc>
+            </a:pPr>
+            <a:endParaRPr lang="en-US" altLang="zh-CN" sz="2800" b="1" dirty="0">
+              <a:latin typeface="+mn-ea"/>
+            </a:endParaRPr>
+          </a:p>
+          <a:p>
+            <a:pPr>
+              <a:lnSpc>
+                <a:spcPct val="150000"/>
+              </a:lnSpc>
+            </a:pPr>
+            <a:r>
+              <a:rPr lang="en-US" altLang="zh-CN" dirty="0"/>
+              <a:t>A complete ensemble empirical mode decomposition with adaptive noise deep autoregressive recurrent neural network method for the whole life remaining useful life prediction of lithium‑ion batteries</a:t>
+            </a:r>
+          </a:p>
+          <a:p>
+            <a:pPr>
+              <a:lnSpc>
+                <a:spcPct val="150000"/>
+              </a:lnSpc>
+            </a:pPr>
+            <a:r>
+              <a:rPr lang="en-US" altLang="zh-CN" b="1" dirty="0">
+                <a:latin typeface="+mn-ea"/>
+              </a:rPr>
+              <a:t>2023</a:t>
+            </a:r>
+          </a:p>
+          <a:p>
+            <a:pPr>
+              <a:lnSpc>
+                <a:spcPct val="150000"/>
+              </a:lnSpc>
+            </a:pPr>
+            <a:endParaRPr lang="en-US" altLang="zh-CN" b="1" dirty="0">
+              <a:latin typeface="+mn-ea"/>
+            </a:endParaRPr>
+          </a:p>
+          <a:p>
+            <a:pPr>
+              <a:lnSpc>
+                <a:spcPct val="150000"/>
+              </a:lnSpc>
+            </a:pPr>
+            <a:r>
+              <a:rPr lang="zh-CN" altLang="en-US" dirty="0">
+                <a:latin typeface="+mn-ea"/>
+              </a:rPr>
+              <a:t>默认原始数据是带噪声的</a:t>
+            </a:r>
+            <a:endParaRPr lang="en-US" altLang="zh-CN" dirty="0">
+              <a:latin typeface="+mn-ea"/>
+            </a:endParaRPr>
+          </a:p>
+          <a:p>
+            <a:pPr>
+              <a:lnSpc>
+                <a:spcPct val="150000"/>
+              </a:lnSpc>
+            </a:pPr>
+            <a:endParaRPr lang="en-US" altLang="zh-CN" dirty="0">
+              <a:latin typeface="+mn-ea"/>
+            </a:endParaRPr>
+          </a:p>
+          <a:p>
+            <a:pPr>
+              <a:lnSpc>
+                <a:spcPct val="150000"/>
+              </a:lnSpc>
+            </a:pPr>
+            <a:endParaRPr lang="en-US" altLang="zh-CN" dirty="0">
+              <a:latin typeface="+mn-ea"/>
+            </a:endParaRPr>
+          </a:p>
+        </p:txBody>
+      </p:sp>
+      <p:pic>
+        <p:nvPicPr>
+          <p:cNvPr id="6" name="图片 5">
+            <a:extLst>
+              <a:ext uri="{FF2B5EF4-FFF2-40B4-BE49-F238E27FC236}">
+                <a16:creationId xmlns:a16="http://schemas.microsoft.com/office/drawing/2014/main" id="{1FD8F8DE-A427-445E-84DA-9255E9AD8161}"/>
+              </a:ext>
+            </a:extLst>
+          </p:cNvPr>
+          <p:cNvPicPr>
+            <a:picLocks noChangeAspect="1"/>
+          </p:cNvPicPr>
+          <p:nvPr/>
+        </p:nvPicPr>
+        <p:blipFill>
+          <a:blip r:embed="rId2">
+            <a:extLst>
+              <a:ext uri="{28A0092B-C50C-407E-A947-70E740481C1C}">
+                <a14:useLocalDpi xmlns:a14="http://schemas.microsoft.com/office/drawing/2010/main" val="0"/>
+              </a:ext>
+            </a:extLst>
+          </a:blip>
+          <a:stretch>
+            <a:fillRect/>
+          </a:stretch>
+        </p:blipFill>
+        <p:spPr>
+          <a:xfrm>
+            <a:off x="5950501" y="2476870"/>
+            <a:ext cx="6241500" cy="4381130"/>
+          </a:xfrm>
+          <a:prstGeom prst="rect">
+            <a:avLst/>
+          </a:prstGeom>
+        </p:spPr>
+      </p:pic>
     </p:spTree>
     <p:extLst>
       <p:ext uri="{BB962C8B-B14F-4D97-AF65-F5344CB8AC3E}">
-        <p14:creationId xmlns:p14="http://schemas.microsoft.com/office/powerpoint/2010/main" val="593884699"/>
+        <p14:creationId xmlns:p14="http://schemas.microsoft.com/office/powerpoint/2010/main" val="3510722154"/>
       </p:ext>
     </p:extLst>
   </p:cSld>
@@ -7127,10 +10890,989 @@
           <a:chExt cx="0" cy="0"/>
         </a:xfrm>
       </p:grpSpPr>
+      <p:sp>
+        <p:nvSpPr>
+          <p:cNvPr id="5" name="椭圆 4">
+            <a:extLst>
+              <a:ext uri="{FF2B5EF4-FFF2-40B4-BE49-F238E27FC236}">
+                <a16:creationId xmlns:a16="http://schemas.microsoft.com/office/drawing/2014/main" id="{C7E278BD-D850-A406-5BB1-3A9C6C318871}"/>
+              </a:ext>
+            </a:extLst>
+          </p:cNvPr>
+          <p:cNvSpPr/>
+          <p:nvPr/>
+        </p:nvSpPr>
+        <p:spPr>
+          <a:xfrm>
+            <a:off x="1855104" y="2191519"/>
+            <a:ext cx="1115881" cy="697848"/>
+          </a:xfrm>
+          <a:prstGeom prst="ellipse">
+            <a:avLst/>
+          </a:prstGeom>
+          <a:solidFill>
+            <a:schemeClr val="accent1">
+              <a:lumMod val="40000"/>
+              <a:lumOff val="60000"/>
+            </a:schemeClr>
+          </a:solidFill>
+        </p:spPr>
+        <p:style>
+          <a:lnRef idx="2">
+            <a:schemeClr val="accent1">
+              <a:shade val="15000"/>
+            </a:schemeClr>
+          </a:lnRef>
+          <a:fillRef idx="1">
+            <a:schemeClr val="accent1"/>
+          </a:fillRef>
+          <a:effectRef idx="0">
+            <a:schemeClr val="accent1"/>
+          </a:effectRef>
+          <a:fontRef idx="minor">
+            <a:schemeClr val="lt1"/>
+          </a:fontRef>
+        </p:style>
+        <p:txBody>
+          <a:bodyPr rtlCol="0" anchor="ctr"/>
+          <a:lstStyle/>
+          <a:p>
+            <a:pPr algn="ctr"/>
+            <a:r>
+              <a:rPr lang="zh-CN" altLang="en-US" sz="1400" dirty="0">
+                <a:solidFill>
+                  <a:schemeClr val="tx1"/>
+                </a:solidFill>
+              </a:rPr>
+              <a:t>完全自适应模态分解</a:t>
+            </a:r>
+          </a:p>
+        </p:txBody>
+      </p:sp>
+      <p:sp>
+        <p:nvSpPr>
+          <p:cNvPr id="8" name="矩形: 圆角 7">
+            <a:extLst>
+              <a:ext uri="{FF2B5EF4-FFF2-40B4-BE49-F238E27FC236}">
+                <a16:creationId xmlns:a16="http://schemas.microsoft.com/office/drawing/2014/main" id="{D4DC892F-F11C-923D-03C9-268078FB67D0}"/>
+              </a:ext>
+            </a:extLst>
+          </p:cNvPr>
+          <p:cNvSpPr/>
+          <p:nvPr/>
+        </p:nvSpPr>
+        <p:spPr>
+          <a:xfrm>
+            <a:off x="1050177" y="3747359"/>
+            <a:ext cx="753375" cy="362309"/>
+          </a:xfrm>
+          <a:prstGeom prst="roundRect">
+            <a:avLst/>
+          </a:prstGeom>
+          <a:solidFill>
+            <a:schemeClr val="accent1">
+              <a:lumMod val="40000"/>
+              <a:lumOff val="60000"/>
+            </a:schemeClr>
+          </a:solidFill>
+        </p:spPr>
+        <p:style>
+          <a:lnRef idx="2">
+            <a:schemeClr val="accent1">
+              <a:shade val="15000"/>
+            </a:schemeClr>
+          </a:lnRef>
+          <a:fillRef idx="1">
+            <a:schemeClr val="accent1"/>
+          </a:fillRef>
+          <a:effectRef idx="0">
+            <a:schemeClr val="accent1"/>
+          </a:effectRef>
+          <a:fontRef idx="minor">
+            <a:schemeClr val="lt1"/>
+          </a:fontRef>
+        </p:style>
+        <p:txBody>
+          <a:bodyPr rtlCol="0" anchor="ctr"/>
+          <a:lstStyle/>
+          <a:p>
+            <a:pPr algn="ctr"/>
+            <a:r>
+              <a:rPr lang="en-US" altLang="zh-CN" sz="1000" dirty="0">
+                <a:solidFill>
+                  <a:schemeClr val="tx1"/>
+                </a:solidFill>
+              </a:rPr>
+              <a:t>IMF1</a:t>
+            </a:r>
+            <a:endParaRPr lang="zh-CN" altLang="en-US" sz="1000" dirty="0">
+              <a:solidFill>
+                <a:schemeClr val="tx1"/>
+              </a:solidFill>
+            </a:endParaRPr>
+          </a:p>
+        </p:txBody>
+      </p:sp>
+      <p:sp>
+        <p:nvSpPr>
+          <p:cNvPr id="9" name="矩形: 圆角 8">
+            <a:extLst>
+              <a:ext uri="{FF2B5EF4-FFF2-40B4-BE49-F238E27FC236}">
+                <a16:creationId xmlns:a16="http://schemas.microsoft.com/office/drawing/2014/main" id="{79097161-77C4-287B-6FA1-F234012DCACE}"/>
+              </a:ext>
+            </a:extLst>
+          </p:cNvPr>
+          <p:cNvSpPr/>
+          <p:nvPr/>
+        </p:nvSpPr>
+        <p:spPr>
+          <a:xfrm>
+            <a:off x="1924624" y="3730172"/>
+            <a:ext cx="753375" cy="362309"/>
+          </a:xfrm>
+          <a:prstGeom prst="roundRect">
+            <a:avLst/>
+          </a:prstGeom>
+          <a:solidFill>
+            <a:schemeClr val="accent1">
+              <a:lumMod val="40000"/>
+              <a:lumOff val="60000"/>
+            </a:schemeClr>
+          </a:solidFill>
+        </p:spPr>
+        <p:style>
+          <a:lnRef idx="2">
+            <a:schemeClr val="accent1">
+              <a:shade val="15000"/>
+            </a:schemeClr>
+          </a:lnRef>
+          <a:fillRef idx="1">
+            <a:schemeClr val="accent1"/>
+          </a:fillRef>
+          <a:effectRef idx="0">
+            <a:schemeClr val="accent1"/>
+          </a:effectRef>
+          <a:fontRef idx="minor">
+            <a:schemeClr val="lt1"/>
+          </a:fontRef>
+        </p:style>
+        <p:txBody>
+          <a:bodyPr rtlCol="0" anchor="ctr"/>
+          <a:lstStyle/>
+          <a:p>
+            <a:pPr algn="ctr"/>
+            <a:r>
+              <a:rPr lang="en-US" altLang="zh-CN" sz="1000" dirty="0">
+                <a:solidFill>
+                  <a:schemeClr val="tx1"/>
+                </a:solidFill>
+              </a:rPr>
+              <a:t>IMF2</a:t>
+            </a:r>
+            <a:endParaRPr lang="zh-CN" altLang="en-US" sz="1000" dirty="0">
+              <a:solidFill>
+                <a:schemeClr val="tx1"/>
+              </a:solidFill>
+            </a:endParaRPr>
+          </a:p>
+        </p:txBody>
+      </p:sp>
+      <p:sp>
+        <p:nvSpPr>
+          <p:cNvPr id="10" name="矩形: 圆角 9">
+            <a:extLst>
+              <a:ext uri="{FF2B5EF4-FFF2-40B4-BE49-F238E27FC236}">
+                <a16:creationId xmlns:a16="http://schemas.microsoft.com/office/drawing/2014/main" id="{781F25D5-5BC7-E37B-C3B8-4F3E4E3048CA}"/>
+              </a:ext>
+            </a:extLst>
+          </p:cNvPr>
+          <p:cNvSpPr/>
+          <p:nvPr/>
+        </p:nvSpPr>
+        <p:spPr>
+          <a:xfrm>
+            <a:off x="3099276" y="3742539"/>
+            <a:ext cx="753375" cy="362309"/>
+          </a:xfrm>
+          <a:prstGeom prst="roundRect">
+            <a:avLst/>
+          </a:prstGeom>
+          <a:solidFill>
+            <a:schemeClr val="accent1">
+              <a:lumMod val="40000"/>
+              <a:lumOff val="60000"/>
+            </a:schemeClr>
+          </a:solidFill>
+        </p:spPr>
+        <p:style>
+          <a:lnRef idx="2">
+            <a:schemeClr val="accent1">
+              <a:shade val="15000"/>
+            </a:schemeClr>
+          </a:lnRef>
+          <a:fillRef idx="1">
+            <a:schemeClr val="accent1"/>
+          </a:fillRef>
+          <a:effectRef idx="0">
+            <a:schemeClr val="accent1"/>
+          </a:effectRef>
+          <a:fontRef idx="minor">
+            <a:schemeClr val="lt1"/>
+          </a:fontRef>
+        </p:style>
+        <p:txBody>
+          <a:bodyPr rtlCol="0" anchor="ctr"/>
+          <a:lstStyle/>
+          <a:p>
+            <a:pPr algn="ctr"/>
+            <a:r>
+              <a:rPr lang="en-US" altLang="zh-CN" sz="1000" dirty="0">
+                <a:solidFill>
+                  <a:schemeClr val="tx1"/>
+                </a:solidFill>
+              </a:rPr>
+              <a:t>IMFN</a:t>
+            </a:r>
+            <a:endParaRPr lang="zh-CN" altLang="en-US" sz="1000" dirty="0">
+              <a:solidFill>
+                <a:schemeClr val="tx1"/>
+              </a:solidFill>
+            </a:endParaRPr>
+          </a:p>
+        </p:txBody>
+      </p:sp>
+      <p:sp>
+        <p:nvSpPr>
+          <p:cNvPr id="21" name="箭头: 右 20">
+            <a:extLst>
+              <a:ext uri="{FF2B5EF4-FFF2-40B4-BE49-F238E27FC236}">
+                <a16:creationId xmlns:a16="http://schemas.microsoft.com/office/drawing/2014/main" id="{7DF70462-46CA-8D4A-2A6A-1B9C0EDC2564}"/>
+              </a:ext>
+            </a:extLst>
+          </p:cNvPr>
+          <p:cNvSpPr/>
+          <p:nvPr/>
+        </p:nvSpPr>
+        <p:spPr>
+          <a:xfrm>
+            <a:off x="4337112" y="3089977"/>
+            <a:ext cx="867769" cy="362308"/>
+          </a:xfrm>
+          <a:prstGeom prst="rightArrow">
+            <a:avLst>
+              <a:gd name="adj1" fmla="val 50000"/>
+              <a:gd name="adj2" fmla="val 50000"/>
+            </a:avLst>
+          </a:prstGeom>
+          <a:solidFill>
+            <a:schemeClr val="accent1">
+              <a:lumMod val="40000"/>
+              <a:lumOff val="60000"/>
+            </a:schemeClr>
+          </a:solidFill>
+        </p:spPr>
+        <p:style>
+          <a:lnRef idx="2">
+            <a:schemeClr val="accent1">
+              <a:shade val="15000"/>
+            </a:schemeClr>
+          </a:lnRef>
+          <a:fillRef idx="1">
+            <a:schemeClr val="accent1"/>
+          </a:fillRef>
+          <a:effectRef idx="0">
+            <a:schemeClr val="accent1"/>
+          </a:effectRef>
+          <a:fontRef idx="minor">
+            <a:schemeClr val="lt1"/>
+          </a:fontRef>
+        </p:style>
+        <p:txBody>
+          <a:bodyPr rtlCol="0" anchor="ctr"/>
+          <a:lstStyle/>
+          <a:p>
+            <a:pPr algn="ctr"/>
+            <a:endParaRPr lang="zh-CN" altLang="en-US"/>
+          </a:p>
+        </p:txBody>
+      </p:sp>
+      <p:sp>
+        <p:nvSpPr>
+          <p:cNvPr id="28" name="箭头: 右 27">
+            <a:extLst>
+              <a:ext uri="{FF2B5EF4-FFF2-40B4-BE49-F238E27FC236}">
+                <a16:creationId xmlns:a16="http://schemas.microsoft.com/office/drawing/2014/main" id="{C0D325AE-77C3-5FDB-2960-3A320D5AF931}"/>
+              </a:ext>
+            </a:extLst>
+          </p:cNvPr>
+          <p:cNvSpPr/>
+          <p:nvPr/>
+        </p:nvSpPr>
+        <p:spPr>
+          <a:xfrm rot="5400000">
+            <a:off x="2117148" y="3126478"/>
+            <a:ext cx="606434" cy="280502"/>
+          </a:xfrm>
+          <a:prstGeom prst="rightArrow">
+            <a:avLst>
+              <a:gd name="adj1" fmla="val 50000"/>
+              <a:gd name="adj2" fmla="val 50000"/>
+            </a:avLst>
+          </a:prstGeom>
+          <a:solidFill>
+            <a:schemeClr val="accent1">
+              <a:lumMod val="40000"/>
+              <a:lumOff val="60000"/>
+            </a:schemeClr>
+          </a:solidFill>
+        </p:spPr>
+        <p:style>
+          <a:lnRef idx="2">
+            <a:schemeClr val="accent1">
+              <a:shade val="15000"/>
+            </a:schemeClr>
+          </a:lnRef>
+          <a:fillRef idx="1">
+            <a:schemeClr val="accent1"/>
+          </a:fillRef>
+          <a:effectRef idx="0">
+            <a:schemeClr val="accent1"/>
+          </a:effectRef>
+          <a:fontRef idx="minor">
+            <a:schemeClr val="lt1"/>
+          </a:fontRef>
+        </p:style>
+        <p:txBody>
+          <a:bodyPr rtlCol="0" anchor="ctr"/>
+          <a:lstStyle/>
+          <a:p>
+            <a:pPr algn="ctr"/>
+            <a:endParaRPr lang="zh-CN" altLang="en-US"/>
+          </a:p>
+        </p:txBody>
+      </p:sp>
+      <p:sp>
+        <p:nvSpPr>
+          <p:cNvPr id="32" name="箭头: 右 31">
+            <a:extLst>
+              <a:ext uri="{FF2B5EF4-FFF2-40B4-BE49-F238E27FC236}">
+                <a16:creationId xmlns:a16="http://schemas.microsoft.com/office/drawing/2014/main" id="{4C55AA1E-825E-9AA4-16C2-DAB75CDD5238}"/>
+              </a:ext>
+            </a:extLst>
+          </p:cNvPr>
+          <p:cNvSpPr/>
+          <p:nvPr/>
+        </p:nvSpPr>
+        <p:spPr>
+          <a:xfrm>
+            <a:off x="9708984" y="3068786"/>
+            <a:ext cx="349238" cy="297433"/>
+          </a:xfrm>
+          <a:prstGeom prst="rightArrow">
+            <a:avLst/>
+          </a:prstGeom>
+          <a:solidFill>
+            <a:schemeClr val="accent1">
+              <a:lumMod val="40000"/>
+              <a:lumOff val="60000"/>
+            </a:schemeClr>
+          </a:solidFill>
+          <a:ln>
+            <a:solidFill>
+              <a:schemeClr val="tx1"/>
+            </a:solidFill>
+          </a:ln>
+        </p:spPr>
+        <p:style>
+          <a:lnRef idx="2">
+            <a:schemeClr val="accent1">
+              <a:shade val="15000"/>
+            </a:schemeClr>
+          </a:lnRef>
+          <a:fillRef idx="1">
+            <a:schemeClr val="accent1"/>
+          </a:fillRef>
+          <a:effectRef idx="0">
+            <a:schemeClr val="accent1"/>
+          </a:effectRef>
+          <a:fontRef idx="minor">
+            <a:schemeClr val="lt1"/>
+          </a:fontRef>
+        </p:style>
+        <p:txBody>
+          <a:bodyPr rtlCol="0" anchor="ctr"/>
+          <a:lstStyle/>
+          <a:p>
+            <a:pPr algn="ctr"/>
+            <a:endParaRPr lang="zh-CN" altLang="en-US"/>
+          </a:p>
+        </p:txBody>
+      </p:sp>
+      <p:sp>
+        <p:nvSpPr>
+          <p:cNvPr id="33" name="矩形: 圆角 32">
+            <a:extLst>
+              <a:ext uri="{FF2B5EF4-FFF2-40B4-BE49-F238E27FC236}">
+                <a16:creationId xmlns:a16="http://schemas.microsoft.com/office/drawing/2014/main" id="{3CDE7CB4-E973-4E73-4FD6-D3A4276332CD}"/>
+              </a:ext>
+            </a:extLst>
+          </p:cNvPr>
+          <p:cNvSpPr/>
+          <p:nvPr/>
+        </p:nvSpPr>
+        <p:spPr>
+          <a:xfrm>
+            <a:off x="10132324" y="2982718"/>
+            <a:ext cx="718517" cy="469567"/>
+          </a:xfrm>
+          <a:prstGeom prst="roundRect">
+            <a:avLst/>
+          </a:prstGeom>
+          <a:solidFill>
+            <a:schemeClr val="accent1">
+              <a:lumMod val="40000"/>
+              <a:lumOff val="60000"/>
+            </a:schemeClr>
+          </a:solidFill>
+        </p:spPr>
+        <p:style>
+          <a:lnRef idx="2">
+            <a:schemeClr val="accent1">
+              <a:shade val="15000"/>
+            </a:schemeClr>
+          </a:lnRef>
+          <a:fillRef idx="1">
+            <a:schemeClr val="accent1"/>
+          </a:fillRef>
+          <a:effectRef idx="0">
+            <a:schemeClr val="accent1"/>
+          </a:effectRef>
+          <a:fontRef idx="minor">
+            <a:schemeClr val="lt1"/>
+          </a:fontRef>
+        </p:style>
+        <p:txBody>
+          <a:bodyPr rtlCol="0" anchor="ctr"/>
+          <a:lstStyle/>
+          <a:p>
+            <a:pPr algn="ctr"/>
+            <a:r>
+              <a:rPr lang="zh-CN" altLang="en-US" sz="1400" dirty="0"/>
+              <a:t>预测结果</a:t>
+            </a:r>
+          </a:p>
+        </p:txBody>
+      </p:sp>
+      <p:sp>
+        <p:nvSpPr>
+          <p:cNvPr id="54" name="椭圆 53">
+            <a:extLst>
+              <a:ext uri="{FF2B5EF4-FFF2-40B4-BE49-F238E27FC236}">
+                <a16:creationId xmlns:a16="http://schemas.microsoft.com/office/drawing/2014/main" id="{A507E5D6-F40E-76BB-7413-872A90D9AA9C}"/>
+              </a:ext>
+            </a:extLst>
+          </p:cNvPr>
+          <p:cNvSpPr/>
+          <p:nvPr/>
+        </p:nvSpPr>
+        <p:spPr>
+          <a:xfrm>
+            <a:off x="5744841" y="2465866"/>
+            <a:ext cx="3424183" cy="1464029"/>
+          </a:xfrm>
+          <a:prstGeom prst="ellipse">
+            <a:avLst/>
+          </a:prstGeom>
+          <a:solidFill>
+            <a:schemeClr val="accent1">
+              <a:lumMod val="40000"/>
+              <a:lumOff val="60000"/>
+            </a:schemeClr>
+          </a:solidFill>
+        </p:spPr>
+        <p:style>
+          <a:lnRef idx="2">
+            <a:schemeClr val="accent1">
+              <a:shade val="15000"/>
+            </a:schemeClr>
+          </a:lnRef>
+          <a:fillRef idx="1">
+            <a:schemeClr val="accent1"/>
+          </a:fillRef>
+          <a:effectRef idx="0">
+            <a:schemeClr val="accent1"/>
+          </a:effectRef>
+          <a:fontRef idx="minor">
+            <a:schemeClr val="lt1"/>
+          </a:fontRef>
+        </p:style>
+        <p:txBody>
+          <a:bodyPr rtlCol="0" anchor="ctr"/>
+          <a:lstStyle/>
+          <a:p>
+            <a:pPr algn="ctr"/>
+            <a:r>
+              <a:rPr lang="zh-CN" altLang="en-US" sz="1200" dirty="0">
+                <a:solidFill>
+                  <a:srgbClr val="000000"/>
+                </a:solidFill>
+                <a:latin typeface="微软雅黑" panose="020B0503020204020204" pitchFamily="34" charset="-122"/>
+                <a:ea typeface="微软雅黑" panose="020B0503020204020204" pitchFamily="34" charset="-122"/>
+              </a:rPr>
+              <a:t>基于自回归递归神经网络的概率预测方法</a:t>
+            </a:r>
+            <a:r>
+              <a:rPr lang="en-US" altLang="zh-CN" sz="1200" dirty="0" err="1">
+                <a:solidFill>
+                  <a:srgbClr val="000000"/>
+                </a:solidFill>
+                <a:latin typeface="微软雅黑" panose="020B0503020204020204" pitchFamily="34" charset="-122"/>
+                <a:ea typeface="微软雅黑" panose="020B0503020204020204" pitchFamily="34" charset="-122"/>
+              </a:rPr>
+              <a:t>DeepAR</a:t>
+            </a:r>
+            <a:endParaRPr lang="zh-CN" altLang="en-US" sz="1200" dirty="0"/>
+          </a:p>
+        </p:txBody>
+      </p:sp>
+      <p:sp>
+        <p:nvSpPr>
+          <p:cNvPr id="67" name="矩形 66">
+            <a:extLst>
+              <a:ext uri="{FF2B5EF4-FFF2-40B4-BE49-F238E27FC236}">
+                <a16:creationId xmlns:a16="http://schemas.microsoft.com/office/drawing/2014/main" id="{8C62AE5C-F396-8795-835E-A481060C1036}"/>
+              </a:ext>
+            </a:extLst>
+          </p:cNvPr>
+          <p:cNvSpPr/>
+          <p:nvPr/>
+        </p:nvSpPr>
+        <p:spPr>
+          <a:xfrm>
+            <a:off x="901069" y="2059650"/>
+            <a:ext cx="3047395" cy="2276462"/>
+          </a:xfrm>
+          <a:prstGeom prst="rect">
+            <a:avLst/>
+          </a:prstGeom>
+          <a:noFill/>
+          <a:ln>
+            <a:solidFill>
+              <a:schemeClr val="accent1">
+                <a:shade val="15000"/>
+              </a:schemeClr>
+            </a:solidFill>
+            <a:prstDash val="dash"/>
+            <a:extLst>
+              <a:ext uri="{C807C97D-BFC1-408E-A445-0C87EB9F89A2}">
+                <ask:lineSketchStyleProps xmlns="" xmlns:ask="http://schemas.microsoft.com/office/drawing/2018/sketchyshapes" sd="1219033472">
+                  <a:custGeom>
+                    <a:avLst/>
+                    <a:gdLst>
+                      <a:gd name="connsiteX0" fmla="*/ 0 w 3595196"/>
+                      <a:gd name="connsiteY0" fmla="*/ 0 h 3488923"/>
+                      <a:gd name="connsiteX1" fmla="*/ 563247 w 3595196"/>
+                      <a:gd name="connsiteY1" fmla="*/ 0 h 3488923"/>
+                      <a:gd name="connsiteX2" fmla="*/ 1054591 w 3595196"/>
+                      <a:gd name="connsiteY2" fmla="*/ 0 h 3488923"/>
+                      <a:gd name="connsiteX3" fmla="*/ 1725694 w 3595196"/>
+                      <a:gd name="connsiteY3" fmla="*/ 0 h 3488923"/>
+                      <a:gd name="connsiteX4" fmla="*/ 2288941 w 3595196"/>
+                      <a:gd name="connsiteY4" fmla="*/ 0 h 3488923"/>
+                      <a:gd name="connsiteX5" fmla="*/ 2852189 w 3595196"/>
+                      <a:gd name="connsiteY5" fmla="*/ 0 h 3488923"/>
+                      <a:gd name="connsiteX6" fmla="*/ 3595196 w 3595196"/>
+                      <a:gd name="connsiteY6" fmla="*/ 0 h 3488923"/>
+                      <a:gd name="connsiteX7" fmla="*/ 3595196 w 3595196"/>
+                      <a:gd name="connsiteY7" fmla="*/ 628006 h 3488923"/>
+                      <a:gd name="connsiteX8" fmla="*/ 3595196 w 3595196"/>
+                      <a:gd name="connsiteY8" fmla="*/ 1325791 h 3488923"/>
+                      <a:gd name="connsiteX9" fmla="*/ 3595196 w 3595196"/>
+                      <a:gd name="connsiteY9" fmla="*/ 1953797 h 3488923"/>
+                      <a:gd name="connsiteX10" fmla="*/ 3595196 w 3595196"/>
+                      <a:gd name="connsiteY10" fmla="*/ 2581803 h 3488923"/>
+                      <a:gd name="connsiteX11" fmla="*/ 3595196 w 3595196"/>
+                      <a:gd name="connsiteY11" fmla="*/ 3488923 h 3488923"/>
+                      <a:gd name="connsiteX12" fmla="*/ 2960045 w 3595196"/>
+                      <a:gd name="connsiteY12" fmla="*/ 3488923 h 3488923"/>
+                      <a:gd name="connsiteX13" fmla="*/ 2288941 w 3595196"/>
+                      <a:gd name="connsiteY13" fmla="*/ 3488923 h 3488923"/>
+                      <a:gd name="connsiteX14" fmla="*/ 1617838 w 3595196"/>
+                      <a:gd name="connsiteY14" fmla="*/ 3488923 h 3488923"/>
+                      <a:gd name="connsiteX15" fmla="*/ 1090543 w 3595196"/>
+                      <a:gd name="connsiteY15" fmla="*/ 3488923 h 3488923"/>
+                      <a:gd name="connsiteX16" fmla="*/ 0 w 3595196"/>
+                      <a:gd name="connsiteY16" fmla="*/ 3488923 h 3488923"/>
+                      <a:gd name="connsiteX17" fmla="*/ 0 w 3595196"/>
+                      <a:gd name="connsiteY17" fmla="*/ 2721360 h 3488923"/>
+                      <a:gd name="connsiteX18" fmla="*/ 0 w 3595196"/>
+                      <a:gd name="connsiteY18" fmla="*/ 2128243 h 3488923"/>
+                      <a:gd name="connsiteX19" fmla="*/ 0 w 3595196"/>
+                      <a:gd name="connsiteY19" fmla="*/ 1500237 h 3488923"/>
+                      <a:gd name="connsiteX20" fmla="*/ 0 w 3595196"/>
+                      <a:gd name="connsiteY20" fmla="*/ 872231 h 3488923"/>
+                      <a:gd name="connsiteX21" fmla="*/ 0 w 3595196"/>
+                      <a:gd name="connsiteY21" fmla="*/ 0 h 3488923"/>
+                    </a:gdLst>
+                    <a:ahLst/>
+                    <a:cxnLst>
+                      <a:cxn ang="0">
+                        <a:pos x="connsiteX0" y="connsiteY0"/>
+                      </a:cxn>
+                      <a:cxn ang="0">
+                        <a:pos x="connsiteX1" y="connsiteY1"/>
+                      </a:cxn>
+                      <a:cxn ang="0">
+                        <a:pos x="connsiteX2" y="connsiteY2"/>
+                      </a:cxn>
+                      <a:cxn ang="0">
+                        <a:pos x="connsiteX3" y="connsiteY3"/>
+                      </a:cxn>
+                      <a:cxn ang="0">
+                        <a:pos x="connsiteX4" y="connsiteY4"/>
+                      </a:cxn>
+                      <a:cxn ang="0">
+                        <a:pos x="connsiteX5" y="connsiteY5"/>
+                      </a:cxn>
+                      <a:cxn ang="0">
+                        <a:pos x="connsiteX6" y="connsiteY6"/>
+                      </a:cxn>
+                      <a:cxn ang="0">
+                        <a:pos x="connsiteX7" y="connsiteY7"/>
+                      </a:cxn>
+                      <a:cxn ang="0">
+                        <a:pos x="connsiteX8" y="connsiteY8"/>
+                      </a:cxn>
+                      <a:cxn ang="0">
+                        <a:pos x="connsiteX9" y="connsiteY9"/>
+                      </a:cxn>
+                      <a:cxn ang="0">
+                        <a:pos x="connsiteX10" y="connsiteY10"/>
+                      </a:cxn>
+                      <a:cxn ang="0">
+                        <a:pos x="connsiteX11" y="connsiteY11"/>
+                      </a:cxn>
+                      <a:cxn ang="0">
+                        <a:pos x="connsiteX12" y="connsiteY12"/>
+                      </a:cxn>
+                      <a:cxn ang="0">
+                        <a:pos x="connsiteX13" y="connsiteY13"/>
+                      </a:cxn>
+                      <a:cxn ang="0">
+                        <a:pos x="connsiteX14" y="connsiteY14"/>
+                      </a:cxn>
+                      <a:cxn ang="0">
+                        <a:pos x="connsiteX15" y="connsiteY15"/>
+                      </a:cxn>
+                      <a:cxn ang="0">
+                        <a:pos x="connsiteX16" y="connsiteY16"/>
+                      </a:cxn>
+                      <a:cxn ang="0">
+                        <a:pos x="connsiteX17" y="connsiteY17"/>
+                      </a:cxn>
+                      <a:cxn ang="0">
+                        <a:pos x="connsiteX18" y="connsiteY18"/>
+                      </a:cxn>
+                      <a:cxn ang="0">
+                        <a:pos x="connsiteX19" y="connsiteY19"/>
+                      </a:cxn>
+                      <a:cxn ang="0">
+                        <a:pos x="connsiteX20" y="connsiteY20"/>
+                      </a:cxn>
+                      <a:cxn ang="0">
+                        <a:pos x="connsiteX21" y="connsiteY21"/>
+                      </a:cxn>
+                    </a:cxnLst>
+                    <a:rect l="l" t="t" r="r" b="b"/>
+                    <a:pathLst>
+                      <a:path w="3595196" h="3488923" extrusionOk="0">
+                        <a:moveTo>
+                          <a:pt x="0" y="0"/>
+                        </a:moveTo>
+                        <a:cubicBezTo>
+                          <a:pt x="149156" y="-20299"/>
+                          <a:pt x="353103" y="-16551"/>
+                          <a:pt x="563247" y="0"/>
+                        </a:cubicBezTo>
+                        <a:cubicBezTo>
+                          <a:pt x="773391" y="16551"/>
+                          <a:pt x="937663" y="-13606"/>
+                          <a:pt x="1054591" y="0"/>
+                        </a:cubicBezTo>
+                        <a:cubicBezTo>
+                          <a:pt x="1171519" y="13606"/>
+                          <a:pt x="1580439" y="18120"/>
+                          <a:pt x="1725694" y="0"/>
+                        </a:cubicBezTo>
+                        <a:cubicBezTo>
+                          <a:pt x="1870949" y="-18120"/>
+                          <a:pt x="2077869" y="16282"/>
+                          <a:pt x="2288941" y="0"/>
+                        </a:cubicBezTo>
+                        <a:cubicBezTo>
+                          <a:pt x="2500013" y="-16282"/>
+                          <a:pt x="2660767" y="-5659"/>
+                          <a:pt x="2852189" y="0"/>
+                        </a:cubicBezTo>
+                        <a:cubicBezTo>
+                          <a:pt x="3043611" y="5659"/>
+                          <a:pt x="3284036" y="-3840"/>
+                          <a:pt x="3595196" y="0"/>
+                        </a:cubicBezTo>
+                        <a:cubicBezTo>
+                          <a:pt x="3609934" y="190344"/>
+                          <a:pt x="3567707" y="357584"/>
+                          <a:pt x="3595196" y="628006"/>
+                        </a:cubicBezTo>
+                        <a:cubicBezTo>
+                          <a:pt x="3622685" y="898428"/>
+                          <a:pt x="3618601" y="1103762"/>
+                          <a:pt x="3595196" y="1325791"/>
+                        </a:cubicBezTo>
+                        <a:cubicBezTo>
+                          <a:pt x="3571791" y="1547820"/>
+                          <a:pt x="3581445" y="1720315"/>
+                          <a:pt x="3595196" y="1953797"/>
+                        </a:cubicBezTo>
+                        <a:cubicBezTo>
+                          <a:pt x="3608947" y="2187279"/>
+                          <a:pt x="3614932" y="2454919"/>
+                          <a:pt x="3595196" y="2581803"/>
+                        </a:cubicBezTo>
+                        <a:cubicBezTo>
+                          <a:pt x="3575460" y="2708687"/>
+                          <a:pt x="3592797" y="3207600"/>
+                          <a:pt x="3595196" y="3488923"/>
+                        </a:cubicBezTo>
+                        <a:cubicBezTo>
+                          <a:pt x="3325526" y="3509833"/>
+                          <a:pt x="3203948" y="3503026"/>
+                          <a:pt x="2960045" y="3488923"/>
+                        </a:cubicBezTo>
+                        <a:cubicBezTo>
+                          <a:pt x="2716142" y="3474820"/>
+                          <a:pt x="2503203" y="3464026"/>
+                          <a:pt x="2288941" y="3488923"/>
+                        </a:cubicBezTo>
+                        <a:cubicBezTo>
+                          <a:pt x="2074679" y="3513820"/>
+                          <a:pt x="1754746" y="3504239"/>
+                          <a:pt x="1617838" y="3488923"/>
+                        </a:cubicBezTo>
+                        <a:cubicBezTo>
+                          <a:pt x="1480930" y="3473607"/>
+                          <a:pt x="1273182" y="3486786"/>
+                          <a:pt x="1090543" y="3488923"/>
+                        </a:cubicBezTo>
+                        <a:cubicBezTo>
+                          <a:pt x="907905" y="3491060"/>
+                          <a:pt x="349115" y="3472026"/>
+                          <a:pt x="0" y="3488923"/>
+                        </a:cubicBezTo>
+                        <a:cubicBezTo>
+                          <a:pt x="-33153" y="3168699"/>
+                          <a:pt x="29033" y="3061409"/>
+                          <a:pt x="0" y="2721360"/>
+                        </a:cubicBezTo>
+                        <a:cubicBezTo>
+                          <a:pt x="-29033" y="2381311"/>
+                          <a:pt x="8541" y="2414428"/>
+                          <a:pt x="0" y="2128243"/>
+                        </a:cubicBezTo>
+                        <a:cubicBezTo>
+                          <a:pt x="-8541" y="1842058"/>
+                          <a:pt x="-8859" y="1666521"/>
+                          <a:pt x="0" y="1500237"/>
+                        </a:cubicBezTo>
+                        <a:cubicBezTo>
+                          <a:pt x="8859" y="1333953"/>
+                          <a:pt x="19836" y="1012882"/>
+                          <a:pt x="0" y="872231"/>
+                        </a:cubicBezTo>
+                        <a:cubicBezTo>
+                          <a:pt x="-19836" y="731580"/>
+                          <a:pt x="32890" y="176066"/>
+                          <a:pt x="0" y="0"/>
+                        </a:cubicBezTo>
+                        <a:close/>
+                      </a:path>
+                    </a:pathLst>
+                  </a:custGeom>
+                  <ask:type>
+                    <ask:lineSketchNone/>
+                  </ask:type>
+                </ask:lineSketchStyleProps>
+              </a:ext>
+            </a:extLst>
+          </a:ln>
+        </p:spPr>
+        <p:style>
+          <a:lnRef idx="2">
+            <a:schemeClr val="accent1">
+              <a:shade val="15000"/>
+            </a:schemeClr>
+          </a:lnRef>
+          <a:fillRef idx="1">
+            <a:schemeClr val="accent1"/>
+          </a:fillRef>
+          <a:effectRef idx="0">
+            <a:schemeClr val="accent1"/>
+          </a:effectRef>
+          <a:fontRef idx="minor">
+            <a:schemeClr val="lt1"/>
+          </a:fontRef>
+        </p:style>
+        <p:txBody>
+          <a:bodyPr rtlCol="0" anchor="ctr"/>
+          <a:lstStyle/>
+          <a:p>
+            <a:pPr algn="ctr"/>
+            <a:endParaRPr lang="zh-CN" altLang="en-US"/>
+          </a:p>
+        </p:txBody>
+      </p:sp>
+      <p:sp>
+        <p:nvSpPr>
+          <p:cNvPr id="53" name="椭圆 52">
+            <a:extLst>
+              <a:ext uri="{FF2B5EF4-FFF2-40B4-BE49-F238E27FC236}">
+                <a16:creationId xmlns:a16="http://schemas.microsoft.com/office/drawing/2014/main" id="{3F1035F2-BE80-444E-9DE5-FFAA488FC55F}"/>
+              </a:ext>
+            </a:extLst>
+          </p:cNvPr>
+          <p:cNvSpPr/>
+          <p:nvPr/>
+        </p:nvSpPr>
+        <p:spPr>
+          <a:xfrm>
+            <a:off x="2871326" y="4059129"/>
+            <a:ext cx="45719" cy="45719"/>
+          </a:xfrm>
+          <a:prstGeom prst="ellipse">
+            <a:avLst/>
+          </a:prstGeom>
+        </p:spPr>
+        <p:style>
+          <a:lnRef idx="2">
+            <a:schemeClr val="dk1">
+              <a:shade val="15000"/>
+            </a:schemeClr>
+          </a:lnRef>
+          <a:fillRef idx="1">
+            <a:schemeClr val="dk1"/>
+          </a:fillRef>
+          <a:effectRef idx="0">
+            <a:schemeClr val="dk1"/>
+          </a:effectRef>
+          <a:fontRef idx="minor">
+            <a:schemeClr val="lt1"/>
+          </a:fontRef>
+        </p:style>
+        <p:txBody>
+          <a:bodyPr rtlCol="0" anchor="ctr"/>
+          <a:lstStyle/>
+          <a:p>
+            <a:pPr algn="ctr"/>
+            <a:endParaRPr lang="zh-CN" altLang="en-US" sz="1000"/>
+          </a:p>
+        </p:txBody>
+      </p:sp>
+      <p:sp>
+        <p:nvSpPr>
+          <p:cNvPr id="70" name="椭圆 69">
+            <a:extLst>
+              <a:ext uri="{FF2B5EF4-FFF2-40B4-BE49-F238E27FC236}">
+                <a16:creationId xmlns:a16="http://schemas.microsoft.com/office/drawing/2014/main" id="{5248956B-8611-40A8-BA3C-2BD59D203AFA}"/>
+              </a:ext>
+            </a:extLst>
+          </p:cNvPr>
+          <p:cNvSpPr/>
+          <p:nvPr/>
+        </p:nvSpPr>
+        <p:spPr>
+          <a:xfrm>
+            <a:off x="3005087" y="4059129"/>
+            <a:ext cx="45719" cy="45719"/>
+          </a:xfrm>
+          <a:prstGeom prst="ellipse">
+            <a:avLst/>
+          </a:prstGeom>
+        </p:spPr>
+        <p:style>
+          <a:lnRef idx="2">
+            <a:schemeClr val="dk1">
+              <a:shade val="15000"/>
+            </a:schemeClr>
+          </a:lnRef>
+          <a:fillRef idx="1">
+            <a:schemeClr val="dk1"/>
+          </a:fillRef>
+          <a:effectRef idx="0">
+            <a:schemeClr val="dk1"/>
+          </a:effectRef>
+          <a:fontRef idx="minor">
+            <a:schemeClr val="lt1"/>
+          </a:fontRef>
+        </p:style>
+        <p:txBody>
+          <a:bodyPr rtlCol="0" anchor="ctr"/>
+          <a:lstStyle/>
+          <a:p>
+            <a:pPr algn="ctr"/>
+            <a:endParaRPr lang="zh-CN" altLang="en-US" sz="1000"/>
+          </a:p>
+        </p:txBody>
+      </p:sp>
+      <p:sp>
+        <p:nvSpPr>
+          <p:cNvPr id="71" name="椭圆 70">
+            <a:extLst>
+              <a:ext uri="{FF2B5EF4-FFF2-40B4-BE49-F238E27FC236}">
+                <a16:creationId xmlns:a16="http://schemas.microsoft.com/office/drawing/2014/main" id="{B3213CF0-691E-4635-919C-31E998EE672F}"/>
+              </a:ext>
+            </a:extLst>
+          </p:cNvPr>
+          <p:cNvSpPr/>
+          <p:nvPr/>
+        </p:nvSpPr>
+        <p:spPr>
+          <a:xfrm>
+            <a:off x="2736925" y="4059129"/>
+            <a:ext cx="45719" cy="45719"/>
+          </a:xfrm>
+          <a:prstGeom prst="ellipse">
+            <a:avLst/>
+          </a:prstGeom>
+        </p:spPr>
+        <p:style>
+          <a:lnRef idx="2">
+            <a:schemeClr val="dk1">
+              <a:shade val="15000"/>
+            </a:schemeClr>
+          </a:lnRef>
+          <a:fillRef idx="1">
+            <a:schemeClr val="dk1"/>
+          </a:fillRef>
+          <a:effectRef idx="0">
+            <a:schemeClr val="dk1"/>
+          </a:effectRef>
+          <a:fontRef idx="minor">
+            <a:schemeClr val="lt1"/>
+          </a:fontRef>
+        </p:style>
+        <p:txBody>
+          <a:bodyPr rtlCol="0" anchor="ctr"/>
+          <a:lstStyle/>
+          <a:p>
+            <a:pPr algn="ctr"/>
+            <a:endParaRPr lang="zh-CN" altLang="en-US" sz="1000"/>
+          </a:p>
+        </p:txBody>
+      </p:sp>
     </p:spTree>
     <p:extLst>
       <p:ext uri="{BB962C8B-B14F-4D97-AF65-F5344CB8AC3E}">
-        <p14:creationId xmlns:p14="http://schemas.microsoft.com/office/powerpoint/2010/main" val="801705437"/>
+        <p14:creationId xmlns:p14="http://schemas.microsoft.com/office/powerpoint/2010/main" val="3814047274"/>
       </p:ext>
     </p:extLst>
   </p:cSld>
@@ -7157,10 +11899,159 @@
           <a:chExt cx="0" cy="0"/>
         </a:xfrm>
       </p:grpSpPr>
+      <p:sp>
+        <p:nvSpPr>
+          <p:cNvPr id="2" name="文本框 1">
+            <a:extLst>
+              <a:ext uri="{FF2B5EF4-FFF2-40B4-BE49-F238E27FC236}">
+                <a16:creationId xmlns:a16="http://schemas.microsoft.com/office/drawing/2014/main" id="{A5AC7128-9E27-45C6-A780-4A2C51467969}"/>
+              </a:ext>
+            </a:extLst>
+          </p:cNvPr>
+          <p:cNvSpPr txBox="1"/>
+          <p:nvPr/>
+        </p:nvSpPr>
+        <p:spPr>
+          <a:xfrm>
+            <a:off x="1023115" y="305942"/>
+            <a:ext cx="9794514" cy="3812326"/>
+          </a:xfrm>
+          <a:prstGeom prst="rect">
+            <a:avLst/>
+          </a:prstGeom>
+          <a:noFill/>
+        </p:spPr>
+        <p:txBody>
+          <a:bodyPr wrap="square" rtlCol="0">
+            <a:spAutoFit/>
+          </a:bodyPr>
+          <a:lstStyle/>
+          <a:p>
+            <a:pPr>
+              <a:lnSpc>
+                <a:spcPct val="150000"/>
+              </a:lnSpc>
+            </a:pPr>
+            <a:r>
+              <a:rPr lang="zh-CN" altLang="en-US" sz="2800" b="1" dirty="0">
+                <a:latin typeface="+mn-ea"/>
+              </a:rPr>
+              <a:t>有噪声寿命预测现状</a:t>
+            </a:r>
+            <a:endParaRPr lang="en-US" altLang="zh-CN" sz="2800" b="1" dirty="0">
+              <a:latin typeface="+mn-ea"/>
+            </a:endParaRPr>
+          </a:p>
+          <a:p>
+            <a:pPr>
+              <a:lnSpc>
+                <a:spcPct val="150000"/>
+              </a:lnSpc>
+            </a:pPr>
+            <a:endParaRPr lang="en-US" altLang="zh-CN" b="1" dirty="0"/>
+          </a:p>
+          <a:p>
+            <a:pPr>
+              <a:lnSpc>
+                <a:spcPct val="150000"/>
+              </a:lnSpc>
+            </a:pPr>
+            <a:r>
+              <a:rPr lang="zh-CN" altLang="zh-CN" dirty="0">
+                <a:latin typeface="Source Sans Pro" panose="020B0503030403020204" pitchFamily="34" charset="0"/>
+              </a:rPr>
+              <a:t>An Adaptive Noise Reduction Approach for Remaining Useful Life Prediction of Lithium-Ion Batteries</a:t>
+            </a:r>
+          </a:p>
+          <a:p>
+            <a:pPr>
+              <a:lnSpc>
+                <a:spcPct val="150000"/>
+              </a:lnSpc>
+            </a:pPr>
+            <a:r>
+              <a:rPr lang="en-US" altLang="zh-CN" b="1" dirty="0"/>
+              <a:t>2022</a:t>
+            </a:r>
+          </a:p>
+          <a:p>
+            <a:pPr>
+              <a:lnSpc>
+                <a:spcPct val="150000"/>
+              </a:lnSpc>
+            </a:pPr>
+            <a:endParaRPr lang="en-US" altLang="zh-CN" b="1" dirty="0"/>
+          </a:p>
+          <a:p>
+            <a:pPr>
+              <a:lnSpc>
+                <a:spcPct val="150000"/>
+              </a:lnSpc>
+            </a:pPr>
+            <a:endParaRPr lang="en-US" altLang="zh-CN" b="1" dirty="0"/>
+          </a:p>
+          <a:p>
+            <a:pPr>
+              <a:lnSpc>
+                <a:spcPct val="150000"/>
+              </a:lnSpc>
+            </a:pPr>
+            <a:r>
+              <a:rPr lang="zh-CN" altLang="en-US" dirty="0">
+                <a:latin typeface="+mn-ea"/>
+              </a:rPr>
+              <a:t>默认原始数据是带噪声的</a:t>
+            </a:r>
+            <a:endParaRPr lang="en-US" altLang="zh-CN" dirty="0">
+              <a:latin typeface="+mn-ea"/>
+            </a:endParaRPr>
+          </a:p>
+          <a:p>
+            <a:pPr>
+              <a:lnSpc>
+                <a:spcPct val="150000"/>
+              </a:lnSpc>
+            </a:pPr>
+            <a:endParaRPr lang="en-US" altLang="zh-CN" sz="2800" b="1" dirty="0">
+              <a:latin typeface="+mn-ea"/>
+            </a:endParaRPr>
+          </a:p>
+        </p:txBody>
+      </p:sp>
+      <p:pic>
+        <p:nvPicPr>
+          <p:cNvPr id="3" name="图片 2">
+            <a:extLst>
+              <a:ext uri="{FF2B5EF4-FFF2-40B4-BE49-F238E27FC236}">
+                <a16:creationId xmlns:a16="http://schemas.microsoft.com/office/drawing/2014/main" id="{1E38E205-D7B7-4019-83EC-2D6C72DD3AB7}"/>
+              </a:ext>
+            </a:extLst>
+          </p:cNvPr>
+          <p:cNvPicPr>
+            <a:picLocks noChangeAspect="1"/>
+          </p:cNvPicPr>
+          <p:nvPr/>
+        </p:nvPicPr>
+        <p:blipFill>
+          <a:blip r:embed="rId2"/>
+          <a:stretch>
+            <a:fillRect/>
+          </a:stretch>
+        </p:blipFill>
+        <p:spPr>
+          <a:xfrm>
+            <a:off x="6288667" y="2823099"/>
+            <a:ext cx="5778536" cy="3822378"/>
+          </a:xfrm>
+          <a:prstGeom prst="rect">
+            <a:avLst/>
+          </a:prstGeom>
+        </p:spPr>
+      </p:pic>
     </p:spTree>
     <p:extLst>
       <p:ext uri="{BB962C8B-B14F-4D97-AF65-F5344CB8AC3E}">
-        <p14:creationId xmlns:p14="http://schemas.microsoft.com/office/powerpoint/2010/main" val="1737761124"/>
+        <p14:creationId xmlns:p14="http://schemas.microsoft.com/office/powerpoint/2010/main" val="801705437"/>
       </p:ext>
     </p:extLst>
   </p:cSld>
@@ -7187,10 +12078,1374 @@
           <a:chExt cx="0" cy="0"/>
         </a:xfrm>
       </p:grpSpPr>
+      <p:sp>
+        <p:nvSpPr>
+          <p:cNvPr id="5" name="椭圆 4">
+            <a:extLst>
+              <a:ext uri="{FF2B5EF4-FFF2-40B4-BE49-F238E27FC236}">
+                <a16:creationId xmlns:a16="http://schemas.microsoft.com/office/drawing/2014/main" id="{C7E278BD-D850-A406-5BB1-3A9C6C318871}"/>
+              </a:ext>
+            </a:extLst>
+          </p:cNvPr>
+          <p:cNvSpPr/>
+          <p:nvPr/>
+        </p:nvSpPr>
+        <p:spPr>
+          <a:xfrm>
+            <a:off x="1238178" y="3470649"/>
+            <a:ext cx="1115881" cy="697848"/>
+          </a:xfrm>
+          <a:prstGeom prst="ellipse">
+            <a:avLst/>
+          </a:prstGeom>
+          <a:solidFill>
+            <a:schemeClr val="accent1">
+              <a:lumMod val="40000"/>
+              <a:lumOff val="60000"/>
+            </a:schemeClr>
+          </a:solidFill>
+        </p:spPr>
+        <p:style>
+          <a:lnRef idx="2">
+            <a:schemeClr val="accent1">
+              <a:shade val="15000"/>
+            </a:schemeClr>
+          </a:lnRef>
+          <a:fillRef idx="1">
+            <a:schemeClr val="accent1"/>
+          </a:fillRef>
+          <a:effectRef idx="0">
+            <a:schemeClr val="accent1"/>
+          </a:effectRef>
+          <a:fontRef idx="minor">
+            <a:schemeClr val="lt1"/>
+          </a:fontRef>
+        </p:style>
+        <p:txBody>
+          <a:bodyPr rtlCol="0" anchor="ctr"/>
+          <a:lstStyle/>
+          <a:p>
+            <a:pPr algn="ctr"/>
+            <a:r>
+              <a:rPr lang="zh-CN" altLang="en-US" sz="1400" dirty="0">
+                <a:solidFill>
+                  <a:schemeClr val="tx1"/>
+                </a:solidFill>
+              </a:rPr>
+              <a:t>完全自适应模态分解</a:t>
+            </a:r>
+          </a:p>
+        </p:txBody>
+      </p:sp>
+      <p:sp>
+        <p:nvSpPr>
+          <p:cNvPr id="8" name="矩形: 圆角 7">
+            <a:extLst>
+              <a:ext uri="{FF2B5EF4-FFF2-40B4-BE49-F238E27FC236}">
+                <a16:creationId xmlns:a16="http://schemas.microsoft.com/office/drawing/2014/main" id="{D4DC892F-F11C-923D-03C9-268078FB67D0}"/>
+              </a:ext>
+            </a:extLst>
+          </p:cNvPr>
+          <p:cNvSpPr/>
+          <p:nvPr/>
+        </p:nvSpPr>
+        <p:spPr>
+          <a:xfrm>
+            <a:off x="2959110" y="2770256"/>
+            <a:ext cx="753375" cy="362309"/>
+          </a:xfrm>
+          <a:prstGeom prst="roundRect">
+            <a:avLst/>
+          </a:prstGeom>
+          <a:solidFill>
+            <a:schemeClr val="accent1">
+              <a:lumMod val="40000"/>
+              <a:lumOff val="60000"/>
+            </a:schemeClr>
+          </a:solidFill>
+        </p:spPr>
+        <p:style>
+          <a:lnRef idx="2">
+            <a:schemeClr val="accent1">
+              <a:shade val="15000"/>
+            </a:schemeClr>
+          </a:lnRef>
+          <a:fillRef idx="1">
+            <a:schemeClr val="accent1"/>
+          </a:fillRef>
+          <a:effectRef idx="0">
+            <a:schemeClr val="accent1"/>
+          </a:effectRef>
+          <a:fontRef idx="minor">
+            <a:schemeClr val="lt1"/>
+          </a:fontRef>
+        </p:style>
+        <p:txBody>
+          <a:bodyPr rtlCol="0" anchor="ctr"/>
+          <a:lstStyle/>
+          <a:p>
+            <a:pPr algn="ctr"/>
+            <a:r>
+              <a:rPr lang="en-US" altLang="zh-CN" sz="1000" dirty="0">
+                <a:solidFill>
+                  <a:schemeClr val="tx1"/>
+                </a:solidFill>
+              </a:rPr>
+              <a:t>IMF1</a:t>
+            </a:r>
+            <a:endParaRPr lang="zh-CN" altLang="en-US" sz="1000" dirty="0">
+              <a:solidFill>
+                <a:schemeClr val="tx1"/>
+              </a:solidFill>
+            </a:endParaRPr>
+          </a:p>
+        </p:txBody>
+      </p:sp>
+      <p:sp>
+        <p:nvSpPr>
+          <p:cNvPr id="9" name="矩形: 圆角 8">
+            <a:extLst>
+              <a:ext uri="{FF2B5EF4-FFF2-40B4-BE49-F238E27FC236}">
+                <a16:creationId xmlns:a16="http://schemas.microsoft.com/office/drawing/2014/main" id="{79097161-77C4-287B-6FA1-F234012DCACE}"/>
+              </a:ext>
+            </a:extLst>
+          </p:cNvPr>
+          <p:cNvSpPr/>
+          <p:nvPr/>
+        </p:nvSpPr>
+        <p:spPr>
+          <a:xfrm>
+            <a:off x="2957643" y="3317233"/>
+            <a:ext cx="753375" cy="362309"/>
+          </a:xfrm>
+          <a:prstGeom prst="roundRect">
+            <a:avLst/>
+          </a:prstGeom>
+          <a:solidFill>
+            <a:schemeClr val="accent1">
+              <a:lumMod val="40000"/>
+              <a:lumOff val="60000"/>
+            </a:schemeClr>
+          </a:solidFill>
+        </p:spPr>
+        <p:style>
+          <a:lnRef idx="2">
+            <a:schemeClr val="accent1">
+              <a:shade val="15000"/>
+            </a:schemeClr>
+          </a:lnRef>
+          <a:fillRef idx="1">
+            <a:schemeClr val="accent1"/>
+          </a:fillRef>
+          <a:effectRef idx="0">
+            <a:schemeClr val="accent1"/>
+          </a:effectRef>
+          <a:fontRef idx="minor">
+            <a:schemeClr val="lt1"/>
+          </a:fontRef>
+        </p:style>
+        <p:txBody>
+          <a:bodyPr rtlCol="0" anchor="ctr"/>
+          <a:lstStyle/>
+          <a:p>
+            <a:pPr algn="ctr"/>
+            <a:r>
+              <a:rPr lang="en-US" altLang="zh-CN" sz="1000" dirty="0">
+                <a:solidFill>
+                  <a:schemeClr val="tx1"/>
+                </a:solidFill>
+              </a:rPr>
+              <a:t>IMF2</a:t>
+            </a:r>
+            <a:endParaRPr lang="zh-CN" altLang="en-US" sz="1000" dirty="0">
+              <a:solidFill>
+                <a:schemeClr val="tx1"/>
+              </a:solidFill>
+            </a:endParaRPr>
+          </a:p>
+        </p:txBody>
+      </p:sp>
+      <p:sp>
+        <p:nvSpPr>
+          <p:cNvPr id="10" name="矩形: 圆角 9">
+            <a:extLst>
+              <a:ext uri="{FF2B5EF4-FFF2-40B4-BE49-F238E27FC236}">
+                <a16:creationId xmlns:a16="http://schemas.microsoft.com/office/drawing/2014/main" id="{781F25D5-5BC7-E37B-C3B8-4F3E4E3048CA}"/>
+              </a:ext>
+            </a:extLst>
+          </p:cNvPr>
+          <p:cNvSpPr/>
+          <p:nvPr/>
+        </p:nvSpPr>
+        <p:spPr>
+          <a:xfrm>
+            <a:off x="2957642" y="4465725"/>
+            <a:ext cx="753375" cy="362309"/>
+          </a:xfrm>
+          <a:prstGeom prst="roundRect">
+            <a:avLst/>
+          </a:prstGeom>
+          <a:solidFill>
+            <a:schemeClr val="accent1">
+              <a:lumMod val="40000"/>
+              <a:lumOff val="60000"/>
+            </a:schemeClr>
+          </a:solidFill>
+        </p:spPr>
+        <p:style>
+          <a:lnRef idx="2">
+            <a:schemeClr val="accent1">
+              <a:shade val="15000"/>
+            </a:schemeClr>
+          </a:lnRef>
+          <a:fillRef idx="1">
+            <a:schemeClr val="accent1"/>
+          </a:fillRef>
+          <a:effectRef idx="0">
+            <a:schemeClr val="accent1"/>
+          </a:effectRef>
+          <a:fontRef idx="minor">
+            <a:schemeClr val="lt1"/>
+          </a:fontRef>
+        </p:style>
+        <p:txBody>
+          <a:bodyPr rtlCol="0" anchor="ctr"/>
+          <a:lstStyle/>
+          <a:p>
+            <a:pPr algn="ctr"/>
+            <a:r>
+              <a:rPr lang="en-US" altLang="zh-CN" sz="1000" dirty="0">
+                <a:solidFill>
+                  <a:schemeClr val="tx1"/>
+                </a:solidFill>
+              </a:rPr>
+              <a:t>IMF4</a:t>
+            </a:r>
+            <a:endParaRPr lang="zh-CN" altLang="en-US" sz="1000" dirty="0">
+              <a:solidFill>
+                <a:schemeClr val="tx1"/>
+              </a:solidFill>
+            </a:endParaRPr>
+          </a:p>
+        </p:txBody>
+      </p:sp>
+      <p:sp>
+        <p:nvSpPr>
+          <p:cNvPr id="21" name="箭头: 右 20">
+            <a:extLst>
+              <a:ext uri="{FF2B5EF4-FFF2-40B4-BE49-F238E27FC236}">
+                <a16:creationId xmlns:a16="http://schemas.microsoft.com/office/drawing/2014/main" id="{7DF70462-46CA-8D4A-2A6A-1B9C0EDC2564}"/>
+              </a:ext>
+            </a:extLst>
+          </p:cNvPr>
+          <p:cNvSpPr/>
+          <p:nvPr/>
+        </p:nvSpPr>
+        <p:spPr>
+          <a:xfrm>
+            <a:off x="5684869" y="2837906"/>
+            <a:ext cx="661919" cy="224891"/>
+          </a:xfrm>
+          <a:prstGeom prst="rightArrow">
+            <a:avLst>
+              <a:gd name="adj1" fmla="val 50000"/>
+              <a:gd name="adj2" fmla="val 50000"/>
+            </a:avLst>
+          </a:prstGeom>
+          <a:solidFill>
+            <a:schemeClr val="accent1">
+              <a:lumMod val="40000"/>
+              <a:lumOff val="60000"/>
+            </a:schemeClr>
+          </a:solidFill>
+        </p:spPr>
+        <p:style>
+          <a:lnRef idx="2">
+            <a:schemeClr val="accent1">
+              <a:shade val="15000"/>
+            </a:schemeClr>
+          </a:lnRef>
+          <a:fillRef idx="1">
+            <a:schemeClr val="accent1"/>
+          </a:fillRef>
+          <a:effectRef idx="0">
+            <a:schemeClr val="accent1"/>
+          </a:effectRef>
+          <a:fontRef idx="minor">
+            <a:schemeClr val="lt1"/>
+          </a:fontRef>
+        </p:style>
+        <p:txBody>
+          <a:bodyPr rtlCol="0" anchor="ctr"/>
+          <a:lstStyle/>
+          <a:p>
+            <a:pPr algn="ctr"/>
+            <a:endParaRPr lang="zh-CN" altLang="en-US"/>
+          </a:p>
+        </p:txBody>
+      </p:sp>
+      <p:sp>
+        <p:nvSpPr>
+          <p:cNvPr id="28" name="箭头: 右 27">
+            <a:extLst>
+              <a:ext uri="{FF2B5EF4-FFF2-40B4-BE49-F238E27FC236}">
+                <a16:creationId xmlns:a16="http://schemas.microsoft.com/office/drawing/2014/main" id="{C0D325AE-77C3-5FDB-2960-3A320D5AF931}"/>
+              </a:ext>
+            </a:extLst>
+          </p:cNvPr>
+          <p:cNvSpPr/>
+          <p:nvPr/>
+        </p:nvSpPr>
+        <p:spPr>
+          <a:xfrm>
+            <a:off x="2521258" y="3700666"/>
+            <a:ext cx="351404" cy="280502"/>
+          </a:xfrm>
+          <a:prstGeom prst="rightArrow">
+            <a:avLst>
+              <a:gd name="adj1" fmla="val 50000"/>
+              <a:gd name="adj2" fmla="val 50000"/>
+            </a:avLst>
+          </a:prstGeom>
+          <a:solidFill>
+            <a:schemeClr val="accent1">
+              <a:lumMod val="40000"/>
+              <a:lumOff val="60000"/>
+            </a:schemeClr>
+          </a:solidFill>
+        </p:spPr>
+        <p:style>
+          <a:lnRef idx="2">
+            <a:schemeClr val="accent1">
+              <a:shade val="15000"/>
+            </a:schemeClr>
+          </a:lnRef>
+          <a:fillRef idx="1">
+            <a:schemeClr val="accent1"/>
+          </a:fillRef>
+          <a:effectRef idx="0">
+            <a:schemeClr val="accent1"/>
+          </a:effectRef>
+          <a:fontRef idx="minor">
+            <a:schemeClr val="lt1"/>
+          </a:fontRef>
+        </p:style>
+        <p:txBody>
+          <a:bodyPr rtlCol="0" anchor="ctr"/>
+          <a:lstStyle/>
+          <a:p>
+            <a:pPr algn="ctr"/>
+            <a:endParaRPr lang="zh-CN" altLang="en-US"/>
+          </a:p>
+        </p:txBody>
+      </p:sp>
+      <p:sp>
+        <p:nvSpPr>
+          <p:cNvPr id="32" name="箭头: 右 31">
+            <a:extLst>
+              <a:ext uri="{FF2B5EF4-FFF2-40B4-BE49-F238E27FC236}">
+                <a16:creationId xmlns:a16="http://schemas.microsoft.com/office/drawing/2014/main" id="{4C55AA1E-825E-9AA4-16C2-DAB75CDD5238}"/>
+              </a:ext>
+            </a:extLst>
+          </p:cNvPr>
+          <p:cNvSpPr/>
+          <p:nvPr/>
+        </p:nvSpPr>
+        <p:spPr>
+          <a:xfrm>
+            <a:off x="8092009" y="2768794"/>
+            <a:ext cx="349238" cy="297433"/>
+          </a:xfrm>
+          <a:prstGeom prst="rightArrow">
+            <a:avLst/>
+          </a:prstGeom>
+          <a:solidFill>
+            <a:schemeClr val="accent1">
+              <a:lumMod val="40000"/>
+              <a:lumOff val="60000"/>
+            </a:schemeClr>
+          </a:solidFill>
+          <a:ln>
+            <a:solidFill>
+              <a:schemeClr val="tx1"/>
+            </a:solidFill>
+          </a:ln>
+        </p:spPr>
+        <p:style>
+          <a:lnRef idx="2">
+            <a:schemeClr val="accent1">
+              <a:shade val="15000"/>
+            </a:schemeClr>
+          </a:lnRef>
+          <a:fillRef idx="1">
+            <a:schemeClr val="accent1"/>
+          </a:fillRef>
+          <a:effectRef idx="0">
+            <a:schemeClr val="accent1"/>
+          </a:effectRef>
+          <a:fontRef idx="minor">
+            <a:schemeClr val="lt1"/>
+          </a:fontRef>
+        </p:style>
+        <p:txBody>
+          <a:bodyPr rtlCol="0" anchor="ctr"/>
+          <a:lstStyle/>
+          <a:p>
+            <a:pPr algn="ctr"/>
+            <a:endParaRPr lang="zh-CN" altLang="en-US"/>
+          </a:p>
+        </p:txBody>
+      </p:sp>
+      <p:sp>
+        <p:nvSpPr>
+          <p:cNvPr id="33" name="矩形: 圆角 32">
+            <a:extLst>
+              <a:ext uri="{FF2B5EF4-FFF2-40B4-BE49-F238E27FC236}">
+                <a16:creationId xmlns:a16="http://schemas.microsoft.com/office/drawing/2014/main" id="{3CDE7CB4-E973-4E73-4FD6-D3A4276332CD}"/>
+              </a:ext>
+            </a:extLst>
+          </p:cNvPr>
+          <p:cNvSpPr/>
+          <p:nvPr/>
+        </p:nvSpPr>
+        <p:spPr>
+          <a:xfrm>
+            <a:off x="8515349" y="2682726"/>
+            <a:ext cx="718517" cy="469567"/>
+          </a:xfrm>
+          <a:prstGeom prst="roundRect">
+            <a:avLst/>
+          </a:prstGeom>
+          <a:solidFill>
+            <a:schemeClr val="accent1">
+              <a:lumMod val="40000"/>
+              <a:lumOff val="60000"/>
+            </a:schemeClr>
+          </a:solidFill>
+        </p:spPr>
+        <p:style>
+          <a:lnRef idx="2">
+            <a:schemeClr val="accent1">
+              <a:shade val="15000"/>
+            </a:schemeClr>
+          </a:lnRef>
+          <a:fillRef idx="1">
+            <a:schemeClr val="accent1"/>
+          </a:fillRef>
+          <a:effectRef idx="0">
+            <a:schemeClr val="accent1"/>
+          </a:effectRef>
+          <a:fontRef idx="minor">
+            <a:schemeClr val="lt1"/>
+          </a:fontRef>
+        </p:style>
+        <p:txBody>
+          <a:bodyPr rtlCol="0" anchor="ctr"/>
+          <a:lstStyle/>
+          <a:p>
+            <a:pPr algn="ctr"/>
+            <a:r>
+              <a:rPr lang="zh-CN" altLang="en-US" sz="1400" dirty="0"/>
+              <a:t>实际结果</a:t>
+            </a:r>
+          </a:p>
+        </p:txBody>
+      </p:sp>
+      <p:sp>
+        <p:nvSpPr>
+          <p:cNvPr id="15" name="箭头: 右 14">
+            <a:extLst>
+              <a:ext uri="{FF2B5EF4-FFF2-40B4-BE49-F238E27FC236}">
+                <a16:creationId xmlns:a16="http://schemas.microsoft.com/office/drawing/2014/main" id="{A0D97D85-0533-47A5-9423-78031F5B58D5}"/>
+              </a:ext>
+            </a:extLst>
+          </p:cNvPr>
+          <p:cNvSpPr/>
+          <p:nvPr/>
+        </p:nvSpPr>
+        <p:spPr>
+          <a:xfrm>
+            <a:off x="3789274" y="3679542"/>
+            <a:ext cx="753375" cy="280502"/>
+          </a:xfrm>
+          <a:prstGeom prst="rightArrow">
+            <a:avLst>
+              <a:gd name="adj1" fmla="val 50000"/>
+              <a:gd name="adj2" fmla="val 50000"/>
+            </a:avLst>
+          </a:prstGeom>
+          <a:solidFill>
+            <a:schemeClr val="accent1">
+              <a:lumMod val="40000"/>
+              <a:lumOff val="60000"/>
+            </a:schemeClr>
+          </a:solidFill>
+        </p:spPr>
+        <p:style>
+          <a:lnRef idx="2">
+            <a:schemeClr val="accent1">
+              <a:shade val="15000"/>
+            </a:schemeClr>
+          </a:lnRef>
+          <a:fillRef idx="1">
+            <a:schemeClr val="accent1"/>
+          </a:fillRef>
+          <a:effectRef idx="0">
+            <a:schemeClr val="accent1"/>
+          </a:effectRef>
+          <a:fontRef idx="minor">
+            <a:schemeClr val="lt1"/>
+          </a:fontRef>
+        </p:style>
+        <p:txBody>
+          <a:bodyPr rtlCol="0" anchor="ctr"/>
+          <a:lstStyle/>
+          <a:p>
+            <a:pPr algn="ctr"/>
+            <a:endParaRPr lang="zh-CN" altLang="en-US"/>
+          </a:p>
+        </p:txBody>
+      </p:sp>
+      <p:sp>
+        <p:nvSpPr>
+          <p:cNvPr id="17" name="矩形: 圆角 16">
+            <a:extLst>
+              <a:ext uri="{FF2B5EF4-FFF2-40B4-BE49-F238E27FC236}">
+                <a16:creationId xmlns:a16="http://schemas.microsoft.com/office/drawing/2014/main" id="{856FE361-C864-4873-A366-5664929153FD}"/>
+              </a:ext>
+            </a:extLst>
+          </p:cNvPr>
+          <p:cNvSpPr/>
+          <p:nvPr/>
+        </p:nvSpPr>
+        <p:spPr>
+          <a:xfrm>
+            <a:off x="4714818" y="2770255"/>
+            <a:ext cx="753375" cy="362309"/>
+          </a:xfrm>
+          <a:prstGeom prst="roundRect">
+            <a:avLst/>
+          </a:prstGeom>
+          <a:solidFill>
+            <a:schemeClr val="accent1">
+              <a:lumMod val="40000"/>
+              <a:lumOff val="60000"/>
+            </a:schemeClr>
+          </a:solidFill>
+        </p:spPr>
+        <p:style>
+          <a:lnRef idx="2">
+            <a:schemeClr val="accent1">
+              <a:shade val="15000"/>
+            </a:schemeClr>
+          </a:lnRef>
+          <a:fillRef idx="1">
+            <a:schemeClr val="accent1"/>
+          </a:fillRef>
+          <a:effectRef idx="0">
+            <a:schemeClr val="accent1"/>
+          </a:effectRef>
+          <a:fontRef idx="minor">
+            <a:schemeClr val="lt1"/>
+          </a:fontRef>
+        </p:style>
+        <p:txBody>
+          <a:bodyPr rtlCol="0" anchor="ctr"/>
+          <a:lstStyle/>
+          <a:p>
+            <a:pPr algn="ctr"/>
+            <a:r>
+              <a:rPr lang="en-US" altLang="zh-CN" sz="1000" dirty="0">
+                <a:solidFill>
+                  <a:schemeClr val="tx1"/>
+                </a:solidFill>
+              </a:rPr>
+              <a:t>IMF1’</a:t>
+            </a:r>
+            <a:endParaRPr lang="zh-CN" altLang="en-US" sz="1000" dirty="0">
+              <a:solidFill>
+                <a:schemeClr val="tx1"/>
+              </a:solidFill>
+            </a:endParaRPr>
+          </a:p>
+        </p:txBody>
+      </p:sp>
+      <p:sp>
+        <p:nvSpPr>
+          <p:cNvPr id="18" name="矩形 17">
+            <a:extLst>
+              <a:ext uri="{FF2B5EF4-FFF2-40B4-BE49-F238E27FC236}">
+                <a16:creationId xmlns:a16="http://schemas.microsoft.com/office/drawing/2014/main" id="{34C3632A-59BD-4AF3-8D31-12F8D3551BBE}"/>
+              </a:ext>
+            </a:extLst>
+          </p:cNvPr>
+          <p:cNvSpPr/>
+          <p:nvPr/>
+        </p:nvSpPr>
+        <p:spPr>
+          <a:xfrm>
+            <a:off x="3789274" y="3398022"/>
+            <a:ext cx="753375" cy="280502"/>
+          </a:xfrm>
+          <a:prstGeom prst="rect">
+            <a:avLst/>
+          </a:prstGeom>
+          <a:solidFill>
+            <a:schemeClr val="bg2"/>
+          </a:solidFill>
+          <a:ln>
+            <a:solidFill>
+              <a:schemeClr val="tx2">
+                <a:lumMod val="20000"/>
+                <a:lumOff val="80000"/>
+              </a:schemeClr>
+            </a:solidFill>
+          </a:ln>
+        </p:spPr>
+        <p:style>
+          <a:lnRef idx="2">
+            <a:schemeClr val="accent1">
+              <a:shade val="15000"/>
+            </a:schemeClr>
+          </a:lnRef>
+          <a:fillRef idx="1">
+            <a:schemeClr val="accent1"/>
+          </a:fillRef>
+          <a:effectRef idx="0">
+            <a:schemeClr val="accent1"/>
+          </a:effectRef>
+          <a:fontRef idx="minor">
+            <a:schemeClr val="lt1"/>
+          </a:fontRef>
+        </p:style>
+        <p:txBody>
+          <a:bodyPr rtlCol="0" anchor="ctr"/>
+          <a:lstStyle/>
+          <a:p>
+            <a:pPr algn="ctr"/>
+            <a:r>
+              <a:rPr lang="zh-CN" altLang="en-US" sz="1100" dirty="0">
+                <a:solidFill>
+                  <a:schemeClr val="tx1"/>
+                </a:solidFill>
+              </a:rPr>
+              <a:t>小波变换</a:t>
+            </a:r>
+          </a:p>
+        </p:txBody>
+      </p:sp>
+      <p:sp>
+        <p:nvSpPr>
+          <p:cNvPr id="20" name="矩形: 圆角 19">
+            <a:extLst>
+              <a:ext uri="{FF2B5EF4-FFF2-40B4-BE49-F238E27FC236}">
+                <a16:creationId xmlns:a16="http://schemas.microsoft.com/office/drawing/2014/main" id="{5AD1E3F5-695D-49A2-9C0D-C203AF449837}"/>
+              </a:ext>
+            </a:extLst>
+          </p:cNvPr>
+          <p:cNvSpPr/>
+          <p:nvPr/>
+        </p:nvSpPr>
+        <p:spPr>
+          <a:xfrm>
+            <a:off x="4714818" y="3289494"/>
+            <a:ext cx="753375" cy="362309"/>
+          </a:xfrm>
+          <a:prstGeom prst="roundRect">
+            <a:avLst/>
+          </a:prstGeom>
+          <a:solidFill>
+            <a:schemeClr val="accent1">
+              <a:lumMod val="40000"/>
+              <a:lumOff val="60000"/>
+            </a:schemeClr>
+          </a:solidFill>
+        </p:spPr>
+        <p:style>
+          <a:lnRef idx="2">
+            <a:schemeClr val="accent1">
+              <a:shade val="15000"/>
+            </a:schemeClr>
+          </a:lnRef>
+          <a:fillRef idx="1">
+            <a:schemeClr val="accent1"/>
+          </a:fillRef>
+          <a:effectRef idx="0">
+            <a:schemeClr val="accent1"/>
+          </a:effectRef>
+          <a:fontRef idx="minor">
+            <a:schemeClr val="lt1"/>
+          </a:fontRef>
+        </p:style>
+        <p:txBody>
+          <a:bodyPr rtlCol="0" anchor="ctr"/>
+          <a:lstStyle/>
+          <a:p>
+            <a:pPr algn="ctr"/>
+            <a:r>
+              <a:rPr lang="en-US" altLang="zh-CN" sz="1000" dirty="0">
+                <a:solidFill>
+                  <a:schemeClr val="tx1"/>
+                </a:solidFill>
+              </a:rPr>
+              <a:t>IMF1’</a:t>
+            </a:r>
+            <a:endParaRPr lang="zh-CN" altLang="en-US" sz="1000" dirty="0">
+              <a:solidFill>
+                <a:schemeClr val="tx1"/>
+              </a:solidFill>
+            </a:endParaRPr>
+          </a:p>
+        </p:txBody>
+      </p:sp>
+      <p:sp>
+        <p:nvSpPr>
+          <p:cNvPr id="23" name="矩形: 圆角 22">
+            <a:extLst>
+              <a:ext uri="{FF2B5EF4-FFF2-40B4-BE49-F238E27FC236}">
+                <a16:creationId xmlns:a16="http://schemas.microsoft.com/office/drawing/2014/main" id="{C5D965A1-F081-453E-9B46-F42BFA9E10F1}"/>
+              </a:ext>
+            </a:extLst>
+          </p:cNvPr>
+          <p:cNvSpPr/>
+          <p:nvPr/>
+        </p:nvSpPr>
+        <p:spPr>
+          <a:xfrm>
+            <a:off x="4714818" y="4467109"/>
+            <a:ext cx="753375" cy="362309"/>
+          </a:xfrm>
+          <a:prstGeom prst="roundRect">
+            <a:avLst/>
+          </a:prstGeom>
+          <a:solidFill>
+            <a:schemeClr val="accent1">
+              <a:lumMod val="40000"/>
+              <a:lumOff val="60000"/>
+            </a:schemeClr>
+          </a:solidFill>
+        </p:spPr>
+        <p:style>
+          <a:lnRef idx="2">
+            <a:schemeClr val="accent1">
+              <a:shade val="15000"/>
+            </a:schemeClr>
+          </a:lnRef>
+          <a:fillRef idx="1">
+            <a:schemeClr val="accent1"/>
+          </a:fillRef>
+          <a:effectRef idx="0">
+            <a:schemeClr val="accent1"/>
+          </a:effectRef>
+          <a:fontRef idx="minor">
+            <a:schemeClr val="lt1"/>
+          </a:fontRef>
+        </p:style>
+        <p:txBody>
+          <a:bodyPr rtlCol="0" anchor="ctr"/>
+          <a:lstStyle/>
+          <a:p>
+            <a:pPr algn="ctr"/>
+            <a:r>
+              <a:rPr lang="en-US" altLang="zh-CN" sz="1000" dirty="0">
+                <a:solidFill>
+                  <a:schemeClr val="tx1"/>
+                </a:solidFill>
+              </a:rPr>
+              <a:t>IMF1’</a:t>
+            </a:r>
+            <a:endParaRPr lang="zh-CN" altLang="en-US" sz="1000" dirty="0">
+              <a:solidFill>
+                <a:schemeClr val="tx1"/>
+              </a:solidFill>
+            </a:endParaRPr>
+          </a:p>
+        </p:txBody>
+      </p:sp>
+      <p:sp>
+        <p:nvSpPr>
+          <p:cNvPr id="25" name="矩形: 圆角 24">
+            <a:extLst>
+              <a:ext uri="{FF2B5EF4-FFF2-40B4-BE49-F238E27FC236}">
+                <a16:creationId xmlns:a16="http://schemas.microsoft.com/office/drawing/2014/main" id="{83046BB9-EE93-4AB1-8D24-8EB6B2D7C923}"/>
+              </a:ext>
+            </a:extLst>
+          </p:cNvPr>
+          <p:cNvSpPr/>
+          <p:nvPr/>
+        </p:nvSpPr>
+        <p:spPr>
+          <a:xfrm>
+            <a:off x="2971043" y="3943082"/>
+            <a:ext cx="753375" cy="362309"/>
+          </a:xfrm>
+          <a:prstGeom prst="roundRect">
+            <a:avLst/>
+          </a:prstGeom>
+          <a:solidFill>
+            <a:schemeClr val="accent1">
+              <a:lumMod val="40000"/>
+              <a:lumOff val="60000"/>
+            </a:schemeClr>
+          </a:solidFill>
+        </p:spPr>
+        <p:style>
+          <a:lnRef idx="2">
+            <a:schemeClr val="accent1">
+              <a:shade val="15000"/>
+            </a:schemeClr>
+          </a:lnRef>
+          <a:fillRef idx="1">
+            <a:schemeClr val="accent1"/>
+          </a:fillRef>
+          <a:effectRef idx="0">
+            <a:schemeClr val="accent1"/>
+          </a:effectRef>
+          <a:fontRef idx="minor">
+            <a:schemeClr val="lt1"/>
+          </a:fontRef>
+        </p:style>
+        <p:txBody>
+          <a:bodyPr rtlCol="0" anchor="ctr"/>
+          <a:lstStyle/>
+          <a:p>
+            <a:pPr algn="ctr"/>
+            <a:r>
+              <a:rPr lang="en-US" altLang="zh-CN" sz="1000" dirty="0">
+                <a:solidFill>
+                  <a:schemeClr val="tx1"/>
+                </a:solidFill>
+              </a:rPr>
+              <a:t>IMF3</a:t>
+            </a:r>
+            <a:endParaRPr lang="zh-CN" altLang="en-US" sz="1000" dirty="0">
+              <a:solidFill>
+                <a:schemeClr val="tx1"/>
+              </a:solidFill>
+            </a:endParaRPr>
+          </a:p>
+        </p:txBody>
+      </p:sp>
+      <p:sp>
+        <p:nvSpPr>
+          <p:cNvPr id="27" name="矩形: 圆角 26">
+            <a:extLst>
+              <a:ext uri="{FF2B5EF4-FFF2-40B4-BE49-F238E27FC236}">
+                <a16:creationId xmlns:a16="http://schemas.microsoft.com/office/drawing/2014/main" id="{1CA61859-2898-4B1D-A121-9E621F8DACD4}"/>
+              </a:ext>
+            </a:extLst>
+          </p:cNvPr>
+          <p:cNvSpPr/>
+          <p:nvPr/>
+        </p:nvSpPr>
+        <p:spPr>
+          <a:xfrm>
+            <a:off x="4714818" y="3943081"/>
+            <a:ext cx="753375" cy="362309"/>
+          </a:xfrm>
+          <a:prstGeom prst="roundRect">
+            <a:avLst/>
+          </a:prstGeom>
+          <a:solidFill>
+            <a:schemeClr val="accent1">
+              <a:lumMod val="40000"/>
+              <a:lumOff val="60000"/>
+            </a:schemeClr>
+          </a:solidFill>
+        </p:spPr>
+        <p:style>
+          <a:lnRef idx="2">
+            <a:schemeClr val="accent1">
+              <a:shade val="15000"/>
+            </a:schemeClr>
+          </a:lnRef>
+          <a:fillRef idx="1">
+            <a:schemeClr val="accent1"/>
+          </a:fillRef>
+          <a:effectRef idx="0">
+            <a:schemeClr val="accent1"/>
+          </a:effectRef>
+          <a:fontRef idx="minor">
+            <a:schemeClr val="lt1"/>
+          </a:fontRef>
+        </p:style>
+        <p:txBody>
+          <a:bodyPr rtlCol="0" anchor="ctr"/>
+          <a:lstStyle/>
+          <a:p>
+            <a:pPr algn="ctr"/>
+            <a:r>
+              <a:rPr lang="en-US" altLang="zh-CN" sz="1000" dirty="0">
+                <a:solidFill>
+                  <a:schemeClr val="tx1"/>
+                </a:solidFill>
+              </a:rPr>
+              <a:t>IMF1’</a:t>
+            </a:r>
+            <a:endParaRPr lang="zh-CN" altLang="en-US" sz="1000" dirty="0">
+              <a:solidFill>
+                <a:schemeClr val="tx1"/>
+              </a:solidFill>
+            </a:endParaRPr>
+          </a:p>
+        </p:txBody>
+      </p:sp>
+      <p:sp>
+        <p:nvSpPr>
+          <p:cNvPr id="2" name="矩形 1">
+            <a:extLst>
+              <a:ext uri="{FF2B5EF4-FFF2-40B4-BE49-F238E27FC236}">
+                <a16:creationId xmlns:a16="http://schemas.microsoft.com/office/drawing/2014/main" id="{C2F23EDC-74C8-4EE4-8769-5F9B99428A99}"/>
+              </a:ext>
+            </a:extLst>
+          </p:cNvPr>
+          <p:cNvSpPr/>
+          <p:nvPr/>
+        </p:nvSpPr>
+        <p:spPr>
+          <a:xfrm>
+            <a:off x="3144532" y="725158"/>
+            <a:ext cx="5218233" cy="646331"/>
+          </a:xfrm>
+          <a:prstGeom prst="rect">
+            <a:avLst/>
+          </a:prstGeom>
+        </p:spPr>
+        <p:txBody>
+          <a:bodyPr wrap="square">
+            <a:spAutoFit/>
+          </a:bodyPr>
+          <a:lstStyle/>
+          <a:p>
+            <a:r>
+              <a:rPr lang="en-US" altLang="zh-CN" dirty="0">
+                <a:solidFill>
+                  <a:srgbClr val="000000"/>
+                </a:solidFill>
+                <a:latin typeface="+mn-ea"/>
+              </a:rPr>
+              <a:t>IMF1</a:t>
+            </a:r>
+            <a:r>
+              <a:rPr lang="zh-CN" altLang="en-US" dirty="0">
+                <a:solidFill>
+                  <a:srgbClr val="000000"/>
+                </a:solidFill>
+                <a:latin typeface="+mn-ea"/>
+              </a:rPr>
+              <a:t>可以代表主趋势退化，</a:t>
+            </a:r>
+            <a:r>
+              <a:rPr lang="en-US" altLang="zh-CN" dirty="0">
+                <a:solidFill>
+                  <a:srgbClr val="000000"/>
+                </a:solidFill>
+                <a:latin typeface="+mn-ea"/>
+              </a:rPr>
+              <a:t>IMF2</a:t>
+            </a:r>
+            <a:r>
+              <a:rPr lang="zh-CN" altLang="en-US" dirty="0">
+                <a:solidFill>
+                  <a:srgbClr val="000000"/>
+                </a:solidFill>
+                <a:latin typeface="+mn-ea"/>
+              </a:rPr>
+              <a:t>代表容量再生趋势，</a:t>
+            </a:r>
+            <a:r>
+              <a:rPr lang="en-US" altLang="zh-CN" dirty="0">
+                <a:solidFill>
+                  <a:srgbClr val="000000"/>
+                </a:solidFill>
+                <a:latin typeface="+mn-ea"/>
+              </a:rPr>
+              <a:t>IMF3</a:t>
+            </a:r>
+            <a:r>
+              <a:rPr lang="zh-CN" altLang="en-US" dirty="0">
+                <a:solidFill>
+                  <a:srgbClr val="000000"/>
+                </a:solidFill>
+                <a:latin typeface="+mn-ea"/>
+              </a:rPr>
+              <a:t>和</a:t>
+            </a:r>
+            <a:r>
+              <a:rPr lang="en-US" altLang="zh-CN" dirty="0">
+                <a:solidFill>
+                  <a:srgbClr val="000000"/>
+                </a:solidFill>
+                <a:latin typeface="+mn-ea"/>
+              </a:rPr>
+              <a:t>IMF4</a:t>
+            </a:r>
+            <a:r>
+              <a:rPr lang="zh-CN" altLang="en-US" dirty="0">
+                <a:solidFill>
+                  <a:srgbClr val="000000"/>
+                </a:solidFill>
+                <a:latin typeface="+mn-ea"/>
+              </a:rPr>
+              <a:t>代表随机干扰和噪声趋势</a:t>
+            </a:r>
+            <a:endParaRPr lang="zh-CN" altLang="en-US" dirty="0">
+              <a:latin typeface="+mn-ea"/>
+            </a:endParaRPr>
+          </a:p>
+        </p:txBody>
+      </p:sp>
+      <p:sp>
+        <p:nvSpPr>
+          <p:cNvPr id="29" name="椭圆 28">
+            <a:extLst>
+              <a:ext uri="{FF2B5EF4-FFF2-40B4-BE49-F238E27FC236}">
+                <a16:creationId xmlns:a16="http://schemas.microsoft.com/office/drawing/2014/main" id="{557A4A7B-30C1-4CD9-BE80-D10444245B04}"/>
+              </a:ext>
+            </a:extLst>
+          </p:cNvPr>
+          <p:cNvSpPr/>
+          <p:nvPr/>
+        </p:nvSpPr>
+        <p:spPr>
+          <a:xfrm>
+            <a:off x="6688106" y="3775311"/>
+            <a:ext cx="1115881" cy="697848"/>
+          </a:xfrm>
+          <a:prstGeom prst="ellipse">
+            <a:avLst/>
+          </a:prstGeom>
+          <a:solidFill>
+            <a:schemeClr val="accent1">
+              <a:lumMod val="40000"/>
+              <a:lumOff val="60000"/>
+            </a:schemeClr>
+          </a:solidFill>
+        </p:spPr>
+        <p:style>
+          <a:lnRef idx="2">
+            <a:schemeClr val="accent1">
+              <a:shade val="15000"/>
+            </a:schemeClr>
+          </a:lnRef>
+          <a:fillRef idx="1">
+            <a:schemeClr val="accent1"/>
+          </a:fillRef>
+          <a:effectRef idx="0">
+            <a:schemeClr val="accent1"/>
+          </a:effectRef>
+          <a:fontRef idx="minor">
+            <a:schemeClr val="lt1"/>
+          </a:fontRef>
+        </p:style>
+        <p:txBody>
+          <a:bodyPr rtlCol="0" anchor="ctr"/>
+          <a:lstStyle/>
+          <a:p>
+            <a:pPr algn="ctr"/>
+            <a:r>
+              <a:rPr lang="en-US" altLang="zh-CN" sz="1400" dirty="0">
+                <a:solidFill>
+                  <a:schemeClr val="tx1"/>
+                </a:solidFill>
+              </a:rPr>
+              <a:t>RVM</a:t>
+            </a:r>
+            <a:endParaRPr lang="zh-CN" altLang="en-US" sz="1400" dirty="0">
+              <a:solidFill>
+                <a:schemeClr val="tx1"/>
+              </a:solidFill>
+            </a:endParaRPr>
+          </a:p>
+        </p:txBody>
+      </p:sp>
+      <p:sp>
+        <p:nvSpPr>
+          <p:cNvPr id="30" name="椭圆 29">
+            <a:extLst>
+              <a:ext uri="{FF2B5EF4-FFF2-40B4-BE49-F238E27FC236}">
+                <a16:creationId xmlns:a16="http://schemas.microsoft.com/office/drawing/2014/main" id="{54C3067E-92F9-466C-9672-57F7D2E22440}"/>
+              </a:ext>
+            </a:extLst>
+          </p:cNvPr>
+          <p:cNvSpPr/>
+          <p:nvPr/>
+        </p:nvSpPr>
+        <p:spPr>
+          <a:xfrm>
+            <a:off x="6759641" y="2675531"/>
+            <a:ext cx="872478" cy="471151"/>
+          </a:xfrm>
+          <a:prstGeom prst="ellipse">
+            <a:avLst/>
+          </a:prstGeom>
+          <a:solidFill>
+            <a:schemeClr val="accent1">
+              <a:lumMod val="40000"/>
+              <a:lumOff val="60000"/>
+            </a:schemeClr>
+          </a:solidFill>
+        </p:spPr>
+        <p:style>
+          <a:lnRef idx="2">
+            <a:schemeClr val="accent1">
+              <a:shade val="15000"/>
+            </a:schemeClr>
+          </a:lnRef>
+          <a:fillRef idx="1">
+            <a:schemeClr val="accent1"/>
+          </a:fillRef>
+          <a:effectRef idx="0">
+            <a:schemeClr val="accent1"/>
+          </a:effectRef>
+          <a:fontRef idx="minor">
+            <a:schemeClr val="lt1"/>
+          </a:fontRef>
+        </p:style>
+        <p:txBody>
+          <a:bodyPr rtlCol="0" anchor="ctr"/>
+          <a:lstStyle/>
+          <a:p>
+            <a:pPr algn="ctr"/>
+            <a:r>
+              <a:rPr lang="en-US" altLang="zh-CN" sz="1400" dirty="0">
+                <a:solidFill>
+                  <a:schemeClr val="tx1"/>
+                </a:solidFill>
+              </a:rPr>
+              <a:t>LS</a:t>
+            </a:r>
+            <a:endParaRPr lang="zh-CN" altLang="en-US" sz="1400" dirty="0">
+              <a:solidFill>
+                <a:schemeClr val="tx1"/>
+              </a:solidFill>
+            </a:endParaRPr>
+          </a:p>
+        </p:txBody>
+      </p:sp>
+      <p:sp>
+        <p:nvSpPr>
+          <p:cNvPr id="3" name="右大括号 2">
+            <a:extLst>
+              <a:ext uri="{FF2B5EF4-FFF2-40B4-BE49-F238E27FC236}">
+                <a16:creationId xmlns:a16="http://schemas.microsoft.com/office/drawing/2014/main" id="{BF277B06-F463-40C5-B5EB-960EE65D2193}"/>
+              </a:ext>
+            </a:extLst>
+          </p:cNvPr>
+          <p:cNvSpPr/>
+          <p:nvPr/>
+        </p:nvSpPr>
+        <p:spPr>
+          <a:xfrm>
+            <a:off x="5539666" y="3470648"/>
+            <a:ext cx="306768" cy="1270028"/>
+          </a:xfrm>
+          <a:prstGeom prst="rightBrace">
+            <a:avLst/>
+          </a:prstGeom>
+        </p:spPr>
+        <p:style>
+          <a:lnRef idx="1">
+            <a:schemeClr val="accent1"/>
+          </a:lnRef>
+          <a:fillRef idx="0">
+            <a:schemeClr val="accent1"/>
+          </a:fillRef>
+          <a:effectRef idx="0">
+            <a:schemeClr val="accent1"/>
+          </a:effectRef>
+          <a:fontRef idx="minor">
+            <a:schemeClr val="tx1"/>
+          </a:fontRef>
+        </p:style>
+        <p:txBody>
+          <a:bodyPr rtlCol="0" anchor="ctr"/>
+          <a:lstStyle/>
+          <a:p>
+            <a:pPr algn="ctr"/>
+            <a:endParaRPr lang="zh-CN" altLang="en-US"/>
+          </a:p>
+        </p:txBody>
+      </p:sp>
+      <p:sp>
+        <p:nvSpPr>
+          <p:cNvPr id="31" name="箭头: 右 30">
+            <a:extLst>
+              <a:ext uri="{FF2B5EF4-FFF2-40B4-BE49-F238E27FC236}">
+                <a16:creationId xmlns:a16="http://schemas.microsoft.com/office/drawing/2014/main" id="{65CCC466-5BBC-45EB-B511-771BF5C16553}"/>
+              </a:ext>
+            </a:extLst>
+          </p:cNvPr>
+          <p:cNvSpPr/>
+          <p:nvPr/>
+        </p:nvSpPr>
+        <p:spPr>
+          <a:xfrm>
+            <a:off x="5935162" y="4000942"/>
+            <a:ext cx="661919" cy="224891"/>
+          </a:xfrm>
+          <a:prstGeom prst="rightArrow">
+            <a:avLst>
+              <a:gd name="adj1" fmla="val 50000"/>
+              <a:gd name="adj2" fmla="val 50000"/>
+            </a:avLst>
+          </a:prstGeom>
+          <a:solidFill>
+            <a:schemeClr val="accent1">
+              <a:lumMod val="40000"/>
+              <a:lumOff val="60000"/>
+            </a:schemeClr>
+          </a:solidFill>
+        </p:spPr>
+        <p:style>
+          <a:lnRef idx="2">
+            <a:schemeClr val="accent1">
+              <a:shade val="15000"/>
+            </a:schemeClr>
+          </a:lnRef>
+          <a:fillRef idx="1">
+            <a:schemeClr val="accent1"/>
+          </a:fillRef>
+          <a:effectRef idx="0">
+            <a:schemeClr val="accent1"/>
+          </a:effectRef>
+          <a:fontRef idx="minor">
+            <a:schemeClr val="lt1"/>
+          </a:fontRef>
+        </p:style>
+        <p:txBody>
+          <a:bodyPr rtlCol="0" anchor="ctr"/>
+          <a:lstStyle/>
+          <a:p>
+            <a:pPr algn="ctr"/>
+            <a:endParaRPr lang="zh-CN" altLang="en-US"/>
+          </a:p>
+        </p:txBody>
+      </p:sp>
+      <p:sp>
+        <p:nvSpPr>
+          <p:cNvPr id="36" name="箭头: 右 35">
+            <a:extLst>
+              <a:ext uri="{FF2B5EF4-FFF2-40B4-BE49-F238E27FC236}">
+                <a16:creationId xmlns:a16="http://schemas.microsoft.com/office/drawing/2014/main" id="{2D5171D6-7709-4DDE-A635-312BA592BB07}"/>
+              </a:ext>
+            </a:extLst>
+          </p:cNvPr>
+          <p:cNvSpPr/>
+          <p:nvPr/>
+        </p:nvSpPr>
+        <p:spPr>
+          <a:xfrm>
+            <a:off x="8092009" y="4019780"/>
+            <a:ext cx="349238" cy="297433"/>
+          </a:xfrm>
+          <a:prstGeom prst="rightArrow">
+            <a:avLst/>
+          </a:prstGeom>
+          <a:solidFill>
+            <a:schemeClr val="accent1">
+              <a:lumMod val="40000"/>
+              <a:lumOff val="60000"/>
+            </a:schemeClr>
+          </a:solidFill>
+          <a:ln>
+            <a:solidFill>
+              <a:schemeClr val="tx1"/>
+            </a:solidFill>
+          </a:ln>
+        </p:spPr>
+        <p:style>
+          <a:lnRef idx="2">
+            <a:schemeClr val="accent1">
+              <a:shade val="15000"/>
+            </a:schemeClr>
+          </a:lnRef>
+          <a:fillRef idx="1">
+            <a:schemeClr val="accent1"/>
+          </a:fillRef>
+          <a:effectRef idx="0">
+            <a:schemeClr val="accent1"/>
+          </a:effectRef>
+          <a:fontRef idx="minor">
+            <a:schemeClr val="lt1"/>
+          </a:fontRef>
+        </p:style>
+        <p:txBody>
+          <a:bodyPr rtlCol="0" anchor="ctr"/>
+          <a:lstStyle/>
+          <a:p>
+            <a:pPr algn="ctr"/>
+            <a:endParaRPr lang="zh-CN" altLang="en-US"/>
+          </a:p>
+        </p:txBody>
+      </p:sp>
+      <p:sp>
+        <p:nvSpPr>
+          <p:cNvPr id="37" name="矩形: 圆角 36">
+            <a:extLst>
+              <a:ext uri="{FF2B5EF4-FFF2-40B4-BE49-F238E27FC236}">
+                <a16:creationId xmlns:a16="http://schemas.microsoft.com/office/drawing/2014/main" id="{29665D5C-29B3-4674-941F-1619DB76D53C}"/>
+              </a:ext>
+            </a:extLst>
+          </p:cNvPr>
+          <p:cNvSpPr/>
+          <p:nvPr/>
+        </p:nvSpPr>
+        <p:spPr>
+          <a:xfrm>
+            <a:off x="8515349" y="3933712"/>
+            <a:ext cx="1115881" cy="469567"/>
+          </a:xfrm>
+          <a:prstGeom prst="roundRect">
+            <a:avLst/>
+          </a:prstGeom>
+          <a:solidFill>
+            <a:schemeClr val="accent1">
+              <a:lumMod val="40000"/>
+              <a:lumOff val="60000"/>
+            </a:schemeClr>
+          </a:solidFill>
+        </p:spPr>
+        <p:style>
+          <a:lnRef idx="2">
+            <a:schemeClr val="accent1">
+              <a:shade val="15000"/>
+            </a:schemeClr>
+          </a:lnRef>
+          <a:fillRef idx="1">
+            <a:schemeClr val="accent1"/>
+          </a:fillRef>
+          <a:effectRef idx="0">
+            <a:schemeClr val="accent1"/>
+          </a:effectRef>
+          <a:fontRef idx="minor">
+            <a:schemeClr val="lt1"/>
+          </a:fontRef>
+        </p:style>
+        <p:txBody>
+          <a:bodyPr rtlCol="0" anchor="ctr"/>
+          <a:lstStyle/>
+          <a:p>
+            <a:pPr algn="ctr"/>
+            <a:r>
+              <a:rPr lang="zh-CN" altLang="en-US" sz="1400" dirty="0"/>
+              <a:t>容量再生</a:t>
+            </a:r>
+            <a:r>
+              <a:rPr lang="en-US" altLang="zh-CN" sz="1400" dirty="0"/>
+              <a:t>,</a:t>
+            </a:r>
+            <a:r>
+              <a:rPr lang="zh-CN" altLang="en-US" sz="1400" dirty="0"/>
+              <a:t>噪声</a:t>
+            </a:r>
+          </a:p>
+        </p:txBody>
+      </p:sp>
     </p:spTree>
     <p:extLst>
       <p:ext uri="{BB962C8B-B14F-4D97-AF65-F5344CB8AC3E}">
-        <p14:creationId xmlns:p14="http://schemas.microsoft.com/office/powerpoint/2010/main" val="1399798389"/>
+        <p14:creationId xmlns:p14="http://schemas.microsoft.com/office/powerpoint/2010/main" val="260093391"/>
       </p:ext>
     </p:extLst>
   </p:cSld>
@@ -7217,10 +13472,150 @@
           <a:chExt cx="0" cy="0"/>
         </a:xfrm>
       </p:grpSpPr>
+      <p:sp>
+        <p:nvSpPr>
+          <p:cNvPr id="2" name="文本框 1">
+            <a:extLst>
+              <a:ext uri="{FF2B5EF4-FFF2-40B4-BE49-F238E27FC236}">
+                <a16:creationId xmlns:a16="http://schemas.microsoft.com/office/drawing/2014/main" id="{F888538E-415A-4836-95EA-D1B2D7512AAF}"/>
+              </a:ext>
+            </a:extLst>
+          </p:cNvPr>
+          <p:cNvSpPr txBox="1"/>
+          <p:nvPr/>
+        </p:nvSpPr>
+        <p:spPr>
+          <a:xfrm>
+            <a:off x="1023115" y="305942"/>
+            <a:ext cx="9794514" cy="3396827"/>
+          </a:xfrm>
+          <a:prstGeom prst="rect">
+            <a:avLst/>
+          </a:prstGeom>
+          <a:noFill/>
+        </p:spPr>
+        <p:txBody>
+          <a:bodyPr wrap="square" rtlCol="0">
+            <a:spAutoFit/>
+          </a:bodyPr>
+          <a:lstStyle/>
+          <a:p>
+            <a:pPr>
+              <a:lnSpc>
+                <a:spcPct val="150000"/>
+              </a:lnSpc>
+            </a:pPr>
+            <a:r>
+              <a:rPr lang="zh-CN" altLang="en-US" sz="2800" b="1" dirty="0">
+                <a:latin typeface="+mn-ea"/>
+              </a:rPr>
+              <a:t>有噪声寿命预测现状</a:t>
+            </a:r>
+            <a:endParaRPr lang="en-US" altLang="zh-CN" sz="2800" b="1" dirty="0">
+              <a:latin typeface="+mn-ea"/>
+            </a:endParaRPr>
+          </a:p>
+          <a:p>
+            <a:pPr>
+              <a:lnSpc>
+                <a:spcPct val="150000"/>
+              </a:lnSpc>
+            </a:pPr>
+            <a:endParaRPr lang="en-US" altLang="zh-CN" b="1" dirty="0"/>
+          </a:p>
+          <a:p>
+            <a:pPr>
+              <a:lnSpc>
+                <a:spcPct val="150000"/>
+              </a:lnSpc>
+            </a:pPr>
+            <a:r>
+              <a:rPr lang="en-US" altLang="zh-CN" dirty="0"/>
+              <a:t>Remaining useful life prediction of lithium-ion batteries using CEEMDAN and WOA-SVR model</a:t>
+            </a:r>
+            <a:endParaRPr lang="en-US" altLang="zh-CN" b="1" dirty="0"/>
+          </a:p>
+          <a:p>
+            <a:pPr>
+              <a:lnSpc>
+                <a:spcPct val="150000"/>
+              </a:lnSpc>
+            </a:pPr>
+            <a:r>
+              <a:rPr lang="en-US" altLang="zh-CN" b="1" dirty="0"/>
+              <a:t>2022</a:t>
+            </a:r>
+          </a:p>
+          <a:p>
+            <a:pPr>
+              <a:lnSpc>
+                <a:spcPct val="150000"/>
+              </a:lnSpc>
+            </a:pPr>
+            <a:endParaRPr lang="en-US" altLang="zh-CN" b="1" dirty="0"/>
+          </a:p>
+          <a:p>
+            <a:pPr>
+              <a:lnSpc>
+                <a:spcPct val="150000"/>
+              </a:lnSpc>
+            </a:pPr>
+            <a:r>
+              <a:rPr lang="zh-CN" altLang="en-US" dirty="0">
+                <a:latin typeface="+mn-ea"/>
+              </a:rPr>
+              <a:t>默认原始数据是带噪声的</a:t>
+            </a:r>
+            <a:endParaRPr lang="en-US" altLang="zh-CN" dirty="0">
+              <a:latin typeface="+mn-ea"/>
+            </a:endParaRPr>
+          </a:p>
+          <a:p>
+            <a:pPr>
+              <a:lnSpc>
+                <a:spcPct val="150000"/>
+              </a:lnSpc>
+            </a:pPr>
+            <a:endParaRPr lang="en-US" altLang="zh-CN" sz="2800" b="1" dirty="0">
+              <a:latin typeface="+mn-ea"/>
+            </a:endParaRPr>
+          </a:p>
+        </p:txBody>
+      </p:sp>
+      <p:pic>
+        <p:nvPicPr>
+          <p:cNvPr id="3" name="图片 2">
+            <a:extLst>
+              <a:ext uri="{FF2B5EF4-FFF2-40B4-BE49-F238E27FC236}">
+                <a16:creationId xmlns:a16="http://schemas.microsoft.com/office/drawing/2014/main" id="{51A501C2-6394-4B74-82C5-BEE5C0E2DC08}"/>
+              </a:ext>
+            </a:extLst>
+          </p:cNvPr>
+          <p:cNvPicPr>
+            <a:picLocks noChangeAspect="1"/>
+          </p:cNvPicPr>
+          <p:nvPr/>
+        </p:nvPicPr>
+        <p:blipFill>
+          <a:blip r:embed="rId2"/>
+          <a:stretch>
+            <a:fillRect/>
+          </a:stretch>
+        </p:blipFill>
+        <p:spPr>
+          <a:xfrm>
+            <a:off x="6242979" y="2814221"/>
+            <a:ext cx="5949021" cy="4043779"/>
+          </a:xfrm>
+          <a:prstGeom prst="rect">
+            <a:avLst/>
+          </a:prstGeom>
+        </p:spPr>
+      </p:pic>
     </p:spTree>
     <p:extLst>
       <p:ext uri="{BB962C8B-B14F-4D97-AF65-F5344CB8AC3E}">
-        <p14:creationId xmlns:p14="http://schemas.microsoft.com/office/powerpoint/2010/main" val="4151425089"/>
+        <p14:creationId xmlns:p14="http://schemas.microsoft.com/office/powerpoint/2010/main" val="203447594"/>
       </p:ext>
     </p:extLst>
   </p:cSld>
@@ -7247,10 +13642,1011 @@
           <a:chExt cx="0" cy="0"/>
         </a:xfrm>
       </p:grpSpPr>
+      <p:pic>
+        <p:nvPicPr>
+          <p:cNvPr id="2" name="图片 1">
+            <a:extLst>
+              <a:ext uri="{FF2B5EF4-FFF2-40B4-BE49-F238E27FC236}">
+                <a16:creationId xmlns:a16="http://schemas.microsoft.com/office/drawing/2014/main" id="{52D609C2-FBA9-4A7A-BEFF-8467F70D02A3}"/>
+              </a:ext>
+            </a:extLst>
+          </p:cNvPr>
+          <p:cNvPicPr>
+            <a:picLocks noChangeAspect="1"/>
+          </p:cNvPicPr>
+          <p:nvPr/>
+        </p:nvPicPr>
+        <p:blipFill>
+          <a:blip r:embed="rId2"/>
+          <a:stretch>
+            <a:fillRect/>
+          </a:stretch>
+        </p:blipFill>
+        <p:spPr>
+          <a:xfrm>
+            <a:off x="4902925" y="1277684"/>
+            <a:ext cx="5229399" cy="3478082"/>
+          </a:xfrm>
+          <a:prstGeom prst="rect">
+            <a:avLst/>
+          </a:prstGeom>
+        </p:spPr>
+      </p:pic>
+      <p:sp>
+        <p:nvSpPr>
+          <p:cNvPr id="5" name="椭圆 4">
+            <a:extLst>
+              <a:ext uri="{FF2B5EF4-FFF2-40B4-BE49-F238E27FC236}">
+                <a16:creationId xmlns:a16="http://schemas.microsoft.com/office/drawing/2014/main" id="{C7E278BD-D850-A406-5BB1-3A9C6C318871}"/>
+              </a:ext>
+            </a:extLst>
+          </p:cNvPr>
+          <p:cNvSpPr/>
+          <p:nvPr/>
+        </p:nvSpPr>
+        <p:spPr>
+          <a:xfrm>
+            <a:off x="923846" y="2633794"/>
+            <a:ext cx="1115881" cy="697848"/>
+          </a:xfrm>
+          <a:prstGeom prst="ellipse">
+            <a:avLst/>
+          </a:prstGeom>
+          <a:solidFill>
+            <a:schemeClr val="accent1">
+              <a:lumMod val="40000"/>
+              <a:lumOff val="60000"/>
+            </a:schemeClr>
+          </a:solidFill>
+        </p:spPr>
+        <p:style>
+          <a:lnRef idx="2">
+            <a:schemeClr val="accent1">
+              <a:shade val="15000"/>
+            </a:schemeClr>
+          </a:lnRef>
+          <a:fillRef idx="1">
+            <a:schemeClr val="accent1"/>
+          </a:fillRef>
+          <a:effectRef idx="0">
+            <a:schemeClr val="accent1"/>
+          </a:effectRef>
+          <a:fontRef idx="minor">
+            <a:schemeClr val="lt1"/>
+          </a:fontRef>
+        </p:style>
+        <p:txBody>
+          <a:bodyPr rtlCol="0" anchor="ctr"/>
+          <a:lstStyle/>
+          <a:p>
+            <a:pPr algn="ctr"/>
+            <a:r>
+              <a:rPr lang="zh-CN" altLang="en-US" sz="1400" dirty="0">
+                <a:solidFill>
+                  <a:schemeClr val="tx1"/>
+                </a:solidFill>
+              </a:rPr>
+              <a:t>完全自适应模态分解</a:t>
+            </a:r>
+          </a:p>
+        </p:txBody>
+      </p:sp>
+      <p:sp>
+        <p:nvSpPr>
+          <p:cNvPr id="8" name="矩形: 圆角 7">
+            <a:extLst>
+              <a:ext uri="{FF2B5EF4-FFF2-40B4-BE49-F238E27FC236}">
+                <a16:creationId xmlns:a16="http://schemas.microsoft.com/office/drawing/2014/main" id="{D4DC892F-F11C-923D-03C9-268078FB67D0}"/>
+              </a:ext>
+            </a:extLst>
+          </p:cNvPr>
+          <p:cNvSpPr/>
+          <p:nvPr/>
+        </p:nvSpPr>
+        <p:spPr>
+          <a:xfrm>
+            <a:off x="2795840" y="2211460"/>
+            <a:ext cx="753375" cy="362309"/>
+          </a:xfrm>
+          <a:prstGeom prst="roundRect">
+            <a:avLst/>
+          </a:prstGeom>
+          <a:solidFill>
+            <a:schemeClr val="accent1">
+              <a:lumMod val="40000"/>
+              <a:lumOff val="60000"/>
+            </a:schemeClr>
+          </a:solidFill>
+        </p:spPr>
+        <p:style>
+          <a:lnRef idx="2">
+            <a:schemeClr val="accent1">
+              <a:shade val="15000"/>
+            </a:schemeClr>
+          </a:lnRef>
+          <a:fillRef idx="1">
+            <a:schemeClr val="accent1"/>
+          </a:fillRef>
+          <a:effectRef idx="0">
+            <a:schemeClr val="accent1"/>
+          </a:effectRef>
+          <a:fontRef idx="minor">
+            <a:schemeClr val="lt1"/>
+          </a:fontRef>
+        </p:style>
+        <p:txBody>
+          <a:bodyPr rtlCol="0" anchor="ctr"/>
+          <a:lstStyle/>
+          <a:p>
+            <a:pPr algn="ctr"/>
+            <a:r>
+              <a:rPr lang="en-US" altLang="zh-CN" sz="1000" dirty="0">
+                <a:solidFill>
+                  <a:schemeClr val="tx1"/>
+                </a:solidFill>
+              </a:rPr>
+              <a:t>IMF1</a:t>
+            </a:r>
+            <a:endParaRPr lang="zh-CN" altLang="en-US" sz="1000" dirty="0">
+              <a:solidFill>
+                <a:schemeClr val="tx1"/>
+              </a:solidFill>
+            </a:endParaRPr>
+          </a:p>
+        </p:txBody>
+      </p:sp>
+      <p:sp>
+        <p:nvSpPr>
+          <p:cNvPr id="9" name="矩形: 圆角 8">
+            <a:extLst>
+              <a:ext uri="{FF2B5EF4-FFF2-40B4-BE49-F238E27FC236}">
+                <a16:creationId xmlns:a16="http://schemas.microsoft.com/office/drawing/2014/main" id="{79097161-77C4-287B-6FA1-F234012DCACE}"/>
+              </a:ext>
+            </a:extLst>
+          </p:cNvPr>
+          <p:cNvSpPr/>
+          <p:nvPr/>
+        </p:nvSpPr>
+        <p:spPr>
+          <a:xfrm>
+            <a:off x="2795840" y="2835571"/>
+            <a:ext cx="753375" cy="362309"/>
+          </a:xfrm>
+          <a:prstGeom prst="roundRect">
+            <a:avLst/>
+          </a:prstGeom>
+          <a:solidFill>
+            <a:schemeClr val="accent1">
+              <a:lumMod val="40000"/>
+              <a:lumOff val="60000"/>
+            </a:schemeClr>
+          </a:solidFill>
+        </p:spPr>
+        <p:style>
+          <a:lnRef idx="2">
+            <a:schemeClr val="accent1">
+              <a:shade val="15000"/>
+            </a:schemeClr>
+          </a:lnRef>
+          <a:fillRef idx="1">
+            <a:schemeClr val="accent1"/>
+          </a:fillRef>
+          <a:effectRef idx="0">
+            <a:schemeClr val="accent1"/>
+          </a:effectRef>
+          <a:fontRef idx="minor">
+            <a:schemeClr val="lt1"/>
+          </a:fontRef>
+        </p:style>
+        <p:txBody>
+          <a:bodyPr rtlCol="0" anchor="ctr"/>
+          <a:lstStyle/>
+          <a:p>
+            <a:pPr algn="ctr"/>
+            <a:r>
+              <a:rPr lang="en-US" altLang="zh-CN" sz="1000" dirty="0">
+                <a:solidFill>
+                  <a:schemeClr val="tx1"/>
+                </a:solidFill>
+              </a:rPr>
+              <a:t>IMF2</a:t>
+            </a:r>
+            <a:endParaRPr lang="zh-CN" altLang="en-US" sz="1000" dirty="0">
+              <a:solidFill>
+                <a:schemeClr val="tx1"/>
+              </a:solidFill>
+            </a:endParaRPr>
+          </a:p>
+        </p:txBody>
+      </p:sp>
+      <p:sp>
+        <p:nvSpPr>
+          <p:cNvPr id="10" name="矩形: 圆角 9">
+            <a:extLst>
+              <a:ext uri="{FF2B5EF4-FFF2-40B4-BE49-F238E27FC236}">
+                <a16:creationId xmlns:a16="http://schemas.microsoft.com/office/drawing/2014/main" id="{781F25D5-5BC7-E37B-C3B8-4F3E4E3048CA}"/>
+              </a:ext>
+            </a:extLst>
+          </p:cNvPr>
+          <p:cNvSpPr/>
+          <p:nvPr/>
+        </p:nvSpPr>
+        <p:spPr>
+          <a:xfrm>
+            <a:off x="2795840" y="3847465"/>
+            <a:ext cx="753375" cy="362309"/>
+          </a:xfrm>
+          <a:prstGeom prst="roundRect">
+            <a:avLst/>
+          </a:prstGeom>
+          <a:solidFill>
+            <a:schemeClr val="accent1">
+              <a:lumMod val="40000"/>
+              <a:lumOff val="60000"/>
+            </a:schemeClr>
+          </a:solidFill>
+        </p:spPr>
+        <p:style>
+          <a:lnRef idx="2">
+            <a:schemeClr val="accent1">
+              <a:shade val="15000"/>
+            </a:schemeClr>
+          </a:lnRef>
+          <a:fillRef idx="1">
+            <a:schemeClr val="accent1"/>
+          </a:fillRef>
+          <a:effectRef idx="0">
+            <a:schemeClr val="accent1"/>
+          </a:effectRef>
+          <a:fontRef idx="minor">
+            <a:schemeClr val="lt1"/>
+          </a:fontRef>
+        </p:style>
+        <p:txBody>
+          <a:bodyPr rtlCol="0" anchor="ctr"/>
+          <a:lstStyle/>
+          <a:p>
+            <a:pPr algn="ctr"/>
+            <a:r>
+              <a:rPr lang="en-US" altLang="zh-CN" sz="1000" dirty="0">
+                <a:solidFill>
+                  <a:schemeClr val="tx1"/>
+                </a:solidFill>
+              </a:rPr>
+              <a:t>IMFN</a:t>
+            </a:r>
+            <a:endParaRPr lang="zh-CN" altLang="en-US" sz="1000" dirty="0">
+              <a:solidFill>
+                <a:schemeClr val="tx1"/>
+              </a:solidFill>
+            </a:endParaRPr>
+          </a:p>
+        </p:txBody>
+      </p:sp>
+      <p:sp>
+        <p:nvSpPr>
+          <p:cNvPr id="21" name="箭头: 右 20">
+            <a:extLst>
+              <a:ext uri="{FF2B5EF4-FFF2-40B4-BE49-F238E27FC236}">
+                <a16:creationId xmlns:a16="http://schemas.microsoft.com/office/drawing/2014/main" id="{7DF70462-46CA-8D4A-2A6A-1B9C0EDC2564}"/>
+              </a:ext>
+            </a:extLst>
+          </p:cNvPr>
+          <p:cNvSpPr/>
+          <p:nvPr/>
+        </p:nvSpPr>
+        <p:spPr>
+          <a:xfrm>
+            <a:off x="3714204" y="2855193"/>
+            <a:ext cx="1115881" cy="362308"/>
+          </a:xfrm>
+          <a:prstGeom prst="rightArrow">
+            <a:avLst>
+              <a:gd name="adj1" fmla="val 50000"/>
+              <a:gd name="adj2" fmla="val 50000"/>
+            </a:avLst>
+          </a:prstGeom>
+          <a:solidFill>
+            <a:schemeClr val="accent1">
+              <a:lumMod val="40000"/>
+              <a:lumOff val="60000"/>
+            </a:schemeClr>
+          </a:solidFill>
+        </p:spPr>
+        <p:style>
+          <a:lnRef idx="2">
+            <a:schemeClr val="accent1">
+              <a:shade val="15000"/>
+            </a:schemeClr>
+          </a:lnRef>
+          <a:fillRef idx="1">
+            <a:schemeClr val="accent1"/>
+          </a:fillRef>
+          <a:effectRef idx="0">
+            <a:schemeClr val="accent1"/>
+          </a:effectRef>
+          <a:fontRef idx="minor">
+            <a:schemeClr val="lt1"/>
+          </a:fontRef>
+        </p:style>
+        <p:txBody>
+          <a:bodyPr rtlCol="0" anchor="ctr"/>
+          <a:lstStyle/>
+          <a:p>
+            <a:pPr algn="ctr"/>
+            <a:endParaRPr lang="zh-CN" altLang="en-US"/>
+          </a:p>
+        </p:txBody>
+      </p:sp>
+      <p:sp>
+        <p:nvSpPr>
+          <p:cNvPr id="28" name="箭头: 右 27">
+            <a:extLst>
+              <a:ext uri="{FF2B5EF4-FFF2-40B4-BE49-F238E27FC236}">
+                <a16:creationId xmlns:a16="http://schemas.microsoft.com/office/drawing/2014/main" id="{C0D325AE-77C3-5FDB-2960-3A320D5AF931}"/>
+              </a:ext>
+            </a:extLst>
+          </p:cNvPr>
+          <p:cNvSpPr/>
+          <p:nvPr/>
+        </p:nvSpPr>
+        <p:spPr>
+          <a:xfrm>
+            <a:off x="2084444" y="2847326"/>
+            <a:ext cx="606434" cy="280502"/>
+          </a:xfrm>
+          <a:prstGeom prst="rightArrow">
+            <a:avLst>
+              <a:gd name="adj1" fmla="val 50000"/>
+              <a:gd name="adj2" fmla="val 50000"/>
+            </a:avLst>
+          </a:prstGeom>
+          <a:solidFill>
+            <a:schemeClr val="accent1">
+              <a:lumMod val="40000"/>
+              <a:lumOff val="60000"/>
+            </a:schemeClr>
+          </a:solidFill>
+        </p:spPr>
+        <p:style>
+          <a:lnRef idx="2">
+            <a:schemeClr val="accent1">
+              <a:shade val="15000"/>
+            </a:schemeClr>
+          </a:lnRef>
+          <a:fillRef idx="1">
+            <a:schemeClr val="accent1"/>
+          </a:fillRef>
+          <a:effectRef idx="0">
+            <a:schemeClr val="accent1"/>
+          </a:effectRef>
+          <a:fontRef idx="minor">
+            <a:schemeClr val="lt1"/>
+          </a:fontRef>
+        </p:style>
+        <p:txBody>
+          <a:bodyPr rtlCol="0" anchor="ctr"/>
+          <a:lstStyle/>
+          <a:p>
+            <a:pPr algn="ctr"/>
+            <a:endParaRPr lang="zh-CN" altLang="en-US"/>
+          </a:p>
+        </p:txBody>
+      </p:sp>
+      <p:sp>
+        <p:nvSpPr>
+          <p:cNvPr id="32" name="箭头: 右 31">
+            <a:extLst>
+              <a:ext uri="{FF2B5EF4-FFF2-40B4-BE49-F238E27FC236}">
+                <a16:creationId xmlns:a16="http://schemas.microsoft.com/office/drawing/2014/main" id="{4C55AA1E-825E-9AA4-16C2-DAB75CDD5238}"/>
+              </a:ext>
+            </a:extLst>
+          </p:cNvPr>
+          <p:cNvSpPr/>
+          <p:nvPr/>
+        </p:nvSpPr>
+        <p:spPr>
+          <a:xfrm>
+            <a:off x="10524483" y="2868008"/>
+            <a:ext cx="349238" cy="297433"/>
+          </a:xfrm>
+          <a:prstGeom prst="rightArrow">
+            <a:avLst/>
+          </a:prstGeom>
+          <a:solidFill>
+            <a:schemeClr val="accent1">
+              <a:lumMod val="40000"/>
+              <a:lumOff val="60000"/>
+            </a:schemeClr>
+          </a:solidFill>
+          <a:ln>
+            <a:solidFill>
+              <a:schemeClr val="tx1"/>
+            </a:solidFill>
+          </a:ln>
+        </p:spPr>
+        <p:style>
+          <a:lnRef idx="2">
+            <a:schemeClr val="accent1">
+              <a:shade val="15000"/>
+            </a:schemeClr>
+          </a:lnRef>
+          <a:fillRef idx="1">
+            <a:schemeClr val="accent1"/>
+          </a:fillRef>
+          <a:effectRef idx="0">
+            <a:schemeClr val="accent1"/>
+          </a:effectRef>
+          <a:fontRef idx="minor">
+            <a:schemeClr val="lt1"/>
+          </a:fontRef>
+        </p:style>
+        <p:txBody>
+          <a:bodyPr rtlCol="0" anchor="ctr"/>
+          <a:lstStyle/>
+          <a:p>
+            <a:pPr algn="ctr"/>
+            <a:endParaRPr lang="zh-CN" altLang="en-US"/>
+          </a:p>
+        </p:txBody>
+      </p:sp>
+      <p:sp>
+        <p:nvSpPr>
+          <p:cNvPr id="33" name="矩形: 圆角 32">
+            <a:extLst>
+              <a:ext uri="{FF2B5EF4-FFF2-40B4-BE49-F238E27FC236}">
+                <a16:creationId xmlns:a16="http://schemas.microsoft.com/office/drawing/2014/main" id="{3CDE7CB4-E973-4E73-4FD6-D3A4276332CD}"/>
+              </a:ext>
+            </a:extLst>
+          </p:cNvPr>
+          <p:cNvSpPr/>
+          <p:nvPr/>
+        </p:nvSpPr>
+        <p:spPr>
+          <a:xfrm>
+            <a:off x="11086785" y="2752361"/>
+            <a:ext cx="718517" cy="469567"/>
+          </a:xfrm>
+          <a:prstGeom prst="roundRect">
+            <a:avLst/>
+          </a:prstGeom>
+          <a:solidFill>
+            <a:schemeClr val="accent1">
+              <a:lumMod val="40000"/>
+              <a:lumOff val="60000"/>
+            </a:schemeClr>
+          </a:solidFill>
+        </p:spPr>
+        <p:style>
+          <a:lnRef idx="2">
+            <a:schemeClr val="accent1">
+              <a:shade val="15000"/>
+            </a:schemeClr>
+          </a:lnRef>
+          <a:fillRef idx="1">
+            <a:schemeClr val="accent1"/>
+          </a:fillRef>
+          <a:effectRef idx="0">
+            <a:schemeClr val="accent1"/>
+          </a:effectRef>
+          <a:fontRef idx="minor">
+            <a:schemeClr val="lt1"/>
+          </a:fontRef>
+        </p:style>
+        <p:txBody>
+          <a:bodyPr rtlCol="0" anchor="ctr"/>
+          <a:lstStyle/>
+          <a:p>
+            <a:pPr algn="ctr"/>
+            <a:r>
+              <a:rPr lang="zh-CN" altLang="en-US" sz="1400" dirty="0"/>
+              <a:t>预测结果</a:t>
+            </a:r>
+          </a:p>
+        </p:txBody>
+      </p:sp>
+      <p:sp>
+        <p:nvSpPr>
+          <p:cNvPr id="67" name="矩形 66">
+            <a:extLst>
+              <a:ext uri="{FF2B5EF4-FFF2-40B4-BE49-F238E27FC236}">
+                <a16:creationId xmlns:a16="http://schemas.microsoft.com/office/drawing/2014/main" id="{8C62AE5C-F396-8795-835E-A481060C1036}"/>
+              </a:ext>
+            </a:extLst>
+          </p:cNvPr>
+          <p:cNvSpPr/>
+          <p:nvPr/>
+        </p:nvSpPr>
+        <p:spPr>
+          <a:xfrm>
+            <a:off x="901069" y="2059650"/>
+            <a:ext cx="3047395" cy="2276462"/>
+          </a:xfrm>
+          <a:prstGeom prst="rect">
+            <a:avLst/>
+          </a:prstGeom>
+          <a:noFill/>
+          <a:ln>
+            <a:solidFill>
+              <a:schemeClr val="accent1">
+                <a:shade val="15000"/>
+              </a:schemeClr>
+            </a:solidFill>
+            <a:prstDash val="dash"/>
+            <a:extLst>
+              <a:ext uri="{C807C97D-BFC1-408E-A445-0C87EB9F89A2}">
+                <ask:lineSketchStyleProps xmlns="" xmlns:ask="http://schemas.microsoft.com/office/drawing/2018/sketchyshapes" sd="1219033472">
+                  <a:custGeom>
+                    <a:avLst/>
+                    <a:gdLst>
+                      <a:gd name="connsiteX0" fmla="*/ 0 w 3595196"/>
+                      <a:gd name="connsiteY0" fmla="*/ 0 h 3488923"/>
+                      <a:gd name="connsiteX1" fmla="*/ 563247 w 3595196"/>
+                      <a:gd name="connsiteY1" fmla="*/ 0 h 3488923"/>
+                      <a:gd name="connsiteX2" fmla="*/ 1054591 w 3595196"/>
+                      <a:gd name="connsiteY2" fmla="*/ 0 h 3488923"/>
+                      <a:gd name="connsiteX3" fmla="*/ 1725694 w 3595196"/>
+                      <a:gd name="connsiteY3" fmla="*/ 0 h 3488923"/>
+                      <a:gd name="connsiteX4" fmla="*/ 2288941 w 3595196"/>
+                      <a:gd name="connsiteY4" fmla="*/ 0 h 3488923"/>
+                      <a:gd name="connsiteX5" fmla="*/ 2852189 w 3595196"/>
+                      <a:gd name="connsiteY5" fmla="*/ 0 h 3488923"/>
+                      <a:gd name="connsiteX6" fmla="*/ 3595196 w 3595196"/>
+                      <a:gd name="connsiteY6" fmla="*/ 0 h 3488923"/>
+                      <a:gd name="connsiteX7" fmla="*/ 3595196 w 3595196"/>
+                      <a:gd name="connsiteY7" fmla="*/ 628006 h 3488923"/>
+                      <a:gd name="connsiteX8" fmla="*/ 3595196 w 3595196"/>
+                      <a:gd name="connsiteY8" fmla="*/ 1325791 h 3488923"/>
+                      <a:gd name="connsiteX9" fmla="*/ 3595196 w 3595196"/>
+                      <a:gd name="connsiteY9" fmla="*/ 1953797 h 3488923"/>
+                      <a:gd name="connsiteX10" fmla="*/ 3595196 w 3595196"/>
+                      <a:gd name="connsiteY10" fmla="*/ 2581803 h 3488923"/>
+                      <a:gd name="connsiteX11" fmla="*/ 3595196 w 3595196"/>
+                      <a:gd name="connsiteY11" fmla="*/ 3488923 h 3488923"/>
+                      <a:gd name="connsiteX12" fmla="*/ 2960045 w 3595196"/>
+                      <a:gd name="connsiteY12" fmla="*/ 3488923 h 3488923"/>
+                      <a:gd name="connsiteX13" fmla="*/ 2288941 w 3595196"/>
+                      <a:gd name="connsiteY13" fmla="*/ 3488923 h 3488923"/>
+                      <a:gd name="connsiteX14" fmla="*/ 1617838 w 3595196"/>
+                      <a:gd name="connsiteY14" fmla="*/ 3488923 h 3488923"/>
+                      <a:gd name="connsiteX15" fmla="*/ 1090543 w 3595196"/>
+                      <a:gd name="connsiteY15" fmla="*/ 3488923 h 3488923"/>
+                      <a:gd name="connsiteX16" fmla="*/ 0 w 3595196"/>
+                      <a:gd name="connsiteY16" fmla="*/ 3488923 h 3488923"/>
+                      <a:gd name="connsiteX17" fmla="*/ 0 w 3595196"/>
+                      <a:gd name="connsiteY17" fmla="*/ 2721360 h 3488923"/>
+                      <a:gd name="connsiteX18" fmla="*/ 0 w 3595196"/>
+                      <a:gd name="connsiteY18" fmla="*/ 2128243 h 3488923"/>
+                      <a:gd name="connsiteX19" fmla="*/ 0 w 3595196"/>
+                      <a:gd name="connsiteY19" fmla="*/ 1500237 h 3488923"/>
+                      <a:gd name="connsiteX20" fmla="*/ 0 w 3595196"/>
+                      <a:gd name="connsiteY20" fmla="*/ 872231 h 3488923"/>
+                      <a:gd name="connsiteX21" fmla="*/ 0 w 3595196"/>
+                      <a:gd name="connsiteY21" fmla="*/ 0 h 3488923"/>
+                    </a:gdLst>
+                    <a:ahLst/>
+                    <a:cxnLst>
+                      <a:cxn ang="0">
+                        <a:pos x="connsiteX0" y="connsiteY0"/>
+                      </a:cxn>
+                      <a:cxn ang="0">
+                        <a:pos x="connsiteX1" y="connsiteY1"/>
+                      </a:cxn>
+                      <a:cxn ang="0">
+                        <a:pos x="connsiteX2" y="connsiteY2"/>
+                      </a:cxn>
+                      <a:cxn ang="0">
+                        <a:pos x="connsiteX3" y="connsiteY3"/>
+                      </a:cxn>
+                      <a:cxn ang="0">
+                        <a:pos x="connsiteX4" y="connsiteY4"/>
+                      </a:cxn>
+                      <a:cxn ang="0">
+                        <a:pos x="connsiteX5" y="connsiteY5"/>
+                      </a:cxn>
+                      <a:cxn ang="0">
+                        <a:pos x="connsiteX6" y="connsiteY6"/>
+                      </a:cxn>
+                      <a:cxn ang="0">
+                        <a:pos x="connsiteX7" y="connsiteY7"/>
+                      </a:cxn>
+                      <a:cxn ang="0">
+                        <a:pos x="connsiteX8" y="connsiteY8"/>
+                      </a:cxn>
+                      <a:cxn ang="0">
+                        <a:pos x="connsiteX9" y="connsiteY9"/>
+                      </a:cxn>
+                      <a:cxn ang="0">
+                        <a:pos x="connsiteX10" y="connsiteY10"/>
+                      </a:cxn>
+                      <a:cxn ang="0">
+                        <a:pos x="connsiteX11" y="connsiteY11"/>
+                      </a:cxn>
+                      <a:cxn ang="0">
+                        <a:pos x="connsiteX12" y="connsiteY12"/>
+                      </a:cxn>
+                      <a:cxn ang="0">
+                        <a:pos x="connsiteX13" y="connsiteY13"/>
+                      </a:cxn>
+                      <a:cxn ang="0">
+                        <a:pos x="connsiteX14" y="connsiteY14"/>
+                      </a:cxn>
+                      <a:cxn ang="0">
+                        <a:pos x="connsiteX15" y="connsiteY15"/>
+                      </a:cxn>
+                      <a:cxn ang="0">
+                        <a:pos x="connsiteX16" y="connsiteY16"/>
+                      </a:cxn>
+                      <a:cxn ang="0">
+                        <a:pos x="connsiteX17" y="connsiteY17"/>
+                      </a:cxn>
+                      <a:cxn ang="0">
+                        <a:pos x="connsiteX18" y="connsiteY18"/>
+                      </a:cxn>
+                      <a:cxn ang="0">
+                        <a:pos x="connsiteX19" y="connsiteY19"/>
+                      </a:cxn>
+                      <a:cxn ang="0">
+                        <a:pos x="connsiteX20" y="connsiteY20"/>
+                      </a:cxn>
+                      <a:cxn ang="0">
+                        <a:pos x="connsiteX21" y="connsiteY21"/>
+                      </a:cxn>
+                    </a:cxnLst>
+                    <a:rect l="l" t="t" r="r" b="b"/>
+                    <a:pathLst>
+                      <a:path w="3595196" h="3488923" extrusionOk="0">
+                        <a:moveTo>
+                          <a:pt x="0" y="0"/>
+                        </a:moveTo>
+                        <a:cubicBezTo>
+                          <a:pt x="149156" y="-20299"/>
+                          <a:pt x="353103" y="-16551"/>
+                          <a:pt x="563247" y="0"/>
+                        </a:cubicBezTo>
+                        <a:cubicBezTo>
+                          <a:pt x="773391" y="16551"/>
+                          <a:pt x="937663" y="-13606"/>
+                          <a:pt x="1054591" y="0"/>
+                        </a:cubicBezTo>
+                        <a:cubicBezTo>
+                          <a:pt x="1171519" y="13606"/>
+                          <a:pt x="1580439" y="18120"/>
+                          <a:pt x="1725694" y="0"/>
+                        </a:cubicBezTo>
+                        <a:cubicBezTo>
+                          <a:pt x="1870949" y="-18120"/>
+                          <a:pt x="2077869" y="16282"/>
+                          <a:pt x="2288941" y="0"/>
+                        </a:cubicBezTo>
+                        <a:cubicBezTo>
+                          <a:pt x="2500013" y="-16282"/>
+                          <a:pt x="2660767" y="-5659"/>
+                          <a:pt x="2852189" y="0"/>
+                        </a:cubicBezTo>
+                        <a:cubicBezTo>
+                          <a:pt x="3043611" y="5659"/>
+                          <a:pt x="3284036" y="-3840"/>
+                          <a:pt x="3595196" y="0"/>
+                        </a:cubicBezTo>
+                        <a:cubicBezTo>
+                          <a:pt x="3609934" y="190344"/>
+                          <a:pt x="3567707" y="357584"/>
+                          <a:pt x="3595196" y="628006"/>
+                        </a:cubicBezTo>
+                        <a:cubicBezTo>
+                          <a:pt x="3622685" y="898428"/>
+                          <a:pt x="3618601" y="1103762"/>
+                          <a:pt x="3595196" y="1325791"/>
+                        </a:cubicBezTo>
+                        <a:cubicBezTo>
+                          <a:pt x="3571791" y="1547820"/>
+                          <a:pt x="3581445" y="1720315"/>
+                          <a:pt x="3595196" y="1953797"/>
+                        </a:cubicBezTo>
+                        <a:cubicBezTo>
+                          <a:pt x="3608947" y="2187279"/>
+                          <a:pt x="3614932" y="2454919"/>
+                          <a:pt x="3595196" y="2581803"/>
+                        </a:cubicBezTo>
+                        <a:cubicBezTo>
+                          <a:pt x="3575460" y="2708687"/>
+                          <a:pt x="3592797" y="3207600"/>
+                          <a:pt x="3595196" y="3488923"/>
+                        </a:cubicBezTo>
+                        <a:cubicBezTo>
+                          <a:pt x="3325526" y="3509833"/>
+                          <a:pt x="3203948" y="3503026"/>
+                          <a:pt x="2960045" y="3488923"/>
+                        </a:cubicBezTo>
+                        <a:cubicBezTo>
+                          <a:pt x="2716142" y="3474820"/>
+                          <a:pt x="2503203" y="3464026"/>
+                          <a:pt x="2288941" y="3488923"/>
+                        </a:cubicBezTo>
+                        <a:cubicBezTo>
+                          <a:pt x="2074679" y="3513820"/>
+                          <a:pt x="1754746" y="3504239"/>
+                          <a:pt x="1617838" y="3488923"/>
+                        </a:cubicBezTo>
+                        <a:cubicBezTo>
+                          <a:pt x="1480930" y="3473607"/>
+                          <a:pt x="1273182" y="3486786"/>
+                          <a:pt x="1090543" y="3488923"/>
+                        </a:cubicBezTo>
+                        <a:cubicBezTo>
+                          <a:pt x="907905" y="3491060"/>
+                          <a:pt x="349115" y="3472026"/>
+                          <a:pt x="0" y="3488923"/>
+                        </a:cubicBezTo>
+                        <a:cubicBezTo>
+                          <a:pt x="-33153" y="3168699"/>
+                          <a:pt x="29033" y="3061409"/>
+                          <a:pt x="0" y="2721360"/>
+                        </a:cubicBezTo>
+                        <a:cubicBezTo>
+                          <a:pt x="-29033" y="2381311"/>
+                          <a:pt x="8541" y="2414428"/>
+                          <a:pt x="0" y="2128243"/>
+                        </a:cubicBezTo>
+                        <a:cubicBezTo>
+                          <a:pt x="-8541" y="1842058"/>
+                          <a:pt x="-8859" y="1666521"/>
+                          <a:pt x="0" y="1500237"/>
+                        </a:cubicBezTo>
+                        <a:cubicBezTo>
+                          <a:pt x="8859" y="1333953"/>
+                          <a:pt x="19836" y="1012882"/>
+                          <a:pt x="0" y="872231"/>
+                        </a:cubicBezTo>
+                        <a:cubicBezTo>
+                          <a:pt x="-19836" y="731580"/>
+                          <a:pt x="32890" y="176066"/>
+                          <a:pt x="0" y="0"/>
+                        </a:cubicBezTo>
+                        <a:close/>
+                      </a:path>
+                    </a:pathLst>
+                  </a:custGeom>
+                  <ask:type>
+                    <ask:lineSketchNone/>
+                  </ask:type>
+                </ask:lineSketchStyleProps>
+              </a:ext>
+            </a:extLst>
+          </a:ln>
+        </p:spPr>
+        <p:style>
+          <a:lnRef idx="2">
+            <a:schemeClr val="accent1">
+              <a:shade val="15000"/>
+            </a:schemeClr>
+          </a:lnRef>
+          <a:fillRef idx="1">
+            <a:schemeClr val="accent1"/>
+          </a:fillRef>
+          <a:effectRef idx="0">
+            <a:schemeClr val="accent1"/>
+          </a:effectRef>
+          <a:fontRef idx="minor">
+            <a:schemeClr val="lt1"/>
+          </a:fontRef>
+        </p:style>
+        <p:txBody>
+          <a:bodyPr rtlCol="0" anchor="ctr"/>
+          <a:lstStyle/>
+          <a:p>
+            <a:pPr algn="ctr"/>
+            <a:endParaRPr lang="zh-CN" altLang="en-US"/>
+          </a:p>
+        </p:txBody>
+      </p:sp>
+      <p:sp>
+        <p:nvSpPr>
+          <p:cNvPr id="53" name="椭圆 52">
+            <a:extLst>
+              <a:ext uri="{FF2B5EF4-FFF2-40B4-BE49-F238E27FC236}">
+                <a16:creationId xmlns:a16="http://schemas.microsoft.com/office/drawing/2014/main" id="{3F1035F2-BE80-444E-9DE5-FFAA488FC55F}"/>
+              </a:ext>
+            </a:extLst>
+          </p:cNvPr>
+          <p:cNvSpPr/>
+          <p:nvPr/>
+        </p:nvSpPr>
+        <p:spPr>
+          <a:xfrm>
+            <a:off x="3112948" y="3451262"/>
+            <a:ext cx="45719" cy="45719"/>
+          </a:xfrm>
+          <a:prstGeom prst="ellipse">
+            <a:avLst/>
+          </a:prstGeom>
+        </p:spPr>
+        <p:style>
+          <a:lnRef idx="2">
+            <a:schemeClr val="dk1">
+              <a:shade val="15000"/>
+            </a:schemeClr>
+          </a:lnRef>
+          <a:fillRef idx="1">
+            <a:schemeClr val="dk1"/>
+          </a:fillRef>
+          <a:effectRef idx="0">
+            <a:schemeClr val="dk1"/>
+          </a:effectRef>
+          <a:fontRef idx="minor">
+            <a:schemeClr val="lt1"/>
+          </a:fontRef>
+        </p:style>
+        <p:txBody>
+          <a:bodyPr rtlCol="0" anchor="ctr"/>
+          <a:lstStyle/>
+          <a:p>
+            <a:pPr algn="ctr"/>
+            <a:endParaRPr lang="zh-CN" altLang="en-US" sz="1000"/>
+          </a:p>
+        </p:txBody>
+      </p:sp>
+      <p:sp>
+        <p:nvSpPr>
+          <p:cNvPr id="70" name="椭圆 69">
+            <a:extLst>
+              <a:ext uri="{FF2B5EF4-FFF2-40B4-BE49-F238E27FC236}">
+                <a16:creationId xmlns:a16="http://schemas.microsoft.com/office/drawing/2014/main" id="{5248956B-8611-40A8-BA3C-2BD59D203AFA}"/>
+              </a:ext>
+            </a:extLst>
+          </p:cNvPr>
+          <p:cNvSpPr/>
+          <p:nvPr/>
+        </p:nvSpPr>
+        <p:spPr>
+          <a:xfrm>
+            <a:off x="3246709" y="3451262"/>
+            <a:ext cx="45719" cy="45719"/>
+          </a:xfrm>
+          <a:prstGeom prst="ellipse">
+            <a:avLst/>
+          </a:prstGeom>
+        </p:spPr>
+        <p:style>
+          <a:lnRef idx="2">
+            <a:schemeClr val="dk1">
+              <a:shade val="15000"/>
+            </a:schemeClr>
+          </a:lnRef>
+          <a:fillRef idx="1">
+            <a:schemeClr val="dk1"/>
+          </a:fillRef>
+          <a:effectRef idx="0">
+            <a:schemeClr val="dk1"/>
+          </a:effectRef>
+          <a:fontRef idx="minor">
+            <a:schemeClr val="lt1"/>
+          </a:fontRef>
+        </p:style>
+        <p:txBody>
+          <a:bodyPr rtlCol="0" anchor="ctr"/>
+          <a:lstStyle/>
+          <a:p>
+            <a:pPr algn="ctr"/>
+            <a:endParaRPr lang="zh-CN" altLang="en-US" sz="1000"/>
+          </a:p>
+        </p:txBody>
+      </p:sp>
+      <p:sp>
+        <p:nvSpPr>
+          <p:cNvPr id="71" name="椭圆 70">
+            <a:extLst>
+              <a:ext uri="{FF2B5EF4-FFF2-40B4-BE49-F238E27FC236}">
+                <a16:creationId xmlns:a16="http://schemas.microsoft.com/office/drawing/2014/main" id="{B3213CF0-691E-4635-919C-31E998EE672F}"/>
+              </a:ext>
+            </a:extLst>
+          </p:cNvPr>
+          <p:cNvSpPr/>
+          <p:nvPr/>
+        </p:nvSpPr>
+        <p:spPr>
+          <a:xfrm>
+            <a:off x="2978547" y="3451262"/>
+            <a:ext cx="45719" cy="45719"/>
+          </a:xfrm>
+          <a:prstGeom prst="ellipse">
+            <a:avLst/>
+          </a:prstGeom>
+        </p:spPr>
+        <p:style>
+          <a:lnRef idx="2">
+            <a:schemeClr val="dk1">
+              <a:shade val="15000"/>
+            </a:schemeClr>
+          </a:lnRef>
+          <a:fillRef idx="1">
+            <a:schemeClr val="dk1"/>
+          </a:fillRef>
+          <a:effectRef idx="0">
+            <a:schemeClr val="dk1"/>
+          </a:effectRef>
+          <a:fontRef idx="minor">
+            <a:schemeClr val="lt1"/>
+          </a:fontRef>
+        </p:style>
+        <p:txBody>
+          <a:bodyPr rtlCol="0" anchor="ctr"/>
+          <a:lstStyle/>
+          <a:p>
+            <a:pPr algn="ctr"/>
+            <a:endParaRPr lang="zh-CN" altLang="en-US" sz="1000"/>
+          </a:p>
+        </p:txBody>
+      </p:sp>
+      <p:sp>
+        <p:nvSpPr>
+          <p:cNvPr id="15" name="矩形 14">
+            <a:extLst>
+              <a:ext uri="{FF2B5EF4-FFF2-40B4-BE49-F238E27FC236}">
+                <a16:creationId xmlns:a16="http://schemas.microsoft.com/office/drawing/2014/main" id="{D144853A-75B6-472A-9069-461ED2BD64FA}"/>
+              </a:ext>
+            </a:extLst>
+          </p:cNvPr>
+          <p:cNvSpPr/>
+          <p:nvPr/>
+        </p:nvSpPr>
+        <p:spPr>
+          <a:xfrm>
+            <a:off x="3714204" y="2610200"/>
+            <a:ext cx="867089" cy="198337"/>
+          </a:xfrm>
+          <a:prstGeom prst="rect">
+            <a:avLst/>
+          </a:prstGeom>
+          <a:solidFill>
+            <a:schemeClr val="bg2"/>
+          </a:solidFill>
+          <a:ln>
+            <a:solidFill>
+              <a:schemeClr val="tx2">
+                <a:lumMod val="20000"/>
+                <a:lumOff val="80000"/>
+              </a:schemeClr>
+            </a:solidFill>
+          </a:ln>
+        </p:spPr>
+        <p:style>
+          <a:lnRef idx="2">
+            <a:schemeClr val="accent1">
+              <a:shade val="15000"/>
+            </a:schemeClr>
+          </a:lnRef>
+          <a:fillRef idx="1">
+            <a:schemeClr val="accent1"/>
+          </a:fillRef>
+          <a:effectRef idx="0">
+            <a:schemeClr val="accent1"/>
+          </a:effectRef>
+          <a:fontRef idx="minor">
+            <a:schemeClr val="lt1"/>
+          </a:fontRef>
+        </p:style>
+        <p:txBody>
+          <a:bodyPr rtlCol="0" anchor="ctr"/>
+          <a:lstStyle/>
+          <a:p>
+            <a:pPr algn="ctr"/>
+            <a:r>
+              <a:rPr lang="zh-CN" altLang="en-US" sz="1050" dirty="0">
+                <a:solidFill>
+                  <a:schemeClr val="tx1"/>
+                </a:solidFill>
+              </a:rPr>
+              <a:t>判断相关性</a:t>
+            </a:r>
+          </a:p>
+        </p:txBody>
+      </p:sp>
     </p:spTree>
     <p:extLst>
       <p:ext uri="{BB962C8B-B14F-4D97-AF65-F5344CB8AC3E}">
-        <p14:creationId xmlns:p14="http://schemas.microsoft.com/office/powerpoint/2010/main" val="1739027374"/>
+        <p14:creationId xmlns:p14="http://schemas.microsoft.com/office/powerpoint/2010/main" val="2946501432"/>
       </p:ext>
     </p:extLst>
   </p:cSld>
@@ -7280,7 +14676,7 @@
     </p:spTree>
     <p:extLst>
       <p:ext uri="{BB962C8B-B14F-4D97-AF65-F5344CB8AC3E}">
-        <p14:creationId xmlns:p14="http://schemas.microsoft.com/office/powerpoint/2010/main" val="1696776079"/>
+        <p14:creationId xmlns:p14="http://schemas.microsoft.com/office/powerpoint/2010/main" val="3039406735"/>
       </p:ext>
     </p:extLst>
   </p:cSld>
